--- a/tests/testthat/multi_slide_fullslide.pptx
+++ b/tests/testthat/multi_slide_fullslide.pptx
@@ -207,7 +207,7 @@
           <a:p>
             <a:fld id="{E6375376-077A-8F42-9E71-155E70FB596E}" type="datetimeFigureOut">
               <a:rPr lang="en-US" smtClean="0"/>
-              <a:t>3/3/25</a:t>
+              <a:t>4/3/25</a:t>
             </a:fld>
             <a:endParaRPr lang="en-US"/>
           </a:p>
@@ -1253,7 +1253,7 @@
           <a:p>
             <a:fld id="{184C34C6-D93D-964F-98F1-8B05274CB5BF}" type="datetimeFigureOut">
               <a:rPr lang="en-US" smtClean="0"/>
-              <a:t>3/3/25</a:t>
+              <a:t>4/3/25</a:t>
             </a:fld>
             <a:endParaRPr lang="en-US"/>
           </a:p>
@@ -1474,7 +1474,7 @@
           <a:p>
             <a:fld id="{184C34C6-D93D-964F-98F1-8B05274CB5BF}" type="datetimeFigureOut">
               <a:rPr lang="en-US" smtClean="0"/>
-              <a:t>3/3/25</a:t>
+              <a:t>4/3/25</a:t>
             </a:fld>
             <a:endParaRPr lang="en-US" dirty="0"/>
           </a:p>
@@ -1798,7 +1798,7 @@
           <a:p>
             <a:fld id="{184C34C6-D93D-964F-98F1-8B05274CB5BF}" type="datetimeFigureOut">
               <a:rPr lang="en-US" smtClean="0"/>
-              <a:t>3/3/25</a:t>
+              <a:t>4/3/25</a:t>
             </a:fld>
             <a:endParaRPr lang="en-US" dirty="0"/>
           </a:p>
@@ -2315,7 +2315,7 @@
           <a:p>
             <a:fld id="{184C34C6-D93D-964F-98F1-8B05274CB5BF}" type="datetimeFigureOut">
               <a:rPr lang="en-US" smtClean="0"/>
-              <a:t>3/3/25</a:t>
+              <a:t>4/3/25</a:t>
             </a:fld>
             <a:endParaRPr lang="en-US" dirty="0"/>
           </a:p>
@@ -2654,10 +2654,10 @@
       </p:sp>
       <p:sp>
         <p:nvSpPr>
-          <p:cNvPr id="3" name="Content Placeholder 3">
+          <p:cNvPr id="5" name="Content Placeholder 3">
             <a:extLst>
               <a:ext uri="{FF2B5EF4-FFF2-40B4-BE49-F238E27FC236}">
-                <a16:creationId xmlns:a16="http://schemas.microsoft.com/office/drawing/2014/main" id="{308335A6-FEDB-3236-69EC-4D55F9E69E71}"/>
+                <a16:creationId xmlns:a16="http://schemas.microsoft.com/office/drawing/2014/main" id="{65DDA1B1-E990-1373-D6AB-EF6EEB4045CA}"/>
               </a:ext>
             </a:extLst>
           </p:cNvPr>
@@ -2665,51 +2665,22 @@
             <a:spLocks noGrp="1"/>
           </p:cNvSpPr>
           <p:nvPr>
-            <p:ph sz="quarter" idx="13"/>
+            <p:ph type="chart" sz="quarter" idx="12"/>
           </p:nvPr>
         </p:nvSpPr>
         <p:spPr>
           <a:xfrm>
-            <a:off x="536713" y="1517569"/>
-            <a:ext cx="11002617" cy="5068800"/>
+            <a:off x="371475" y="1808163"/>
+            <a:ext cx="11412538" cy="4284662"/>
           </a:xfrm>
         </p:spPr>
         <p:txBody>
           <a:bodyPr/>
           <a:lstStyle/>
           <a:p>
-            <a:pPr lvl="0"/>
             <a:r>
               <a:rPr lang="en-GB"/>
-              <a:t>Click to edit Master text styles</a:t>
-            </a:r>
-          </a:p>
-          <a:p>
-            <a:pPr lvl="1"/>
-            <a:r>
-              <a:rPr lang="en-GB"/>
-              <a:t>Second level</a:t>
-            </a:r>
-          </a:p>
-          <a:p>
-            <a:pPr lvl="2"/>
-            <a:r>
-              <a:rPr lang="en-GB"/>
-              <a:t>Third level</a:t>
-            </a:r>
-          </a:p>
-          <a:p>
-            <a:pPr lvl="3"/>
-            <a:r>
-              <a:rPr lang="en-GB"/>
-              <a:t>Fourth level</a:t>
-            </a:r>
-          </a:p>
-          <a:p>
-            <a:pPr lvl="4"/>
-            <a:r>
-              <a:rPr lang="en-GB"/>
-              <a:t>Fifth level</a:t>
+              <a:t>Click icon to add chart</a:t>
             </a:r>
             <a:endParaRPr lang="en-AU"/>
           </a:p>
@@ -2717,10 +2688,55 @@
       </p:sp>
       <p:sp>
         <p:nvSpPr>
-          <p:cNvPr id="46" name="Content Placeholder 2">
+          <p:cNvPr id="7" name="Caption Placeholder 1">
             <a:extLst>
               <a:ext uri="{FF2B5EF4-FFF2-40B4-BE49-F238E27FC236}">
-                <a16:creationId xmlns:a16="http://schemas.microsoft.com/office/drawing/2014/main" id="{48F4585A-2D72-19E2-7B40-41FEB45DABA5}"/>
+                <a16:creationId xmlns:a16="http://schemas.microsoft.com/office/drawing/2014/main" id="{0B68B2F7-35DA-8DD2-1D07-9D280795C281}"/>
+              </a:ext>
+            </a:extLst>
+          </p:cNvPr>
+          <p:cNvSpPr>
+            <a:spLocks noGrp="1"/>
+          </p:cNvSpPr>
+          <p:nvPr>
+            <p:ph type="body" sz="quarter" idx="11" hasCustomPrompt="1"/>
+          </p:nvPr>
+        </p:nvSpPr>
+        <p:spPr>
+          <a:xfrm>
+            <a:off x="371475" y="6239781"/>
+            <a:ext cx="10662320" cy="455613"/>
+          </a:xfrm>
+        </p:spPr>
+        <p:txBody>
+          <a:bodyPr anchor="t">
+            <a:normAutofit/>
+          </a:bodyPr>
+          <a:lstStyle>
+            <a:lvl1pPr marL="0" indent="0">
+              <a:spcBef>
+                <a:spcPts val="200"/>
+              </a:spcBef>
+              <a:buNone/>
+              <a:defRPr sz="800"/>
+            </a:lvl1pPr>
+          </a:lstStyle>
+          <a:p>
+            <a:pPr lvl="0"/>
+            <a:r>
+              <a:rPr lang="en-GB" dirty="0"/>
+              <a:t>Insert source and notes here</a:t>
+            </a:r>
+            <a:endParaRPr lang="en-AU" dirty="0"/>
+          </a:p>
+        </p:txBody>
+      </p:sp>
+      <p:sp>
+        <p:nvSpPr>
+          <p:cNvPr id="8" name="Content Placeholder 2">
+            <a:extLst>
+              <a:ext uri="{FF2B5EF4-FFF2-40B4-BE49-F238E27FC236}">
+                <a16:creationId xmlns:a16="http://schemas.microsoft.com/office/drawing/2014/main" id="{1B2EC199-2580-9D84-9E72-CE7324DB7A05}"/>
               </a:ext>
             </a:extLst>
           </p:cNvPr>
@@ -2733,13 +2749,13 @@
         </p:nvSpPr>
         <p:spPr>
           <a:xfrm>
-            <a:off x="378478" y="1192801"/>
-            <a:ext cx="11398531" cy="306710"/>
+            <a:off x="378478" y="1312069"/>
+            <a:ext cx="11398531" cy="335156"/>
           </a:xfrm>
         </p:spPr>
         <p:txBody>
           <a:bodyPr>
-            <a:normAutofit/>
+            <a:noAutofit/>
           </a:bodyPr>
           <a:lstStyle>
             <a:lvl1pPr marL="0" indent="0">
@@ -2752,54 +2768,6 @@
             <a:r>
               <a:rPr lang="en-GB" dirty="0"/>
               <a:t>Insert unit title</a:t>
-            </a:r>
-            <a:endParaRPr lang="en-AU" dirty="0"/>
-          </a:p>
-        </p:txBody>
-      </p:sp>
-      <p:sp>
-        <p:nvSpPr>
-          <p:cNvPr id="48" name="Caption Placeholder 1">
-            <a:extLst>
-              <a:ext uri="{FF2B5EF4-FFF2-40B4-BE49-F238E27FC236}">
-                <a16:creationId xmlns:a16="http://schemas.microsoft.com/office/drawing/2014/main" id="{69F7CE92-E1D5-B5FE-FFCF-4017AEF4DBAA}"/>
-              </a:ext>
-            </a:extLst>
-          </p:cNvPr>
-          <p:cNvSpPr>
-            <a:spLocks noGrp="1"/>
-          </p:cNvSpPr>
-          <p:nvPr>
-            <p:ph type="body" sz="quarter" idx="11" hasCustomPrompt="1"/>
-          </p:nvPr>
-        </p:nvSpPr>
-        <p:spPr>
-          <a:xfrm>
-            <a:off x="371474" y="6586456"/>
-            <a:ext cx="11412539" cy="228206"/>
-          </a:xfrm>
-        </p:spPr>
-        <p:txBody>
-          <a:bodyPr anchor="b" anchorCtr="0">
-            <a:noAutofit/>
-          </a:bodyPr>
-          <a:lstStyle>
-            <a:lvl1pPr marL="0" indent="0">
-              <a:lnSpc>
-                <a:spcPct val="100000"/>
-              </a:lnSpc>
-              <a:spcBef>
-                <a:spcPts val="0"/>
-              </a:spcBef>
-              <a:buNone/>
-              <a:defRPr sz="800"/>
-            </a:lvl1pPr>
-          </a:lstStyle>
-          <a:p>
-            <a:pPr lvl="0"/>
-            <a:r>
-              <a:rPr lang="en-GB" dirty="0"/>
-              <a:t>Insert source and notes here</a:t>
             </a:r>
             <a:endParaRPr lang="en-AU" dirty="0"/>
           </a:p>
@@ -3006,7 +2974,7 @@
           <a:p>
             <a:fld id="{184C34C6-D93D-964F-98F1-8B05274CB5BF}" type="datetimeFigureOut">
               <a:rPr lang="en-AU" noProof="0" smtClean="0"/>
-              <a:t>3/3/2025</a:t>
+              <a:t>3/4/2025</a:t>
             </a:fld>
             <a:endParaRPr lang="en-AU" noProof="0"/>
           </a:p>
@@ -3449,8 +3417,8 @@
         </p:nvSpPr>
         <p:spPr>
           <a:xfrm>
-            <a:off x="378478" y="1192801"/>
-            <a:ext cx="11398531" cy="306710"/>
+            <a:off x="378478" y="1312069"/>
+            <a:ext cx="11398531" cy="335156"/>
           </a:xfrm>
         </p:spPr>
         <p:txBody>
@@ -3472,10 +3440,10 @@
         </p:nvGrpSpPr>
         <p:grpSpPr>
           <a:xfrm>
-            <a:off x="536713" y="1517569"/>
-            <a:ext cx="11002617" cy="5068800"/>
-            <a:chOff x="536713" y="1517569"/>
-            <a:chExt cx="11002617" cy="5068800"/>
+            <a:off x="371475" y="1808163"/>
+            <a:ext cx="11412538" cy="4284662"/>
+            <a:chOff x="371475" y="1808163"/>
+            <a:chExt cx="11412538" cy="4284662"/>
           </a:xfrm>
         </p:grpSpPr>
         <p:sp>
@@ -3486,8 +3454,8 @@
           </p:nvSpPr>
           <p:spPr>
             <a:xfrm>
-              <a:off x="536713" y="1517569"/>
-              <a:ext cx="11002617" cy="5068800"/>
+              <a:off x="371475" y="1808162"/>
+              <a:ext cx="11412538" cy="4284662"/>
             </a:xfrm>
             <a:prstGeom prst="rect">
               <a:avLst/>
@@ -3521,8 +3489,8 @@
           </p:nvSpPr>
           <p:spPr>
             <a:xfrm>
-              <a:off x="959143" y="1587158"/>
-              <a:ext cx="10510597" cy="4596207"/>
+              <a:off x="793905" y="1877752"/>
+              <a:ext cx="10920518" cy="3812069"/>
             </a:xfrm>
             <a:prstGeom prst="rect">
               <a:avLst/>
@@ -3547,21 +3515,21 @@
           </p:nvSpPr>
           <p:spPr>
             <a:xfrm>
-              <a:off x="959143" y="5601061"/>
-              <a:ext cx="10510597" cy="0"/>
+              <a:off x="793905" y="5206861"/>
+              <a:ext cx="10920518" cy="0"/>
             </a:xfrm>
             <a:custGeom>
               <a:avLst/>
               <a:pathLst>
-                <a:path w="10510597" h="0">
+                <a:path w="10920518" h="0">
                   <a:moveTo>
                     <a:pt x="0" y="0"/>
                   </a:moveTo>
                   <a:lnTo>
-                    <a:pt x="10510597" y="0"/>
+                    <a:pt x="10920518" y="0"/>
                   </a:lnTo>
                   <a:lnTo>
-                    <a:pt x="10510597" y="0"/>
+                    <a:pt x="10920518" y="0"/>
                   </a:lnTo>
                 </a:path>
               </a:pathLst>
@@ -3590,21 +3558,21 @@
           </p:nvSpPr>
           <p:spPr>
             <a:xfrm>
-              <a:off x="959143" y="4712046"/>
-              <a:ext cx="10510597" cy="0"/>
+              <a:off x="793905" y="4469517"/>
+              <a:ext cx="10920518" cy="0"/>
             </a:xfrm>
             <a:custGeom>
               <a:avLst/>
               <a:pathLst>
-                <a:path w="10510597" h="0">
+                <a:path w="10920518" h="0">
                   <a:moveTo>
                     <a:pt x="0" y="0"/>
                   </a:moveTo>
                   <a:lnTo>
-                    <a:pt x="10510597" y="0"/>
+                    <a:pt x="10920518" y="0"/>
                   </a:lnTo>
                   <a:lnTo>
-                    <a:pt x="10510597" y="0"/>
+                    <a:pt x="10920518" y="0"/>
                   </a:lnTo>
                 </a:path>
               </a:pathLst>
@@ -3633,21 +3601,21 @@
           </p:nvSpPr>
           <p:spPr>
             <a:xfrm>
-              <a:off x="959143" y="3823030"/>
-              <a:ext cx="10510597" cy="0"/>
+              <a:off x="793905" y="3732172"/>
+              <a:ext cx="10920518" cy="0"/>
             </a:xfrm>
             <a:custGeom>
               <a:avLst/>
               <a:pathLst>
-                <a:path w="10510597" h="0">
+                <a:path w="10920518" h="0">
                   <a:moveTo>
                     <a:pt x="0" y="0"/>
                   </a:moveTo>
                   <a:lnTo>
-                    <a:pt x="10510597" y="0"/>
+                    <a:pt x="10920518" y="0"/>
                   </a:lnTo>
                   <a:lnTo>
-                    <a:pt x="10510597" y="0"/>
+                    <a:pt x="10920518" y="0"/>
                   </a:lnTo>
                 </a:path>
               </a:pathLst>
@@ -3676,21 +3644,21 @@
           </p:nvSpPr>
           <p:spPr>
             <a:xfrm>
-              <a:off x="959143" y="2934015"/>
-              <a:ext cx="10510597" cy="0"/>
+              <a:off x="793905" y="2994828"/>
+              <a:ext cx="10920518" cy="0"/>
             </a:xfrm>
             <a:custGeom>
               <a:avLst/>
               <a:pathLst>
-                <a:path w="10510597" h="0">
+                <a:path w="10920518" h="0">
                   <a:moveTo>
                     <a:pt x="0" y="0"/>
                   </a:moveTo>
                   <a:lnTo>
-                    <a:pt x="10510597" y="0"/>
+                    <a:pt x="10920518" y="0"/>
                   </a:lnTo>
                   <a:lnTo>
-                    <a:pt x="10510597" y="0"/>
+                    <a:pt x="10920518" y="0"/>
                   </a:lnTo>
                 </a:path>
               </a:pathLst>
@@ -3719,21 +3687,21 @@
           </p:nvSpPr>
           <p:spPr>
             <a:xfrm>
-              <a:off x="959143" y="2045000"/>
-              <a:ext cx="10510597" cy="0"/>
+              <a:off x="793905" y="2257484"/>
+              <a:ext cx="10920518" cy="0"/>
             </a:xfrm>
             <a:custGeom>
               <a:avLst/>
               <a:pathLst>
-                <a:path w="10510597" h="0">
+                <a:path w="10920518" h="0">
                   <a:moveTo>
                     <a:pt x="0" y="0"/>
                   </a:moveTo>
                   <a:lnTo>
-                    <a:pt x="10510597" y="0"/>
+                    <a:pt x="10920518" y="0"/>
                   </a:lnTo>
                   <a:lnTo>
-                    <a:pt x="10510597" y="0"/>
+                    <a:pt x="10920518" y="0"/>
                   </a:lnTo>
                 </a:path>
               </a:pathLst>
@@ -3762,15 +3730,15 @@
           </p:nvSpPr>
           <p:spPr>
             <a:xfrm>
-              <a:off x="1405136" y="1587158"/>
-              <a:ext cx="0" cy="4596207"/>
+              <a:off x="1257292" y="1877752"/>
+              <a:ext cx="0" cy="3812069"/>
             </a:xfrm>
             <a:custGeom>
               <a:avLst/>
               <a:pathLst>
-                <a:path w="0" h="4596207">
+                <a:path w="0" h="3812069">
                   <a:moveTo>
-                    <a:pt x="0" y="4596207"/>
+                    <a:pt x="0" y="3812069"/>
                   </a:moveTo>
                   <a:lnTo>
                     <a:pt x="0" y="0"/>
@@ -3805,15 +3773,15 @@
           </p:nvSpPr>
           <p:spPr>
             <a:xfrm>
-              <a:off x="3848268" y="1587158"/>
-              <a:ext cx="0" cy="4596207"/>
+              <a:off x="3795708" y="1877752"/>
+              <a:ext cx="0" cy="3812069"/>
             </a:xfrm>
             <a:custGeom>
               <a:avLst/>
               <a:pathLst>
-                <a:path w="0" h="4596207">
+                <a:path w="0" h="3812069">
                   <a:moveTo>
-                    <a:pt x="0" y="4596207"/>
+                    <a:pt x="0" y="3812069"/>
                   </a:moveTo>
                   <a:lnTo>
                     <a:pt x="0" y="0"/>
@@ -3848,15 +3816,15 @@
           </p:nvSpPr>
           <p:spPr>
             <a:xfrm>
-              <a:off x="6291400" y="1587158"/>
-              <a:ext cx="0" cy="4596207"/>
+              <a:off x="6334124" y="1877752"/>
+              <a:ext cx="0" cy="3812069"/>
             </a:xfrm>
             <a:custGeom>
               <a:avLst/>
               <a:pathLst>
-                <a:path w="0" h="4596207">
+                <a:path w="0" h="3812069">
                   <a:moveTo>
-                    <a:pt x="0" y="4596207"/>
+                    <a:pt x="0" y="3812069"/>
                   </a:moveTo>
                   <a:lnTo>
                     <a:pt x="0" y="0"/>
@@ -3891,15 +3859,15 @@
           </p:nvSpPr>
           <p:spPr>
             <a:xfrm>
-              <a:off x="8734532" y="1587158"/>
-              <a:ext cx="0" cy="4596207"/>
+              <a:off x="8872540" y="1877752"/>
+              <a:ext cx="0" cy="3812069"/>
             </a:xfrm>
             <a:custGeom>
               <a:avLst/>
               <a:pathLst>
-                <a:path w="0" h="4596207">
+                <a:path w="0" h="3812069">
                   <a:moveTo>
-                    <a:pt x="0" y="4596207"/>
+                    <a:pt x="0" y="3812069"/>
                   </a:moveTo>
                   <a:lnTo>
                     <a:pt x="0" y="0"/>
@@ -3934,15 +3902,15 @@
           </p:nvSpPr>
           <p:spPr>
             <a:xfrm>
-              <a:off x="11177664" y="1587158"/>
-              <a:ext cx="0" cy="4596207"/>
+              <a:off x="11410956" y="1877752"/>
+              <a:ext cx="0" cy="3812069"/>
             </a:xfrm>
             <a:custGeom>
               <a:avLst/>
               <a:pathLst>
-                <a:path w="0" h="4596207">
+                <a:path w="0" h="3812069">
                   <a:moveTo>
-                    <a:pt x="0" y="4596207"/>
+                    <a:pt x="0" y="3812069"/>
                   </a:moveTo>
                   <a:lnTo>
                     <a:pt x="0" y="0"/>
@@ -3977,21 +3945,21 @@
           </p:nvSpPr>
           <p:spPr>
             <a:xfrm>
-              <a:off x="959143" y="6045568"/>
-              <a:ext cx="10510597" cy="0"/>
+              <a:off x="793905" y="5575533"/>
+              <a:ext cx="10920518" cy="0"/>
             </a:xfrm>
             <a:custGeom>
               <a:avLst/>
               <a:pathLst>
-                <a:path w="10510597" h="0">
+                <a:path w="10920518" h="0">
                   <a:moveTo>
                     <a:pt x="0" y="0"/>
                   </a:moveTo>
                   <a:lnTo>
-                    <a:pt x="10510597" y="0"/>
+                    <a:pt x="10920518" y="0"/>
                   </a:lnTo>
                   <a:lnTo>
-                    <a:pt x="10510597" y="0"/>
+                    <a:pt x="10920518" y="0"/>
                   </a:lnTo>
                 </a:path>
               </a:pathLst>
@@ -4020,21 +3988,21 @@
           </p:nvSpPr>
           <p:spPr>
             <a:xfrm>
-              <a:off x="959143" y="5156553"/>
-              <a:ext cx="10510597" cy="0"/>
+              <a:off x="793905" y="4838189"/>
+              <a:ext cx="10920518" cy="0"/>
             </a:xfrm>
             <a:custGeom>
               <a:avLst/>
               <a:pathLst>
-                <a:path w="10510597" h="0">
+                <a:path w="10920518" h="0">
                   <a:moveTo>
                     <a:pt x="0" y="0"/>
                   </a:moveTo>
                   <a:lnTo>
-                    <a:pt x="10510597" y="0"/>
+                    <a:pt x="10920518" y="0"/>
                   </a:lnTo>
                   <a:lnTo>
-                    <a:pt x="10510597" y="0"/>
+                    <a:pt x="10920518" y="0"/>
                   </a:lnTo>
                 </a:path>
               </a:pathLst>
@@ -4063,21 +4031,21 @@
           </p:nvSpPr>
           <p:spPr>
             <a:xfrm>
-              <a:off x="959143" y="4267538"/>
-              <a:ext cx="10510597" cy="0"/>
+              <a:off x="793905" y="4100845"/>
+              <a:ext cx="10920518" cy="0"/>
             </a:xfrm>
             <a:custGeom>
               <a:avLst/>
               <a:pathLst>
-                <a:path w="10510597" h="0">
+                <a:path w="10920518" h="0">
                   <a:moveTo>
                     <a:pt x="0" y="0"/>
                   </a:moveTo>
                   <a:lnTo>
-                    <a:pt x="10510597" y="0"/>
+                    <a:pt x="10920518" y="0"/>
                   </a:lnTo>
                   <a:lnTo>
-                    <a:pt x="10510597" y="0"/>
+                    <a:pt x="10920518" y="0"/>
                   </a:lnTo>
                 </a:path>
               </a:pathLst>
@@ -4106,21 +4074,21 @@
           </p:nvSpPr>
           <p:spPr>
             <a:xfrm>
-              <a:off x="959143" y="3378523"/>
-              <a:ext cx="10510597" cy="0"/>
+              <a:off x="793905" y="3363500"/>
+              <a:ext cx="10920518" cy="0"/>
             </a:xfrm>
             <a:custGeom>
               <a:avLst/>
               <a:pathLst>
-                <a:path w="10510597" h="0">
+                <a:path w="10920518" h="0">
                   <a:moveTo>
                     <a:pt x="0" y="0"/>
                   </a:moveTo>
                   <a:lnTo>
-                    <a:pt x="10510597" y="0"/>
+                    <a:pt x="10920518" y="0"/>
                   </a:lnTo>
                   <a:lnTo>
-                    <a:pt x="10510597" y="0"/>
+                    <a:pt x="10920518" y="0"/>
                   </a:lnTo>
                 </a:path>
               </a:pathLst>
@@ -4149,21 +4117,21 @@
           </p:nvSpPr>
           <p:spPr>
             <a:xfrm>
-              <a:off x="959143" y="2489508"/>
-              <a:ext cx="10510597" cy="0"/>
+              <a:off x="793905" y="2626156"/>
+              <a:ext cx="10920518" cy="0"/>
             </a:xfrm>
             <a:custGeom>
               <a:avLst/>
               <a:pathLst>
-                <a:path w="10510597" h="0">
+                <a:path w="10920518" h="0">
                   <a:moveTo>
                     <a:pt x="0" y="0"/>
                   </a:moveTo>
                   <a:lnTo>
-                    <a:pt x="10510597" y="0"/>
+                    <a:pt x="10920518" y="0"/>
                   </a:lnTo>
                   <a:lnTo>
-                    <a:pt x="10510597" y="0"/>
+                    <a:pt x="10920518" y="0"/>
                   </a:lnTo>
                 </a:path>
               </a:pathLst>
@@ -4192,21 +4160,21 @@
           </p:nvSpPr>
           <p:spPr>
             <a:xfrm>
-              <a:off x="959143" y="1600493"/>
-              <a:ext cx="10510597" cy="0"/>
+              <a:off x="793905" y="1888812"/>
+              <a:ext cx="10920518" cy="0"/>
             </a:xfrm>
             <a:custGeom>
               <a:avLst/>
               <a:pathLst>
-                <a:path w="10510597" h="0">
+                <a:path w="10920518" h="0">
                   <a:moveTo>
                     <a:pt x="0" y="0"/>
                   </a:moveTo>
                   <a:lnTo>
-                    <a:pt x="10510597" y="0"/>
+                    <a:pt x="10920518" y="0"/>
                   </a:lnTo>
                   <a:lnTo>
-                    <a:pt x="10510597" y="0"/>
+                    <a:pt x="10920518" y="0"/>
                   </a:lnTo>
                 </a:path>
               </a:pathLst>
@@ -4235,15 +4203,15 @@
           </p:nvSpPr>
           <p:spPr>
             <a:xfrm>
-              <a:off x="2626702" y="1587158"/>
-              <a:ext cx="0" cy="4596207"/>
+              <a:off x="2526500" y="1877752"/>
+              <a:ext cx="0" cy="3812069"/>
             </a:xfrm>
             <a:custGeom>
               <a:avLst/>
               <a:pathLst>
-                <a:path w="0" h="4596207">
+                <a:path w="0" h="3812069">
                   <a:moveTo>
-                    <a:pt x="0" y="4596207"/>
+                    <a:pt x="0" y="3812069"/>
                   </a:moveTo>
                   <a:lnTo>
                     <a:pt x="0" y="0"/>
@@ -4278,15 +4246,15 @@
           </p:nvSpPr>
           <p:spPr>
             <a:xfrm>
-              <a:off x="5069834" y="1587158"/>
-              <a:ext cx="0" cy="4596207"/>
+              <a:off x="5064916" y="1877752"/>
+              <a:ext cx="0" cy="3812069"/>
             </a:xfrm>
             <a:custGeom>
               <a:avLst/>
               <a:pathLst>
-                <a:path w="0" h="4596207">
+                <a:path w="0" h="3812069">
                   <a:moveTo>
-                    <a:pt x="0" y="4596207"/>
+                    <a:pt x="0" y="3812069"/>
                   </a:moveTo>
                   <a:lnTo>
                     <a:pt x="0" y="0"/>
@@ -4321,15 +4289,15 @@
           </p:nvSpPr>
           <p:spPr>
             <a:xfrm>
-              <a:off x="7512966" y="1587158"/>
-              <a:ext cx="0" cy="4596207"/>
+              <a:off x="7603332" y="1877752"/>
+              <a:ext cx="0" cy="3812069"/>
             </a:xfrm>
             <a:custGeom>
               <a:avLst/>
               <a:pathLst>
-                <a:path w="0" h="4596207">
+                <a:path w="0" h="3812069">
                   <a:moveTo>
-                    <a:pt x="0" y="4596207"/>
+                    <a:pt x="0" y="3812069"/>
                   </a:moveTo>
                   <a:lnTo>
                     <a:pt x="0" y="0"/>
@@ -4364,15 +4332,15 @@
           </p:nvSpPr>
           <p:spPr>
             <a:xfrm>
-              <a:off x="9956098" y="1587158"/>
-              <a:ext cx="0" cy="4596207"/>
+              <a:off x="10141748" y="1877752"/>
+              <a:ext cx="0" cy="3812069"/>
             </a:xfrm>
             <a:custGeom>
               <a:avLst/>
               <a:pathLst>
-                <a:path w="0" h="4596207">
+                <a:path w="0" h="3812069">
                   <a:moveTo>
-                    <a:pt x="0" y="4596207"/>
+                    <a:pt x="0" y="3812069"/>
                   </a:moveTo>
                   <a:lnTo>
                     <a:pt x="0" y="0"/>
@@ -4407,7 +4375,7 @@
           </p:nvSpPr>
           <p:spPr>
             <a:xfrm>
-              <a:off x="4108369" y="4056660"/>
+              <a:off x="4067243" y="3920301"/>
               <a:ext cx="66150" cy="66150"/>
             </a:xfrm>
             <a:prstGeom prst="ellipse">
@@ -4442,7 +4410,7 @@
           </p:nvSpPr>
           <p:spPr>
             <a:xfrm>
-              <a:off x="4731368" y="4056660"/>
+              <a:off x="4714539" y="3920301"/>
               <a:ext cx="66150" cy="66150"/>
             </a:xfrm>
             <a:prstGeom prst="ellipse">
@@ -4477,7 +4445,7 @@
           </p:nvSpPr>
           <p:spPr>
             <a:xfrm>
-              <a:off x="3375429" y="3736615"/>
+              <a:off x="3305718" y="3654857"/>
               <a:ext cx="66150" cy="66150"/>
             </a:xfrm>
             <a:prstGeom prst="ellipse">
@@ -4512,7 +4480,7 @@
           </p:nvSpPr>
           <p:spPr>
             <a:xfrm>
-              <a:off x="5562033" y="3985539"/>
+              <a:off x="5577601" y="3861313"/>
               <a:ext cx="66150" cy="66150"/>
             </a:xfrm>
             <a:prstGeom prst="ellipse">
@@ -4547,7 +4515,7 @@
           </p:nvSpPr>
           <p:spPr>
             <a:xfrm>
-              <a:off x="6111737" y="4465607"/>
+              <a:off x="6148744" y="4259479"/>
               <a:ext cx="66150" cy="66150"/>
             </a:xfrm>
             <a:prstGeom prst="ellipse">
@@ -4582,7 +4550,7 @@
           </p:nvSpPr>
           <p:spPr>
             <a:xfrm>
-              <a:off x="6160600" y="4572289"/>
+              <a:off x="6199512" y="4347960"/>
               <a:ext cx="66150" cy="66150"/>
             </a:xfrm>
             <a:prstGeom prst="ellipse">
@@ -4617,7 +4585,7 @@
           </p:nvSpPr>
           <p:spPr>
             <a:xfrm>
-              <a:off x="6429344" y="5247940"/>
+              <a:off x="6478738" y="4908342"/>
               <a:ext cx="66150" cy="66150"/>
             </a:xfrm>
             <a:prstGeom prst="ellipse">
@@ -4652,7 +4620,7 @@
           </p:nvSpPr>
           <p:spPr>
             <a:xfrm>
-              <a:off x="5500954" y="3452130"/>
+              <a:off x="5514140" y="3418907"/>
               <a:ext cx="66150" cy="66150"/>
             </a:xfrm>
             <a:prstGeom prst="ellipse">
@@ -4687,7 +4655,7 @@
           </p:nvSpPr>
           <p:spPr>
             <a:xfrm>
-              <a:off x="5403229" y="3736615"/>
+              <a:off x="5412604" y="3654857"/>
               <a:ext cx="66150" cy="66150"/>
             </a:xfrm>
             <a:prstGeom prst="ellipse">
@@ -4722,7 +4690,7 @@
           </p:nvSpPr>
           <p:spPr>
             <a:xfrm>
-              <a:off x="6111737" y="4376705"/>
+              <a:off x="6148744" y="4185745"/>
               <a:ext cx="66150" cy="66150"/>
             </a:xfrm>
             <a:prstGeom prst="ellipse">
@@ -4757,7 +4725,7 @@
           </p:nvSpPr>
           <p:spPr>
             <a:xfrm>
-              <a:off x="6111737" y="4625630"/>
+              <a:off x="6148744" y="4392201"/>
               <a:ext cx="66150" cy="66150"/>
             </a:xfrm>
             <a:prstGeom prst="ellipse">
@@ -4792,7 +4760,7 @@
           </p:nvSpPr>
           <p:spPr>
             <a:xfrm>
-              <a:off x="7650910" y="4874554"/>
+              <a:off x="7747946" y="4598657"/>
               <a:ext cx="66150" cy="66150"/>
             </a:xfrm>
             <a:prstGeom prst="ellipse">
@@ -4827,7 +4795,7 @@
           </p:nvSpPr>
           <p:spPr>
             <a:xfrm>
-              <a:off x="6820246" y="4714531"/>
+              <a:off x="6884885" y="4465935"/>
               <a:ext cx="66150" cy="66150"/>
             </a:xfrm>
             <a:prstGeom prst="ellipse">
@@ -4862,7 +4830,7 @@
           </p:nvSpPr>
           <p:spPr>
             <a:xfrm>
-              <a:off x="6942402" y="5087917"/>
+              <a:off x="7011806" y="4775620"/>
               <a:ext cx="66150" cy="66150"/>
             </a:xfrm>
             <a:prstGeom prst="ellipse">
@@ -4897,7 +4865,7 @@
           </p:nvSpPr>
           <p:spPr>
             <a:xfrm>
-              <a:off x="10533806" y="5941372"/>
+              <a:off x="10743277" y="5483471"/>
               <a:ext cx="66150" cy="66150"/>
             </a:xfrm>
             <a:prstGeom prst="ellipse">
@@ -4932,7 +4900,7 @@
           </p:nvSpPr>
           <p:spPr>
             <a:xfrm>
-              <a:off x="10958911" y="5941372"/>
+              <a:off x="11184961" y="5483471"/>
               <a:ext cx="66150" cy="66150"/>
             </a:xfrm>
             <a:prstGeom prst="ellipse">
@@ -4967,7 +4935,7 @@
           </p:nvSpPr>
           <p:spPr>
             <a:xfrm>
-              <a:off x="10765904" y="5176819"/>
+              <a:off x="10984426" y="4849354"/>
               <a:ext cx="66150" cy="66150"/>
             </a:xfrm>
             <a:prstGeom prst="ellipse">
@@ -5002,7 +4970,7 @@
           </p:nvSpPr>
           <p:spPr>
             <a:xfrm>
-              <a:off x="3082254" y="2029706"/>
+              <a:off x="3001108" y="2239156"/>
               <a:ext cx="66150" cy="66150"/>
             </a:xfrm>
             <a:prstGeom prst="ellipse">
@@ -5037,7 +5005,7 @@
           </p:nvSpPr>
           <p:spPr>
             <a:xfrm>
-              <a:off x="1653021" y="2385312"/>
+              <a:off x="1516135" y="2534093"/>
               <a:ext cx="66150" cy="66150"/>
             </a:xfrm>
             <a:prstGeom prst="ellipse">
@@ -5072,7 +5040,7 @@
           </p:nvSpPr>
           <p:spPr>
             <a:xfrm>
-              <a:off x="2190510" y="1763001"/>
+              <a:off x="2074587" y="2017952"/>
               <a:ext cx="66150" cy="66150"/>
             </a:xfrm>
             <a:prstGeom prst="ellipse">
@@ -5107,7 +5075,7 @@
           </p:nvSpPr>
           <p:spPr>
             <a:xfrm>
-              <a:off x="3729684" y="3967758"/>
+              <a:off x="3673789" y="3846566"/>
               <a:ext cx="66150" cy="66150"/>
             </a:xfrm>
             <a:prstGeom prst="ellipse">
@@ -5142,7 +5110,7 @@
           </p:nvSpPr>
           <p:spPr>
             <a:xfrm>
-              <a:off x="6307188" y="5034577"/>
+              <a:off x="6351817" y="4731379"/>
               <a:ext cx="66150" cy="66150"/>
             </a:xfrm>
             <a:prstGeom prst="ellipse">
@@ -5177,7 +5145,7 @@
           </p:nvSpPr>
           <p:spPr>
             <a:xfrm>
-              <a:off x="6099522" y="5087917"/>
+              <a:off x="6136052" y="4775620"/>
               <a:ext cx="66150" cy="66150"/>
             </a:xfrm>
             <a:prstGeom prst="ellipse">
@@ -5212,7 +5180,7 @@
           </p:nvSpPr>
           <p:spPr>
             <a:xfrm>
-              <a:off x="7088990" y="5425743"/>
+              <a:off x="7164110" y="5055811"/>
               <a:ext cx="66150" cy="66150"/>
             </a:xfrm>
             <a:prstGeom prst="ellipse">
@@ -5247,7 +5215,7 @@
           </p:nvSpPr>
           <p:spPr>
             <a:xfrm>
-              <a:off x="7101206" y="4376705"/>
+              <a:off x="7176803" y="4185745"/>
               <a:ext cx="66150" cy="66150"/>
             </a:xfrm>
             <a:prstGeom prst="ellipse">
@@ -5282,7 +5250,7 @@
           </p:nvSpPr>
           <p:spPr>
             <a:xfrm>
-              <a:off x="2434824" y="2936501"/>
+              <a:off x="2328428" y="2991247"/>
               <a:ext cx="66150" cy="66150"/>
             </a:xfrm>
             <a:prstGeom prst="ellipse">
@@ -5317,7 +5285,7 @@
           </p:nvSpPr>
           <p:spPr>
             <a:xfrm>
-              <a:off x="2935666" y="3167645"/>
+              <a:off x="2848804" y="3182956"/>
               <a:ext cx="66150" cy="66150"/>
             </a:xfrm>
             <a:prstGeom prst="ellipse">
@@ -5352,7 +5320,7 @@
           </p:nvSpPr>
           <p:spPr>
             <a:xfrm>
-              <a:off x="1403822" y="2385312"/>
+              <a:off x="1257217" y="2534093"/>
               <a:ext cx="66150" cy="66150"/>
             </a:xfrm>
             <a:prstGeom prst="ellipse">
@@ -5387,7 +5355,7 @@
           </p:nvSpPr>
           <p:spPr>
             <a:xfrm>
-              <a:off x="5452092" y="4981236"/>
+              <a:off x="5463372" y="4687139"/>
               <a:ext cx="66150" cy="66150"/>
             </a:xfrm>
             <a:prstGeom prst="ellipse">
@@ -5422,7 +5390,7 @@
           </p:nvSpPr>
           <p:spPr>
             <a:xfrm>
-              <a:off x="4474839" y="4287804"/>
+              <a:off x="4448006" y="4112010"/>
               <a:ext cx="66150" cy="66150"/>
             </a:xfrm>
             <a:prstGeom prst="ellipse">
@@ -5457,7 +5425,7 @@
           </p:nvSpPr>
           <p:spPr>
             <a:xfrm>
-              <a:off x="6429344" y="5123478"/>
+              <a:off x="6478738" y="4805114"/>
               <a:ext cx="66150" cy="66150"/>
             </a:xfrm>
             <a:prstGeom prst="ellipse">
@@ -5492,7 +5460,7 @@
           </p:nvSpPr>
           <p:spPr>
             <a:xfrm>
-              <a:off x="4499270" y="3985539"/>
+              <a:off x="4473390" y="3861313"/>
               <a:ext cx="66150" cy="66150"/>
             </a:xfrm>
             <a:prstGeom prst="ellipse">
@@ -5527,7 +5495,7 @@
           </p:nvSpPr>
           <p:spPr>
             <a:xfrm>
-              <a:off x="772201" y="6005377"/>
+              <a:off x="606963" y="5535342"/>
               <a:ext cx="124311" cy="80272"/>
             </a:xfrm>
             <a:prstGeom prst="rect">
@@ -5573,7 +5541,7 @@
           </p:nvSpPr>
           <p:spPr>
             <a:xfrm>
-              <a:off x="772201" y="5116853"/>
+              <a:off x="606963" y="4798489"/>
               <a:ext cx="124311" cy="79781"/>
             </a:xfrm>
             <a:prstGeom prst="rect">
@@ -5619,7 +5587,7 @@
           </p:nvSpPr>
           <p:spPr>
             <a:xfrm>
-              <a:off x="772201" y="4227074"/>
+              <a:off x="606963" y="4060381"/>
               <a:ext cx="124311" cy="80545"/>
             </a:xfrm>
             <a:prstGeom prst="rect">
@@ -5665,7 +5633,7 @@
           </p:nvSpPr>
           <p:spPr>
             <a:xfrm>
-              <a:off x="772201" y="3338223"/>
+              <a:off x="606963" y="3323200"/>
               <a:ext cx="124311" cy="80382"/>
             </a:xfrm>
             <a:prstGeom prst="rect">
@@ -5711,7 +5679,7 @@
           </p:nvSpPr>
           <p:spPr>
             <a:xfrm>
-              <a:off x="772201" y="2449208"/>
+              <a:off x="606963" y="2585856"/>
               <a:ext cx="124311" cy="80382"/>
             </a:xfrm>
             <a:prstGeom prst="rect">
@@ -5757,7 +5725,7 @@
           </p:nvSpPr>
           <p:spPr>
             <a:xfrm>
-              <a:off x="772201" y="1560193"/>
+              <a:off x="606963" y="1848512"/>
               <a:ext cx="124311" cy="80382"/>
             </a:xfrm>
             <a:prstGeom prst="rect">
@@ -5803,7 +5771,7 @@
           </p:nvSpPr>
           <p:spPr>
             <a:xfrm>
-              <a:off x="924348" y="6045568"/>
+              <a:off x="759110" y="5575533"/>
               <a:ext cx="34794" cy="0"/>
             </a:xfrm>
             <a:custGeom>
@@ -5843,7 +5811,7 @@
           </p:nvSpPr>
           <p:spPr>
             <a:xfrm>
-              <a:off x="924348" y="5156553"/>
+              <a:off x="759110" y="4838189"/>
               <a:ext cx="34794" cy="0"/>
             </a:xfrm>
             <a:custGeom>
@@ -5883,7 +5851,7 @@
           </p:nvSpPr>
           <p:spPr>
             <a:xfrm>
-              <a:off x="924348" y="4267538"/>
+              <a:off x="759110" y="4100845"/>
               <a:ext cx="34794" cy="0"/>
             </a:xfrm>
             <a:custGeom>
@@ -5923,7 +5891,7 @@
           </p:nvSpPr>
           <p:spPr>
             <a:xfrm>
-              <a:off x="924348" y="3378523"/>
+              <a:off x="759110" y="3363500"/>
               <a:ext cx="34794" cy="0"/>
             </a:xfrm>
             <a:custGeom>
@@ -5963,7 +5931,7 @@
           </p:nvSpPr>
           <p:spPr>
             <a:xfrm>
-              <a:off x="924348" y="2489508"/>
+              <a:off x="759110" y="2626156"/>
               <a:ext cx="34794" cy="0"/>
             </a:xfrm>
             <a:custGeom>
@@ -6003,7 +5971,7 @@
           </p:nvSpPr>
           <p:spPr>
             <a:xfrm>
-              <a:off x="924348" y="1600493"/>
+              <a:off x="759110" y="1888812"/>
               <a:ext cx="34794" cy="0"/>
             </a:xfrm>
             <a:custGeom>
@@ -6043,7 +6011,7 @@
           </p:nvSpPr>
           <p:spPr>
             <a:xfrm>
-              <a:off x="2626702" y="6183365"/>
+              <a:off x="2526500" y="5689821"/>
               <a:ext cx="0" cy="34794"/>
             </a:xfrm>
             <a:custGeom>
@@ -6083,7 +6051,7 @@
           </p:nvSpPr>
           <p:spPr>
             <a:xfrm>
-              <a:off x="5069834" y="6183365"/>
+              <a:off x="5064916" y="5689821"/>
               <a:ext cx="0" cy="34794"/>
             </a:xfrm>
             <a:custGeom>
@@ -6123,7 +6091,7 @@
           </p:nvSpPr>
           <p:spPr>
             <a:xfrm>
-              <a:off x="7512966" y="6183365"/>
+              <a:off x="7603332" y="5689821"/>
               <a:ext cx="0" cy="34794"/>
             </a:xfrm>
             <a:custGeom>
@@ -6163,7 +6131,7 @@
           </p:nvSpPr>
           <p:spPr>
             <a:xfrm>
-              <a:off x="9956098" y="6183365"/>
+              <a:off x="10141748" y="5689821"/>
               <a:ext cx="0" cy="34794"/>
             </a:xfrm>
             <a:custGeom>
@@ -6203,7 +6171,7 @@
           </p:nvSpPr>
           <p:spPr>
             <a:xfrm>
-              <a:off x="2595624" y="6247742"/>
+              <a:off x="2495423" y="5754198"/>
               <a:ext cx="62155" cy="78417"/>
             </a:xfrm>
             <a:prstGeom prst="rect">
@@ -6249,7 +6217,7 @@
           </p:nvSpPr>
           <p:spPr>
             <a:xfrm>
-              <a:off x="5038756" y="6245777"/>
+              <a:off x="5033838" y="5752233"/>
               <a:ext cx="62155" cy="80382"/>
             </a:xfrm>
             <a:prstGeom prst="rect">
@@ -6295,7 +6263,7 @@
           </p:nvSpPr>
           <p:spPr>
             <a:xfrm>
-              <a:off x="7481888" y="6247796"/>
+              <a:off x="7572254" y="5754252"/>
               <a:ext cx="62155" cy="78362"/>
             </a:xfrm>
             <a:prstGeom prst="rect">
@@ -6341,7 +6309,7 @@
           </p:nvSpPr>
           <p:spPr>
             <a:xfrm>
-              <a:off x="9925020" y="6247360"/>
+              <a:off x="10110670" y="5753816"/>
               <a:ext cx="62155" cy="78799"/>
             </a:xfrm>
             <a:prstGeom prst="rect">
@@ -6387,7 +6355,7 @@
           </p:nvSpPr>
           <p:spPr>
             <a:xfrm>
-              <a:off x="6144592" y="6391268"/>
+              <a:off x="6184314" y="5897724"/>
               <a:ext cx="139700" cy="94611"/>
             </a:xfrm>
             <a:prstGeom prst="rect">
@@ -6433,7 +6401,7 @@
           </p:nvSpPr>
           <p:spPr>
             <a:xfrm rot="-5400000">
-              <a:off x="517761" y="3832397"/>
+              <a:off x="352523" y="3730922"/>
               <a:ext cx="271760" cy="105729"/>
             </a:xfrm>
             <a:prstGeom prst="rect">
@@ -6511,8 +6479,8 @@
         </p:nvSpPr>
         <p:spPr>
           <a:xfrm>
-            <a:off x="371474" y="6586456"/>
-            <a:ext cx="11412539" cy="228206"/>
+            <a:off x="371475" y="6239781"/>
+            <a:ext cx="10662320" cy="455613"/>
           </a:xfrm>
         </p:spPr>
         <p:txBody>
@@ -6564,8 +6532,8 @@
         </p:nvSpPr>
         <p:spPr>
           <a:xfrm>
-            <a:off x="378478" y="1192801"/>
-            <a:ext cx="11398531" cy="306710"/>
+            <a:off x="378478" y="1312069"/>
+            <a:ext cx="11398531" cy="335156"/>
           </a:xfrm>
         </p:spPr>
         <p:txBody>
@@ -6587,10 +6555,10 @@
         </p:nvGrpSpPr>
         <p:grpSpPr>
           <a:xfrm>
-            <a:off x="536713" y="1517569"/>
-            <a:ext cx="11002617" cy="5068800"/>
-            <a:chOff x="536713" y="1517569"/>
-            <a:chExt cx="11002617" cy="5068800"/>
+            <a:off x="371475" y="1808163"/>
+            <a:ext cx="11412538" cy="4284662"/>
+            <a:chOff x="371475" y="1808163"/>
+            <a:chExt cx="11412538" cy="4284662"/>
           </a:xfrm>
         </p:grpSpPr>
         <p:sp>
@@ -6601,8 +6569,8 @@
           </p:nvSpPr>
           <p:spPr>
             <a:xfrm>
-              <a:off x="536713" y="1517569"/>
-              <a:ext cx="11002617" cy="5068800"/>
+              <a:off x="371475" y="1808162"/>
+              <a:ext cx="11412538" cy="4284662"/>
             </a:xfrm>
             <a:prstGeom prst="rect">
               <a:avLst/>
@@ -6627,8 +6595,8 @@
           </p:nvSpPr>
           <p:spPr>
             <a:xfrm>
-              <a:off x="768163" y="1609008"/>
-              <a:ext cx="10661438" cy="4370578"/>
+              <a:off x="602925" y="1899602"/>
+              <a:ext cx="11071359" cy="3586440"/>
             </a:xfrm>
             <a:prstGeom prst="rect">
               <a:avLst/>
@@ -6653,21 +6621,21 @@
           </p:nvSpPr>
           <p:spPr>
             <a:xfrm>
-              <a:off x="768163" y="5286172"/>
-              <a:ext cx="10661438" cy="0"/>
+              <a:off x="602925" y="4917036"/>
+              <a:ext cx="11071359" cy="0"/>
             </a:xfrm>
             <a:custGeom>
               <a:avLst/>
               <a:pathLst>
-                <a:path w="10661438" h="0">
+                <a:path w="11071359" h="0">
                   <a:moveTo>
                     <a:pt x="0" y="0"/>
                   </a:moveTo>
                   <a:lnTo>
-                    <a:pt x="10661438" y="0"/>
+                    <a:pt x="11071359" y="0"/>
                   </a:lnTo>
                   <a:lnTo>
-                    <a:pt x="10661438" y="0"/>
+                    <a:pt x="11071359" y="0"/>
                   </a:lnTo>
                 </a:path>
               </a:pathLst>
@@ -6696,21 +6664,21 @@
           </p:nvSpPr>
           <p:spPr>
             <a:xfrm>
-              <a:off x="768163" y="4270255"/>
-              <a:ext cx="10661438" cy="0"/>
+              <a:off x="602925" y="4083387"/>
+              <a:ext cx="11071359" cy="0"/>
             </a:xfrm>
             <a:custGeom>
               <a:avLst/>
               <a:pathLst>
-                <a:path w="10661438" h="0">
+                <a:path w="11071359" h="0">
                   <a:moveTo>
                     <a:pt x="0" y="0"/>
                   </a:moveTo>
                   <a:lnTo>
-                    <a:pt x="10661438" y="0"/>
+                    <a:pt x="11071359" y="0"/>
                   </a:lnTo>
                   <a:lnTo>
-                    <a:pt x="10661438" y="0"/>
+                    <a:pt x="11071359" y="0"/>
                   </a:lnTo>
                 </a:path>
               </a:pathLst>
@@ -6739,21 +6707,21 @@
           </p:nvSpPr>
           <p:spPr>
             <a:xfrm>
-              <a:off x="768163" y="3254338"/>
-              <a:ext cx="10661438" cy="0"/>
+              <a:off x="602925" y="3249738"/>
+              <a:ext cx="11071359" cy="0"/>
             </a:xfrm>
             <a:custGeom>
               <a:avLst/>
               <a:pathLst>
-                <a:path w="10661438" h="0">
+                <a:path w="11071359" h="0">
                   <a:moveTo>
                     <a:pt x="0" y="0"/>
                   </a:moveTo>
                   <a:lnTo>
-                    <a:pt x="10661438" y="0"/>
+                    <a:pt x="11071359" y="0"/>
                   </a:lnTo>
                   <a:lnTo>
-                    <a:pt x="10661438" y="0"/>
+                    <a:pt x="11071359" y="0"/>
                   </a:lnTo>
                 </a:path>
               </a:pathLst>
@@ -6782,21 +6750,21 @@
           </p:nvSpPr>
           <p:spPr>
             <a:xfrm>
-              <a:off x="768163" y="2238420"/>
-              <a:ext cx="10661438" cy="0"/>
+              <a:off x="602925" y="2416090"/>
+              <a:ext cx="11071359" cy="0"/>
             </a:xfrm>
             <a:custGeom>
               <a:avLst/>
               <a:pathLst>
-                <a:path w="10661438" h="0">
+                <a:path w="11071359" h="0">
                   <a:moveTo>
                     <a:pt x="0" y="0"/>
                   </a:moveTo>
                   <a:lnTo>
-                    <a:pt x="10661438" y="0"/>
+                    <a:pt x="11071359" y="0"/>
                   </a:lnTo>
                   <a:lnTo>
-                    <a:pt x="10661438" y="0"/>
+                    <a:pt x="11071359" y="0"/>
                   </a:lnTo>
                 </a:path>
               </a:pathLst>
@@ -6825,7 +6793,7 @@
           </p:nvSpPr>
           <p:spPr>
             <a:xfrm>
-              <a:off x="5591507" y="4623229"/>
+              <a:off x="5612994" y="4367099"/>
               <a:ext cx="66150" cy="66150"/>
             </a:xfrm>
             <a:prstGeom prst="ellipse">
@@ -6860,7 +6828,7 @@
           </p:nvSpPr>
           <p:spPr>
             <a:xfrm>
-              <a:off x="5591507" y="4364170"/>
+              <a:off x="5612994" y="4154518"/>
               <a:ext cx="66150" cy="66150"/>
             </a:xfrm>
             <a:prstGeom prst="ellipse">
@@ -6895,7 +6863,7 @@
           </p:nvSpPr>
           <p:spPr>
             <a:xfrm>
-              <a:off x="6333890" y="4928004"/>
+              <a:off x="6383920" y="4617193"/>
               <a:ext cx="66150" cy="66150"/>
             </a:xfrm>
             <a:prstGeom prst="ellipse">
@@ -6930,7 +6898,7 @@
           </p:nvSpPr>
           <p:spPr>
             <a:xfrm>
-              <a:off x="5756481" y="4018758"/>
+              <a:off x="5784311" y="3871078"/>
               <a:ext cx="66150" cy="66150"/>
             </a:xfrm>
             <a:prstGeom prst="ellipse">
@@ -6965,7 +6933,7 @@
           </p:nvSpPr>
           <p:spPr>
             <a:xfrm>
-              <a:off x="4642908" y="3790176"/>
+              <a:off x="4627921" y="3683507"/>
               <a:ext cx="66150" cy="66150"/>
             </a:xfrm>
             <a:prstGeom prst="ellipse">
@@ -7000,7 +6968,7 @@
           </p:nvSpPr>
           <p:spPr>
             <a:xfrm>
-              <a:off x="4395447" y="3769858"/>
+              <a:off x="4370946" y="3666834"/>
               <a:ext cx="66150" cy="66150"/>
             </a:xfrm>
             <a:prstGeom prst="ellipse">
@@ -7035,7 +7003,7 @@
           </p:nvSpPr>
           <p:spPr>
             <a:xfrm>
-              <a:off x="2828195" y="3658107"/>
+              <a:off x="2743434" y="3575132"/>
               <a:ext cx="66150" cy="66150"/>
             </a:xfrm>
             <a:prstGeom prst="ellipse">
@@ -7070,7 +7038,7 @@
           </p:nvSpPr>
           <p:spPr>
             <a:xfrm>
-              <a:off x="6993786" y="4044156"/>
+              <a:off x="7069188" y="3891919"/>
               <a:ext cx="66150" cy="66150"/>
             </a:xfrm>
             <a:prstGeom prst="ellipse">
@@ -7105,7 +7073,7 @@
           </p:nvSpPr>
           <p:spPr>
             <a:xfrm>
-              <a:off x="6333890" y="4084792"/>
+              <a:off x="6383920" y="3925265"/>
               <a:ext cx="66150" cy="66150"/>
             </a:xfrm>
             <a:prstGeom prst="ellipse">
@@ -7140,7 +7108,7 @@
           </p:nvSpPr>
           <p:spPr>
             <a:xfrm>
-              <a:off x="4849125" y="3790176"/>
+              <a:off x="4842067" y="3683507"/>
               <a:ext cx="66150" cy="66150"/>
             </a:xfrm>
             <a:prstGeom prst="ellipse">
@@ -7175,7 +7143,7 @@
           </p:nvSpPr>
           <p:spPr>
             <a:xfrm>
-              <a:off x="4271716" y="3790176"/>
+              <a:off x="4242458" y="3683507"/>
               <a:ext cx="66150" cy="66150"/>
             </a:xfrm>
             <a:prstGeom prst="ellipse">
@@ -7210,7 +7178,7 @@
           </p:nvSpPr>
           <p:spPr>
             <a:xfrm>
-              <a:off x="3694308" y="3150148"/>
+              <a:off x="3642849" y="3158308"/>
               <a:ext cx="66150" cy="66150"/>
             </a:xfrm>
             <a:prstGeom prst="ellipse">
@@ -7245,7 +7213,7 @@
           </p:nvSpPr>
           <p:spPr>
             <a:xfrm>
-              <a:off x="4065499" y="3495560"/>
+              <a:off x="4028312" y="3441749"/>
               <a:ext cx="66150" cy="66150"/>
             </a:xfrm>
             <a:prstGeom prst="ellipse">
@@ -7280,7 +7248,7 @@
           </p:nvSpPr>
           <p:spPr>
             <a:xfrm>
-              <a:off x="3199386" y="3444764"/>
+              <a:off x="3128898" y="3400066"/>
               <a:ext cx="66150" cy="66150"/>
             </a:xfrm>
             <a:prstGeom prst="ellipse">
@@ -7315,7 +7283,7 @@
           </p:nvSpPr>
           <p:spPr>
             <a:xfrm>
-              <a:off x="1219699" y="1951366"/>
+              <a:off x="1073094" y="2174602"/>
               <a:ext cx="66150" cy="66150"/>
             </a:xfrm>
             <a:prstGeom prst="ellipse">
@@ -7350,7 +7318,7 @@
           </p:nvSpPr>
           <p:spPr>
             <a:xfrm>
-              <a:off x="1219699" y="1774596"/>
+              <a:off x="1073094" y="2029548"/>
               <a:ext cx="66150" cy="66150"/>
             </a:xfrm>
             <a:prstGeom prst="ellipse">
@@ -7385,7 +7353,7 @@
           </p:nvSpPr>
           <p:spPr>
             <a:xfrm>
-              <a:off x="2993169" y="1854854"/>
+              <a:off x="2914751" y="2095406"/>
               <a:ext cx="66150" cy="66150"/>
             </a:xfrm>
             <a:prstGeom prst="ellipse">
@@ -7420,7 +7388,7 @@
           </p:nvSpPr>
           <p:spPr>
             <a:xfrm>
-              <a:off x="10293264" y="5049914"/>
+              <a:off x="10495527" y="4717231"/>
               <a:ext cx="66150" cy="66150"/>
             </a:xfrm>
             <a:prstGeom prst="ellipse">
@@ -7455,7 +7423,7 @@
           </p:nvSpPr>
           <p:spPr>
             <a:xfrm>
-              <a:off x="9468394" y="5644226"/>
+              <a:off x="9638942" y="5204916"/>
               <a:ext cx="66150" cy="66150"/>
             </a:xfrm>
             <a:prstGeom prst="ellipse">
@@ -7490,7 +7458,7 @@
           </p:nvSpPr>
           <p:spPr>
             <a:xfrm>
-              <a:off x="10911916" y="5420724"/>
+              <a:off x="11137966" y="5021513"/>
               <a:ext cx="66150" cy="66150"/>
             </a:xfrm>
             <a:prstGeom prst="ellipse">
@@ -7525,7 +7493,7 @@
           </p:nvSpPr>
           <p:spPr>
             <a:xfrm>
-              <a:off x="5797725" y="4780696"/>
+              <a:off x="5827140" y="4496314"/>
               <a:ext cx="66150" cy="66150"/>
             </a:xfrm>
             <a:prstGeom prst="ellipse">
@@ -7560,7 +7528,7 @@
           </p:nvSpPr>
           <p:spPr>
             <a:xfrm>
-              <a:off x="3323116" y="3708903"/>
+              <a:off x="3257385" y="3616815"/>
               <a:ext cx="66150" cy="66150"/>
             </a:xfrm>
             <a:prstGeom prst="ellipse">
@@ -7595,7 +7563,7 @@
           </p:nvSpPr>
           <p:spPr>
             <a:xfrm>
-              <a:off x="3199386" y="3795256"/>
+              <a:off x="3128898" y="3687675"/>
               <a:ext cx="66150" cy="66150"/>
             </a:xfrm>
             <a:prstGeom prst="ellipse">
@@ -7630,7 +7598,7 @@
           </p:nvSpPr>
           <p:spPr>
             <a:xfrm>
-              <a:off x="2415760" y="3383809"/>
+              <a:off x="2315142" y="3350047"/>
               <a:ext cx="66150" cy="66150"/>
             </a:xfrm>
             <a:prstGeom prst="ellipse">
@@ -7665,7 +7633,7 @@
           </p:nvSpPr>
           <p:spPr>
             <a:xfrm>
-              <a:off x="4849125" y="3378730"/>
+              <a:off x="4842067" y="3345879"/>
               <a:ext cx="66150" cy="66150"/>
             </a:xfrm>
             <a:prstGeom prst="ellipse">
@@ -7700,7 +7668,7 @@
           </p:nvSpPr>
           <p:spPr>
             <a:xfrm>
-              <a:off x="8189846" y="5319132"/>
+              <a:off x="8311236" y="4938148"/>
               <a:ext cx="66150" cy="66150"/>
             </a:xfrm>
             <a:prstGeom prst="ellipse">
@@ -7735,7 +7703,7 @@
           </p:nvSpPr>
           <p:spPr>
             <a:xfrm>
-              <a:off x="7653681" y="5110869"/>
+              <a:off x="7754456" y="4767250"/>
               <a:ext cx="66150" cy="66150"/>
             </a:xfrm>
             <a:prstGeom prst="ellipse">
@@ -7770,7 +7738,7 @@
           </p:nvSpPr>
           <p:spPr>
             <a:xfrm>
-              <a:off x="9468394" y="5747849"/>
+              <a:off x="9638942" y="5289948"/>
               <a:ext cx="66150" cy="66150"/>
             </a:xfrm>
             <a:prstGeom prst="ellipse">
@@ -7805,7 +7773,7 @@
           </p:nvSpPr>
           <p:spPr>
             <a:xfrm>
-              <a:off x="3446847" y="4064474"/>
+              <a:off x="3385873" y="3908592"/>
               <a:ext cx="66150" cy="66150"/>
             </a:xfrm>
             <a:prstGeom prst="ellipse">
@@ -7840,7 +7808,7 @@
           </p:nvSpPr>
           <p:spPr>
             <a:xfrm>
-              <a:off x="5055342" y="4470841"/>
+              <a:off x="5056214" y="4242051"/>
               <a:ext cx="66150" cy="66150"/>
             </a:xfrm>
             <a:prstGeom prst="ellipse">
@@ -7875,7 +7843,7 @@
           </p:nvSpPr>
           <p:spPr>
             <a:xfrm>
-              <a:off x="3116899" y="3658107"/>
+              <a:off x="3043239" y="3575132"/>
               <a:ext cx="66150" cy="66150"/>
             </a:xfrm>
             <a:prstGeom prst="ellipse">
@@ -7910,7 +7878,7 @@
           </p:nvSpPr>
           <p:spPr>
             <a:xfrm>
-              <a:off x="5756481" y="4460682"/>
+              <a:off x="5784311" y="4233715"/>
               <a:ext cx="66150" cy="66150"/>
             </a:xfrm>
             <a:prstGeom prst="ellipse">
@@ -7945,7 +7913,7 @@
           </p:nvSpPr>
           <p:spPr>
             <a:xfrm>
-              <a:off x="538541" y="5207759"/>
+              <a:off x="373303" y="4838622"/>
               <a:ext cx="127136" cy="160399"/>
             </a:xfrm>
             <a:prstGeom prst="rect">
@@ -7991,7 +7959,7 @@
           </p:nvSpPr>
           <p:spPr>
             <a:xfrm>
-              <a:off x="538541" y="4187823"/>
+              <a:off x="373303" y="4000955"/>
               <a:ext cx="127136" cy="164417"/>
             </a:xfrm>
             <a:prstGeom prst="rect">
@@ -8037,7 +8005,7 @@
           </p:nvSpPr>
           <p:spPr>
             <a:xfrm>
-              <a:off x="538541" y="3176035"/>
+              <a:off x="373303" y="3171436"/>
               <a:ext cx="127136" cy="160287"/>
             </a:xfrm>
             <a:prstGeom prst="rect">
@@ -8083,7 +8051,7 @@
           </p:nvSpPr>
           <p:spPr>
             <a:xfrm>
-              <a:off x="538541" y="2159225"/>
+              <a:off x="373303" y="2336894"/>
               <a:ext cx="127136" cy="161180"/>
             </a:xfrm>
             <a:prstGeom prst="rect">
@@ -8129,18 +8097,18 @@
           </p:nvSpPr>
           <p:spPr>
             <a:xfrm>
-              <a:off x="768163" y="5979587"/>
-              <a:ext cx="10661438" cy="0"/>
+              <a:off x="602925" y="5486043"/>
+              <a:ext cx="11071359" cy="0"/>
             </a:xfrm>
             <a:custGeom>
               <a:avLst/>
               <a:pathLst>
-                <a:path w="10661438" h="0">
+                <a:path w="11071359" h="0">
                   <a:moveTo>
                     <a:pt x="0" y="0"/>
                   </a:moveTo>
                   <a:lnTo>
-                    <a:pt x="10661438" y="0"/>
+                    <a:pt x="11071359" y="0"/>
                   </a:lnTo>
                 </a:path>
               </a:pathLst>
@@ -8169,7 +8137,7 @@
           </p:nvSpPr>
           <p:spPr>
             <a:xfrm>
-              <a:off x="1087800" y="5979587"/>
+              <a:off x="934852" y="5486043"/>
               <a:ext cx="0" cy="56936"/>
             </a:xfrm>
             <a:custGeom>
@@ -8209,7 +8177,7 @@
           </p:nvSpPr>
           <p:spPr>
             <a:xfrm>
-              <a:off x="3149974" y="5979587"/>
+              <a:off x="3076314" y="5486043"/>
               <a:ext cx="0" cy="56936"/>
             </a:xfrm>
             <a:custGeom>
@@ -8249,7 +8217,7 @@
           </p:nvSpPr>
           <p:spPr>
             <a:xfrm>
-              <a:off x="5212148" y="5979587"/>
+              <a:off x="5217776" y="5486043"/>
               <a:ext cx="0" cy="56936"/>
             </a:xfrm>
             <a:custGeom>
@@ -8289,7 +8257,7 @@
           </p:nvSpPr>
           <p:spPr>
             <a:xfrm>
-              <a:off x="7274321" y="5979587"/>
+              <a:off x="7359238" y="5486043"/>
               <a:ext cx="0" cy="56936"/>
             </a:xfrm>
             <a:custGeom>
@@ -8329,7 +8297,7 @@
           </p:nvSpPr>
           <p:spPr>
             <a:xfrm>
-              <a:off x="9336495" y="5979587"/>
+              <a:off x="9500700" y="5486043"/>
               <a:ext cx="0" cy="56936"/>
             </a:xfrm>
             <a:custGeom>
@@ -8369,7 +8337,7 @@
           </p:nvSpPr>
           <p:spPr>
             <a:xfrm>
-              <a:off x="11398669" y="5979587"/>
+              <a:off x="11642163" y="5486043"/>
               <a:ext cx="0" cy="56936"/>
             </a:xfrm>
             <a:custGeom>
@@ -8409,7 +8377,7 @@
           </p:nvSpPr>
           <p:spPr>
             <a:xfrm>
-              <a:off x="960664" y="6081849"/>
+              <a:off x="807716" y="5588305"/>
               <a:ext cx="254272" cy="164194"/>
             </a:xfrm>
             <a:prstGeom prst="rect">
@@ -8455,7 +8423,7 @@
           </p:nvSpPr>
           <p:spPr>
             <a:xfrm>
-              <a:off x="3022838" y="6082854"/>
+              <a:off x="2949178" y="5589310"/>
               <a:ext cx="254272" cy="163190"/>
             </a:xfrm>
             <a:prstGeom prst="rect">
@@ -8501,7 +8469,7 @@
           </p:nvSpPr>
           <p:spPr>
             <a:xfrm>
-              <a:off x="5085011" y="6081291"/>
+              <a:off x="5090640" y="5587747"/>
               <a:ext cx="254272" cy="164752"/>
             </a:xfrm>
             <a:prstGeom prst="rect">
@@ -8547,7 +8515,7 @@
           </p:nvSpPr>
           <p:spPr>
             <a:xfrm>
-              <a:off x="7147185" y="6081626"/>
+              <a:off x="7232102" y="5588082"/>
               <a:ext cx="254272" cy="164417"/>
             </a:xfrm>
             <a:prstGeom prst="rect">
@@ -8593,7 +8561,7 @@
           </p:nvSpPr>
           <p:spPr>
             <a:xfrm>
-              <a:off x="9209359" y="6081626"/>
+              <a:off x="9373564" y="5588082"/>
               <a:ext cx="254272" cy="164417"/>
             </a:xfrm>
             <a:prstGeom prst="rect">
@@ -8639,7 +8607,7 @@
           </p:nvSpPr>
           <p:spPr>
             <a:xfrm>
-              <a:off x="11271532" y="6081626"/>
+              <a:off x="11515026" y="5588082"/>
               <a:ext cx="254272" cy="164417"/>
             </a:xfrm>
             <a:prstGeom prst="rect">
@@ -8685,7 +8653,7 @@
           </p:nvSpPr>
           <p:spPr>
             <a:xfrm>
-              <a:off x="5876533" y="6344503"/>
+              <a:off x="5916256" y="5850959"/>
               <a:ext cx="444698" cy="173012"/>
             </a:xfrm>
             <a:prstGeom prst="rect">
@@ -8763,8 +8731,8 @@
         </p:nvSpPr>
         <p:spPr>
           <a:xfrm>
-            <a:off x="371474" y="6586456"/>
-            <a:ext cx="11412539" cy="228206"/>
+            <a:off x="371475" y="6239781"/>
+            <a:ext cx="10662320" cy="455613"/>
           </a:xfrm>
         </p:spPr>
         <p:txBody>

--- a/tests/testthat/multi_slide_fullslide.pptx
+++ b/tests/testthat/multi_slide_fullslide.pptx
@@ -510,7 +510,7 @@
             <a:r>
               <a:rPr/>
               <a:t>
-Powerpoint file location: /Users/mbbowes/Documents/GitHub/grattantheme/tests/testthat/multi_slide_fullslide.pptx</a:t>
+Powerpoint file location: C:\Users\parkinsonn\Documents\grattantheme\tests\testthat\multi_slide_fullslide.pptx</a:t>
             </a:r>
           </a:p>
         </p:txBody>
@@ -558,7 +558,7 @@
             <a:r>
               <a:rPr/>
               <a:t>
-Powerpoint file location: /Users/mbbowes/Documents/GitHub/grattantheme/tests/testthat/multi_slide_fullslide.pptx</a:t>
+Powerpoint file location: C:\Users\parkinsonn\Documents\grattantheme\tests\testthat\multi_slide_fullslide.pptx</a:t>
             </a:r>
           </a:p>
         </p:txBody>
@@ -3489,8 +3489,8 @@
           </p:nvSpPr>
           <p:spPr>
             <a:xfrm>
-              <a:off x="793905" y="1877752"/>
-              <a:ext cx="10920518" cy="3812069"/>
+              <a:off x="792199" y="1877752"/>
+              <a:ext cx="10922224" cy="3815139"/>
             </a:xfrm>
             <a:prstGeom prst="rect">
               <a:avLst/>
@@ -3515,21 +3515,21 @@
           </p:nvSpPr>
           <p:spPr>
             <a:xfrm>
-              <a:off x="793905" y="5206861"/>
-              <a:ext cx="10920518" cy="0"/>
+              <a:off x="792199" y="5209542"/>
+              <a:ext cx="10922224" cy="0"/>
             </a:xfrm>
             <a:custGeom>
               <a:avLst/>
               <a:pathLst>
-                <a:path w="10920518" h="0">
+                <a:path w="10922224" h="0">
                   <a:moveTo>
                     <a:pt x="0" y="0"/>
                   </a:moveTo>
                   <a:lnTo>
-                    <a:pt x="10920518" y="0"/>
+                    <a:pt x="10922224" y="0"/>
                   </a:lnTo>
                   <a:lnTo>
-                    <a:pt x="10920518" y="0"/>
+                    <a:pt x="10922224" y="0"/>
                   </a:lnTo>
                 </a:path>
               </a:pathLst>
@@ -3558,21 +3558,21 @@
           </p:nvSpPr>
           <p:spPr>
             <a:xfrm>
-              <a:off x="793905" y="4469517"/>
-              <a:ext cx="10920518" cy="0"/>
+              <a:off x="792199" y="4471604"/>
+              <a:ext cx="10922224" cy="0"/>
             </a:xfrm>
             <a:custGeom>
               <a:avLst/>
               <a:pathLst>
-                <a:path w="10920518" h="0">
+                <a:path w="10922224" h="0">
                   <a:moveTo>
                     <a:pt x="0" y="0"/>
                   </a:moveTo>
                   <a:lnTo>
-                    <a:pt x="10920518" y="0"/>
+                    <a:pt x="10922224" y="0"/>
                   </a:lnTo>
                   <a:lnTo>
-                    <a:pt x="10920518" y="0"/>
+                    <a:pt x="10922224" y="0"/>
                   </a:lnTo>
                 </a:path>
               </a:pathLst>
@@ -3601,21 +3601,21 @@
           </p:nvSpPr>
           <p:spPr>
             <a:xfrm>
-              <a:off x="793905" y="3732172"/>
-              <a:ext cx="10920518" cy="0"/>
+              <a:off x="792199" y="3733666"/>
+              <a:ext cx="10922224" cy="0"/>
             </a:xfrm>
             <a:custGeom>
               <a:avLst/>
               <a:pathLst>
-                <a:path w="10920518" h="0">
+                <a:path w="10922224" h="0">
                   <a:moveTo>
                     <a:pt x="0" y="0"/>
                   </a:moveTo>
                   <a:lnTo>
-                    <a:pt x="10920518" y="0"/>
+                    <a:pt x="10922224" y="0"/>
                   </a:lnTo>
                   <a:lnTo>
-                    <a:pt x="10920518" y="0"/>
+                    <a:pt x="10922224" y="0"/>
                   </a:lnTo>
                 </a:path>
               </a:pathLst>
@@ -3644,21 +3644,21 @@
           </p:nvSpPr>
           <p:spPr>
             <a:xfrm>
-              <a:off x="793905" y="2994828"/>
-              <a:ext cx="10920518" cy="0"/>
+              <a:off x="792199" y="2995728"/>
+              <a:ext cx="10922224" cy="0"/>
             </a:xfrm>
             <a:custGeom>
               <a:avLst/>
               <a:pathLst>
-                <a:path w="10920518" h="0">
+                <a:path w="10922224" h="0">
                   <a:moveTo>
                     <a:pt x="0" y="0"/>
                   </a:moveTo>
                   <a:lnTo>
-                    <a:pt x="10920518" y="0"/>
+                    <a:pt x="10922224" y="0"/>
                   </a:lnTo>
                   <a:lnTo>
-                    <a:pt x="10920518" y="0"/>
+                    <a:pt x="10922224" y="0"/>
                   </a:lnTo>
                 </a:path>
               </a:pathLst>
@@ -3687,21 +3687,21 @@
           </p:nvSpPr>
           <p:spPr>
             <a:xfrm>
-              <a:off x="793905" y="2257484"/>
-              <a:ext cx="10920518" cy="0"/>
+              <a:off x="792199" y="2257790"/>
+              <a:ext cx="10922224" cy="0"/>
             </a:xfrm>
             <a:custGeom>
               <a:avLst/>
               <a:pathLst>
-                <a:path w="10920518" h="0">
+                <a:path w="10922224" h="0">
                   <a:moveTo>
                     <a:pt x="0" y="0"/>
                   </a:moveTo>
                   <a:lnTo>
-                    <a:pt x="10920518" y="0"/>
+                    <a:pt x="10922224" y="0"/>
                   </a:lnTo>
                   <a:lnTo>
-                    <a:pt x="10920518" y="0"/>
+                    <a:pt x="10922224" y="0"/>
                   </a:lnTo>
                 </a:path>
               </a:pathLst>
@@ -3730,15 +3730,15 @@
           </p:nvSpPr>
           <p:spPr>
             <a:xfrm>
-              <a:off x="1257292" y="1877752"/>
-              <a:ext cx="0" cy="3812069"/>
+              <a:off x="1255659" y="1877752"/>
+              <a:ext cx="0" cy="3815139"/>
             </a:xfrm>
             <a:custGeom>
               <a:avLst/>
               <a:pathLst>
-                <a:path w="0" h="3812069">
+                <a:path w="0" h="3815139">
                   <a:moveTo>
-                    <a:pt x="0" y="3812069"/>
+                    <a:pt x="0" y="3815139"/>
                   </a:moveTo>
                   <a:lnTo>
                     <a:pt x="0" y="0"/>
@@ -3773,15 +3773,15 @@
           </p:nvSpPr>
           <p:spPr>
             <a:xfrm>
-              <a:off x="3795708" y="1877752"/>
-              <a:ext cx="0" cy="3812069"/>
+              <a:off x="3794472" y="1877752"/>
+              <a:ext cx="0" cy="3815139"/>
             </a:xfrm>
             <a:custGeom>
               <a:avLst/>
               <a:pathLst>
-                <a:path w="0" h="3812069">
+                <a:path w="0" h="3815139">
                   <a:moveTo>
-                    <a:pt x="0" y="3812069"/>
+                    <a:pt x="0" y="3815139"/>
                   </a:moveTo>
                   <a:lnTo>
                     <a:pt x="0" y="0"/>
@@ -3816,15 +3816,15 @@
           </p:nvSpPr>
           <p:spPr>
             <a:xfrm>
-              <a:off x="6334124" y="1877752"/>
-              <a:ext cx="0" cy="3812069"/>
+              <a:off x="6333284" y="1877752"/>
+              <a:ext cx="0" cy="3815139"/>
             </a:xfrm>
             <a:custGeom>
               <a:avLst/>
               <a:pathLst>
-                <a:path w="0" h="3812069">
+                <a:path w="0" h="3815139">
                   <a:moveTo>
-                    <a:pt x="0" y="3812069"/>
+                    <a:pt x="0" y="3815139"/>
                   </a:moveTo>
                   <a:lnTo>
                     <a:pt x="0" y="0"/>
@@ -3859,15 +3859,15 @@
           </p:nvSpPr>
           <p:spPr>
             <a:xfrm>
-              <a:off x="8872540" y="1877752"/>
-              <a:ext cx="0" cy="3812069"/>
+              <a:off x="8872096" y="1877752"/>
+              <a:ext cx="0" cy="3815139"/>
             </a:xfrm>
             <a:custGeom>
               <a:avLst/>
               <a:pathLst>
-                <a:path w="0" h="3812069">
+                <a:path w="0" h="3815139">
                   <a:moveTo>
-                    <a:pt x="0" y="3812069"/>
+                    <a:pt x="0" y="3815139"/>
                   </a:moveTo>
                   <a:lnTo>
                     <a:pt x="0" y="0"/>
@@ -3902,15 +3902,15 @@
           </p:nvSpPr>
           <p:spPr>
             <a:xfrm>
-              <a:off x="11410956" y="1877752"/>
-              <a:ext cx="0" cy="3812069"/>
+              <a:off x="11410908" y="1877752"/>
+              <a:ext cx="0" cy="3815139"/>
             </a:xfrm>
             <a:custGeom>
               <a:avLst/>
               <a:pathLst>
-                <a:path w="0" h="3812069">
+                <a:path w="0" h="3815139">
                   <a:moveTo>
-                    <a:pt x="0" y="3812069"/>
+                    <a:pt x="0" y="3815139"/>
                   </a:moveTo>
                   <a:lnTo>
                     <a:pt x="0" y="0"/>
@@ -3945,21 +3945,21 @@
           </p:nvSpPr>
           <p:spPr>
             <a:xfrm>
-              <a:off x="793905" y="5575533"/>
-              <a:ext cx="10920518" cy="0"/>
+              <a:off x="792199" y="5578511"/>
+              <a:ext cx="10922224" cy="0"/>
             </a:xfrm>
             <a:custGeom>
               <a:avLst/>
               <a:pathLst>
-                <a:path w="10920518" h="0">
+                <a:path w="10922224" h="0">
                   <a:moveTo>
                     <a:pt x="0" y="0"/>
                   </a:moveTo>
                   <a:lnTo>
-                    <a:pt x="10920518" y="0"/>
+                    <a:pt x="10922224" y="0"/>
                   </a:lnTo>
                   <a:lnTo>
-                    <a:pt x="10920518" y="0"/>
+                    <a:pt x="10922224" y="0"/>
                   </a:lnTo>
                 </a:path>
               </a:pathLst>
@@ -3988,21 +3988,21 @@
           </p:nvSpPr>
           <p:spPr>
             <a:xfrm>
-              <a:off x="793905" y="4838189"/>
-              <a:ext cx="10920518" cy="0"/>
+              <a:off x="792199" y="4840573"/>
+              <a:ext cx="10922224" cy="0"/>
             </a:xfrm>
             <a:custGeom>
               <a:avLst/>
               <a:pathLst>
-                <a:path w="10920518" h="0">
+                <a:path w="10922224" h="0">
                   <a:moveTo>
                     <a:pt x="0" y="0"/>
                   </a:moveTo>
                   <a:lnTo>
-                    <a:pt x="10920518" y="0"/>
+                    <a:pt x="10922224" y="0"/>
                   </a:lnTo>
                   <a:lnTo>
-                    <a:pt x="10920518" y="0"/>
+                    <a:pt x="10922224" y="0"/>
                   </a:lnTo>
                 </a:path>
               </a:pathLst>
@@ -4031,21 +4031,21 @@
           </p:nvSpPr>
           <p:spPr>
             <a:xfrm>
-              <a:off x="793905" y="4100845"/>
-              <a:ext cx="10920518" cy="0"/>
+              <a:off x="792199" y="4102635"/>
+              <a:ext cx="10922224" cy="0"/>
             </a:xfrm>
             <a:custGeom>
               <a:avLst/>
               <a:pathLst>
-                <a:path w="10920518" h="0">
+                <a:path w="10922224" h="0">
                   <a:moveTo>
                     <a:pt x="0" y="0"/>
                   </a:moveTo>
                   <a:lnTo>
-                    <a:pt x="10920518" y="0"/>
+                    <a:pt x="10922224" y="0"/>
                   </a:lnTo>
                   <a:lnTo>
-                    <a:pt x="10920518" y="0"/>
+                    <a:pt x="10922224" y="0"/>
                   </a:lnTo>
                 </a:path>
               </a:pathLst>
@@ -4074,21 +4074,21 @@
           </p:nvSpPr>
           <p:spPr>
             <a:xfrm>
-              <a:off x="793905" y="3363500"/>
-              <a:ext cx="10920518" cy="0"/>
+              <a:off x="792199" y="3364697"/>
+              <a:ext cx="10922224" cy="0"/>
             </a:xfrm>
             <a:custGeom>
               <a:avLst/>
               <a:pathLst>
-                <a:path w="10920518" h="0">
+                <a:path w="10922224" h="0">
                   <a:moveTo>
                     <a:pt x="0" y="0"/>
                   </a:moveTo>
                   <a:lnTo>
-                    <a:pt x="10920518" y="0"/>
+                    <a:pt x="10922224" y="0"/>
                   </a:lnTo>
                   <a:lnTo>
-                    <a:pt x="10920518" y="0"/>
+                    <a:pt x="10922224" y="0"/>
                   </a:lnTo>
                 </a:path>
               </a:pathLst>
@@ -4117,21 +4117,21 @@
           </p:nvSpPr>
           <p:spPr>
             <a:xfrm>
-              <a:off x="793905" y="2626156"/>
-              <a:ext cx="10920518" cy="0"/>
+              <a:off x="792199" y="2626759"/>
+              <a:ext cx="10922224" cy="0"/>
             </a:xfrm>
             <a:custGeom>
               <a:avLst/>
               <a:pathLst>
-                <a:path w="10920518" h="0">
+                <a:path w="10922224" h="0">
                   <a:moveTo>
                     <a:pt x="0" y="0"/>
                   </a:moveTo>
                   <a:lnTo>
-                    <a:pt x="10920518" y="0"/>
+                    <a:pt x="10922224" y="0"/>
                   </a:lnTo>
                   <a:lnTo>
-                    <a:pt x="10920518" y="0"/>
+                    <a:pt x="10922224" y="0"/>
                   </a:lnTo>
                 </a:path>
               </a:pathLst>
@@ -4160,21 +4160,21 @@
           </p:nvSpPr>
           <p:spPr>
             <a:xfrm>
-              <a:off x="793905" y="1888812"/>
-              <a:ext cx="10920518" cy="0"/>
+              <a:off x="792199" y="1888821"/>
+              <a:ext cx="10922224" cy="0"/>
             </a:xfrm>
             <a:custGeom>
               <a:avLst/>
               <a:pathLst>
-                <a:path w="10920518" h="0">
+                <a:path w="10922224" h="0">
                   <a:moveTo>
                     <a:pt x="0" y="0"/>
                   </a:moveTo>
                   <a:lnTo>
-                    <a:pt x="10920518" y="0"/>
+                    <a:pt x="10922224" y="0"/>
                   </a:lnTo>
                   <a:lnTo>
-                    <a:pt x="10920518" y="0"/>
+                    <a:pt x="10922224" y="0"/>
                   </a:lnTo>
                 </a:path>
               </a:pathLst>
@@ -4203,15 +4203,15 @@
           </p:nvSpPr>
           <p:spPr>
             <a:xfrm>
-              <a:off x="2526500" y="1877752"/>
-              <a:ext cx="0" cy="3812069"/>
+              <a:off x="2525066" y="1877752"/>
+              <a:ext cx="0" cy="3815139"/>
             </a:xfrm>
             <a:custGeom>
               <a:avLst/>
               <a:pathLst>
-                <a:path w="0" h="3812069">
+                <a:path w="0" h="3815139">
                   <a:moveTo>
-                    <a:pt x="0" y="3812069"/>
+                    <a:pt x="0" y="3815139"/>
                   </a:moveTo>
                   <a:lnTo>
                     <a:pt x="0" y="0"/>
@@ -4246,15 +4246,15 @@
           </p:nvSpPr>
           <p:spPr>
             <a:xfrm>
-              <a:off x="5064916" y="1877752"/>
-              <a:ext cx="0" cy="3812069"/>
+              <a:off x="5063878" y="1877752"/>
+              <a:ext cx="0" cy="3815139"/>
             </a:xfrm>
             <a:custGeom>
               <a:avLst/>
               <a:pathLst>
-                <a:path w="0" h="3812069">
+                <a:path w="0" h="3815139">
                   <a:moveTo>
-                    <a:pt x="0" y="3812069"/>
+                    <a:pt x="0" y="3815139"/>
                   </a:moveTo>
                   <a:lnTo>
                     <a:pt x="0" y="0"/>
@@ -4289,15 +4289,15 @@
           </p:nvSpPr>
           <p:spPr>
             <a:xfrm>
-              <a:off x="7603332" y="1877752"/>
-              <a:ext cx="0" cy="3812069"/>
+              <a:off x="7602690" y="1877752"/>
+              <a:ext cx="0" cy="3815139"/>
             </a:xfrm>
             <a:custGeom>
               <a:avLst/>
               <a:pathLst>
-                <a:path w="0" h="3812069">
+                <a:path w="0" h="3815139">
                   <a:moveTo>
-                    <a:pt x="0" y="3812069"/>
+                    <a:pt x="0" y="3815139"/>
                   </a:moveTo>
                   <a:lnTo>
                     <a:pt x="0" y="0"/>
@@ -4332,15 +4332,15 @@
           </p:nvSpPr>
           <p:spPr>
             <a:xfrm>
-              <a:off x="10141748" y="1877752"/>
-              <a:ext cx="0" cy="3812069"/>
+              <a:off x="10141502" y="1877752"/>
+              <a:ext cx="0" cy="3815139"/>
             </a:xfrm>
             <a:custGeom>
               <a:avLst/>
               <a:pathLst>
-                <a:path w="0" h="3812069">
+                <a:path w="0" h="3815139">
                   <a:moveTo>
-                    <a:pt x="0" y="3812069"/>
+                    <a:pt x="0" y="3815139"/>
                   </a:moveTo>
                   <a:lnTo>
                     <a:pt x="0" y="0"/>
@@ -4375,7 +4375,7 @@
           </p:nvSpPr>
           <p:spPr>
             <a:xfrm>
-              <a:off x="4067243" y="3920301"/>
+              <a:off x="4066054" y="3921972"/>
               <a:ext cx="66150" cy="66150"/>
             </a:xfrm>
             <a:prstGeom prst="ellipse">
@@ -4410,7 +4410,7 @@
           </p:nvSpPr>
           <p:spPr>
             <a:xfrm>
-              <a:off x="4714539" y="3920301"/>
+              <a:off x="4713451" y="3921972"/>
               <a:ext cx="66150" cy="66150"/>
             </a:xfrm>
             <a:prstGeom prst="ellipse">
@@ -4445,7 +4445,7 @@
           </p:nvSpPr>
           <p:spPr>
             <a:xfrm>
-              <a:off x="3305718" y="3654857"/>
+              <a:off x="3304410" y="3656314"/>
               <a:ext cx="66150" cy="66150"/>
             </a:xfrm>
             <a:prstGeom prst="ellipse">
@@ -4480,7 +4480,7 @@
           </p:nvSpPr>
           <p:spPr>
             <a:xfrm>
-              <a:off x="5577601" y="3861313"/>
+              <a:off x="5576647" y="3862937"/>
               <a:ext cx="66150" cy="66150"/>
             </a:xfrm>
             <a:prstGeom prst="ellipse">
@@ -4515,7 +4515,7 @@
           </p:nvSpPr>
           <p:spPr>
             <a:xfrm>
-              <a:off x="6148744" y="4259479"/>
+              <a:off x="6147880" y="4261424"/>
               <a:ext cx="66150" cy="66150"/>
             </a:xfrm>
             <a:prstGeom prst="ellipse">
@@ -4550,7 +4550,7 @@
           </p:nvSpPr>
           <p:spPr>
             <a:xfrm>
-              <a:off x="6199512" y="4347960"/>
+              <a:off x="6198656" y="4349976"/>
               <a:ext cx="66150" cy="66150"/>
             </a:xfrm>
             <a:prstGeom prst="ellipse">
@@ -4585,7 +4585,7 @@
           </p:nvSpPr>
           <p:spPr>
             <a:xfrm>
-              <a:off x="6478738" y="4908342"/>
+              <a:off x="6477926" y="4910809"/>
               <a:ext cx="66150" cy="66150"/>
             </a:xfrm>
             <a:prstGeom prst="ellipse">
@@ -4620,7 +4620,7 @@
           </p:nvSpPr>
           <p:spPr>
             <a:xfrm>
-              <a:off x="5514140" y="3418907"/>
+              <a:off x="5513177" y="3420174"/>
               <a:ext cx="66150" cy="66150"/>
             </a:xfrm>
             <a:prstGeom prst="ellipse">
@@ -4655,7 +4655,7 @@
           </p:nvSpPr>
           <p:spPr>
             <a:xfrm>
-              <a:off x="5412604" y="3654857"/>
+              <a:off x="5411625" y="3656314"/>
               <a:ext cx="66150" cy="66150"/>
             </a:xfrm>
             <a:prstGeom prst="ellipse">
@@ -4690,7 +4690,7 @@
           </p:nvSpPr>
           <p:spPr>
             <a:xfrm>
-              <a:off x="6148744" y="4185745"/>
+              <a:off x="6147880" y="4187630"/>
               <a:ext cx="66150" cy="66150"/>
             </a:xfrm>
             <a:prstGeom prst="ellipse">
@@ -4725,7 +4725,7 @@
           </p:nvSpPr>
           <p:spPr>
             <a:xfrm>
-              <a:off x="6148744" y="4392201"/>
+              <a:off x="6147880" y="4394252"/>
               <a:ext cx="66150" cy="66150"/>
             </a:xfrm>
             <a:prstGeom prst="ellipse">
@@ -4760,7 +4760,7 @@
           </p:nvSpPr>
           <p:spPr>
             <a:xfrm>
-              <a:off x="7747946" y="4598657"/>
+              <a:off x="7747332" y="4600875"/>
               <a:ext cx="66150" cy="66150"/>
             </a:xfrm>
             <a:prstGeom prst="ellipse">
@@ -4795,7 +4795,7 @@
           </p:nvSpPr>
           <p:spPr>
             <a:xfrm>
-              <a:off x="6884885" y="4465935"/>
+              <a:off x="6884136" y="4468046"/>
               <a:ext cx="66150" cy="66150"/>
             </a:xfrm>
             <a:prstGeom prst="ellipse">
@@ -4830,7 +4830,7 @@
           </p:nvSpPr>
           <p:spPr>
             <a:xfrm>
-              <a:off x="7011806" y="4775620"/>
+              <a:off x="7011076" y="4777980"/>
               <a:ext cx="66150" cy="66150"/>
             </a:xfrm>
             <a:prstGeom prst="ellipse">
@@ -4865,7 +4865,7 @@
           </p:nvSpPr>
           <p:spPr>
             <a:xfrm>
-              <a:off x="10743277" y="5483471"/>
+              <a:off x="10743130" y="5486401"/>
               <a:ext cx="66150" cy="66150"/>
             </a:xfrm>
             <a:prstGeom prst="ellipse">
@@ -4900,7 +4900,7 @@
           </p:nvSpPr>
           <p:spPr>
             <a:xfrm>
-              <a:off x="11184961" y="5483471"/>
+              <a:off x="11184884" y="5486401"/>
               <a:ext cx="66150" cy="66150"/>
             </a:xfrm>
             <a:prstGeom prst="ellipse">
@@ -4935,7 +4935,7 @@
           </p:nvSpPr>
           <p:spPr>
             <a:xfrm>
-              <a:off x="10984426" y="4849354"/>
+              <a:off x="10984318" y="4851774"/>
               <a:ext cx="66150" cy="66150"/>
             </a:xfrm>
             <a:prstGeom prst="ellipse">
@@ -4970,7 +4970,7 @@
           </p:nvSpPr>
           <p:spPr>
             <a:xfrm>
-              <a:off x="3001108" y="2239156"/>
+              <a:off x="2999753" y="2239473"/>
               <a:ext cx="66150" cy="66150"/>
             </a:xfrm>
             <a:prstGeom prst="ellipse">
@@ -5005,7 +5005,7 @@
           </p:nvSpPr>
           <p:spPr>
             <a:xfrm>
-              <a:off x="1516135" y="2534093"/>
+              <a:off x="1514548" y="2534649"/>
               <a:ext cx="66150" cy="66150"/>
             </a:xfrm>
             <a:prstGeom prst="ellipse">
@@ -5040,7 +5040,7 @@
           </p:nvSpPr>
           <p:spPr>
             <a:xfrm>
-              <a:off x="2074587" y="2017952"/>
+              <a:off x="2073087" y="2018092"/>
               <a:ext cx="66150" cy="66150"/>
             </a:xfrm>
             <a:prstGeom prst="ellipse">
@@ -5075,7 +5075,7 @@
           </p:nvSpPr>
           <p:spPr>
             <a:xfrm>
-              <a:off x="3673789" y="3846566"/>
+              <a:off x="3672538" y="3848178"/>
               <a:ext cx="66150" cy="66150"/>
             </a:xfrm>
             <a:prstGeom prst="ellipse">
@@ -5110,7 +5110,7 @@
           </p:nvSpPr>
           <p:spPr>
             <a:xfrm>
-              <a:off x="6351817" y="4731379"/>
+              <a:off x="6350985" y="4733704"/>
               <a:ext cx="66150" cy="66150"/>
             </a:xfrm>
             <a:prstGeom prst="ellipse">
@@ -5145,7 +5145,7 @@
           </p:nvSpPr>
           <p:spPr>
             <a:xfrm>
-              <a:off x="6136052" y="4775620"/>
+              <a:off x="6135186" y="4777980"/>
               <a:ext cx="66150" cy="66150"/>
             </a:xfrm>
             <a:prstGeom prst="ellipse">
@@ -5180,7 +5180,7 @@
           </p:nvSpPr>
           <p:spPr>
             <a:xfrm>
-              <a:off x="7164110" y="5055811"/>
+              <a:off x="7163405" y="5058397"/>
               <a:ext cx="66150" cy="66150"/>
             </a:xfrm>
             <a:prstGeom prst="ellipse">
@@ -5215,7 +5215,7 @@
           </p:nvSpPr>
           <p:spPr>
             <a:xfrm>
-              <a:off x="7176803" y="4185745"/>
+              <a:off x="7176099" y="4187630"/>
               <a:ext cx="66150" cy="66150"/>
             </a:xfrm>
             <a:prstGeom prst="ellipse">
@@ -5250,7 +5250,7 @@
           </p:nvSpPr>
           <p:spPr>
             <a:xfrm>
-              <a:off x="2328428" y="2991247"/>
+              <a:off x="2326968" y="2992170"/>
               <a:ext cx="66150" cy="66150"/>
             </a:xfrm>
             <a:prstGeom prst="ellipse">
@@ -5285,7 +5285,7 @@
           </p:nvSpPr>
           <p:spPr>
             <a:xfrm>
-              <a:off x="2848804" y="3182956"/>
+              <a:off x="2847424" y="3184034"/>
               <a:ext cx="66150" cy="66150"/>
             </a:xfrm>
             <a:prstGeom prst="ellipse">
@@ -5320,7 +5320,7 @@
           </p:nvSpPr>
           <p:spPr>
             <a:xfrm>
-              <a:off x="1257217" y="2534093"/>
+              <a:off x="1255589" y="2534649"/>
               <a:ext cx="66150" cy="66150"/>
             </a:xfrm>
             <a:prstGeom prst="ellipse">
@@ -5355,7 +5355,7 @@
           </p:nvSpPr>
           <p:spPr>
             <a:xfrm>
-              <a:off x="5463372" y="4687139"/>
+              <a:off x="5462401" y="4689428"/>
               <a:ext cx="66150" cy="66150"/>
             </a:xfrm>
             <a:prstGeom prst="ellipse">
@@ -5390,7 +5390,7 @@
           </p:nvSpPr>
           <p:spPr>
             <a:xfrm>
-              <a:off x="4448006" y="4112010"/>
+              <a:off x="4446876" y="4113836"/>
               <a:ext cx="66150" cy="66150"/>
             </a:xfrm>
             <a:prstGeom prst="ellipse">
@@ -5425,7 +5425,7 @@
           </p:nvSpPr>
           <p:spPr>
             <a:xfrm>
-              <a:off x="6478738" y="4805114"/>
+              <a:off x="6477926" y="4807498"/>
               <a:ext cx="66150" cy="66150"/>
             </a:xfrm>
             <a:prstGeom prst="ellipse">
@@ -5460,7 +5460,7 @@
           </p:nvSpPr>
           <p:spPr>
             <a:xfrm>
-              <a:off x="4473390" y="3861313"/>
+              <a:off x="4472264" y="3862937"/>
               <a:ext cx="66150" cy="66150"/>
             </a:xfrm>
             <a:prstGeom prst="ellipse">
@@ -5495,8 +5495,8 @@
           </p:nvSpPr>
           <p:spPr>
             <a:xfrm>
-              <a:off x="606963" y="5535342"/>
-              <a:ext cx="124311" cy="80272"/>
+              <a:off x="605258" y="5536819"/>
+              <a:ext cx="124311" cy="81691"/>
             </a:xfrm>
             <a:prstGeom prst="rect">
               <a:avLst/>
@@ -5525,8 +5525,8 @@
                       <a:alpha val="100000"/>
                     </a:srgbClr>
                   </a:solidFill>
-                  <a:latin typeface="Helvetica"/>
-                  <a:cs typeface="Helvetica"/>
+                  <a:latin typeface="Arial"/>
+                  <a:cs typeface="Arial"/>
                 </a:rPr>
                 <a:t>10</a:t>
               </a:r>
@@ -5541,8 +5541,8 @@
           </p:nvSpPr>
           <p:spPr>
             <a:xfrm>
-              <a:off x="606963" y="4798489"/>
-              <a:ext cx="124311" cy="79781"/>
+              <a:off x="605258" y="4798881"/>
+              <a:ext cx="124311" cy="81691"/>
             </a:xfrm>
             <a:prstGeom prst="rect">
               <a:avLst/>
@@ -5571,8 +5571,8 @@
                       <a:alpha val="100000"/>
                     </a:srgbClr>
                   </a:solidFill>
-                  <a:latin typeface="Helvetica"/>
-                  <a:cs typeface="Helvetica"/>
+                  <a:latin typeface="Arial"/>
+                  <a:cs typeface="Arial"/>
                 </a:rPr>
                 <a:t>15</a:t>
               </a:r>
@@ -5587,8 +5587,8 @@
           </p:nvSpPr>
           <p:spPr>
             <a:xfrm>
-              <a:off x="606963" y="4060381"/>
-              <a:ext cx="124311" cy="80545"/>
+              <a:off x="605258" y="4060943"/>
+              <a:ext cx="124311" cy="81691"/>
             </a:xfrm>
             <a:prstGeom prst="rect">
               <a:avLst/>
@@ -5617,8 +5617,8 @@
                       <a:alpha val="100000"/>
                     </a:srgbClr>
                   </a:solidFill>
-                  <a:latin typeface="Helvetica"/>
-                  <a:cs typeface="Helvetica"/>
+                  <a:latin typeface="Arial"/>
+                  <a:cs typeface="Arial"/>
                 </a:rPr>
                 <a:t>20</a:t>
               </a:r>
@@ -5633,8 +5633,8 @@
           </p:nvSpPr>
           <p:spPr>
             <a:xfrm>
-              <a:off x="606963" y="3323200"/>
-              <a:ext cx="124311" cy="80382"/>
+              <a:off x="605258" y="3323005"/>
+              <a:ext cx="124311" cy="81691"/>
             </a:xfrm>
             <a:prstGeom prst="rect">
               <a:avLst/>
@@ -5663,8 +5663,8 @@
                       <a:alpha val="100000"/>
                     </a:srgbClr>
                   </a:solidFill>
-                  <a:latin typeface="Helvetica"/>
-                  <a:cs typeface="Helvetica"/>
+                  <a:latin typeface="Arial"/>
+                  <a:cs typeface="Arial"/>
                 </a:rPr>
                 <a:t>25</a:t>
               </a:r>
@@ -5679,8 +5679,8 @@
           </p:nvSpPr>
           <p:spPr>
             <a:xfrm>
-              <a:off x="606963" y="2585856"/>
-              <a:ext cx="124311" cy="80382"/>
+              <a:off x="605258" y="2585012"/>
+              <a:ext cx="124311" cy="81746"/>
             </a:xfrm>
             <a:prstGeom prst="rect">
               <a:avLst/>
@@ -5709,8 +5709,8 @@
                       <a:alpha val="100000"/>
                     </a:srgbClr>
                   </a:solidFill>
-                  <a:latin typeface="Helvetica"/>
-                  <a:cs typeface="Helvetica"/>
+                  <a:latin typeface="Arial"/>
+                  <a:cs typeface="Arial"/>
                 </a:rPr>
                 <a:t>30</a:t>
               </a:r>
@@ -5725,8 +5725,8 @@
           </p:nvSpPr>
           <p:spPr>
             <a:xfrm>
-              <a:off x="606963" y="1848512"/>
-              <a:ext cx="124311" cy="80382"/>
+              <a:off x="605258" y="1847074"/>
+              <a:ext cx="124311" cy="81746"/>
             </a:xfrm>
             <a:prstGeom prst="rect">
               <a:avLst/>
@@ -5755,8 +5755,8 @@
                       <a:alpha val="100000"/>
                     </a:srgbClr>
                   </a:solidFill>
-                  <a:latin typeface="Helvetica"/>
-                  <a:cs typeface="Helvetica"/>
+                  <a:latin typeface="Arial"/>
+                  <a:cs typeface="Arial"/>
                 </a:rPr>
                 <a:t>35</a:t>
               </a:r>
@@ -5771,7 +5771,7 @@
           </p:nvSpPr>
           <p:spPr>
             <a:xfrm>
-              <a:off x="759110" y="5575533"/>
+              <a:off x="757405" y="5578511"/>
               <a:ext cx="34794" cy="0"/>
             </a:xfrm>
             <a:custGeom>
@@ -5811,7 +5811,7 @@
           </p:nvSpPr>
           <p:spPr>
             <a:xfrm>
-              <a:off x="759110" y="4838189"/>
+              <a:off x="757405" y="4840573"/>
               <a:ext cx="34794" cy="0"/>
             </a:xfrm>
             <a:custGeom>
@@ -5851,7 +5851,7 @@
           </p:nvSpPr>
           <p:spPr>
             <a:xfrm>
-              <a:off x="759110" y="4100845"/>
+              <a:off x="757405" y="4102635"/>
               <a:ext cx="34794" cy="0"/>
             </a:xfrm>
             <a:custGeom>
@@ -5891,7 +5891,7 @@
           </p:nvSpPr>
           <p:spPr>
             <a:xfrm>
-              <a:off x="759110" y="3363500"/>
+              <a:off x="757405" y="3364697"/>
               <a:ext cx="34794" cy="0"/>
             </a:xfrm>
             <a:custGeom>
@@ -5931,7 +5931,7 @@
           </p:nvSpPr>
           <p:spPr>
             <a:xfrm>
-              <a:off x="759110" y="2626156"/>
+              <a:off x="757405" y="2626759"/>
               <a:ext cx="34794" cy="0"/>
             </a:xfrm>
             <a:custGeom>
@@ -5971,7 +5971,7 @@
           </p:nvSpPr>
           <p:spPr>
             <a:xfrm>
-              <a:off x="759110" y="1888812"/>
+              <a:off x="757405" y="1888821"/>
               <a:ext cx="34794" cy="0"/>
             </a:xfrm>
             <a:custGeom>
@@ -6011,7 +6011,7 @@
           </p:nvSpPr>
           <p:spPr>
             <a:xfrm>
-              <a:off x="2526500" y="5689821"/>
+              <a:off x="2525066" y="5692891"/>
               <a:ext cx="0" cy="34794"/>
             </a:xfrm>
             <a:custGeom>
@@ -6051,7 +6051,7 @@
           </p:nvSpPr>
           <p:spPr>
             <a:xfrm>
-              <a:off x="5064916" y="5689821"/>
+              <a:off x="5063878" y="5692891"/>
               <a:ext cx="0" cy="34794"/>
             </a:xfrm>
             <a:custGeom>
@@ -6091,7 +6091,7 @@
           </p:nvSpPr>
           <p:spPr>
             <a:xfrm>
-              <a:off x="7603332" y="5689821"/>
+              <a:off x="7602690" y="5692891"/>
               <a:ext cx="0" cy="34794"/>
             </a:xfrm>
             <a:custGeom>
@@ -6131,7 +6131,7 @@
           </p:nvSpPr>
           <p:spPr>
             <a:xfrm>
-              <a:off x="10141748" y="5689821"/>
+              <a:off x="10141502" y="5692891"/>
               <a:ext cx="0" cy="34794"/>
             </a:xfrm>
             <a:custGeom>
@@ -6171,8 +6171,8 @@
           </p:nvSpPr>
           <p:spPr>
             <a:xfrm>
-              <a:off x="2495423" y="5754198"/>
-              <a:ext cx="62155" cy="78417"/>
+              <a:off x="2493988" y="5755194"/>
+              <a:ext cx="62155" cy="80327"/>
             </a:xfrm>
             <a:prstGeom prst="rect">
               <a:avLst/>
@@ -6201,8 +6201,8 @@
                       <a:alpha val="100000"/>
                     </a:srgbClr>
                   </a:solidFill>
-                  <a:latin typeface="Helvetica"/>
-                  <a:cs typeface="Helvetica"/>
+                  <a:latin typeface="Arial"/>
+                  <a:cs typeface="Arial"/>
                 </a:rPr>
                 <a:t>2</a:t>
               </a:r>
@@ -6217,8 +6217,8 @@
           </p:nvSpPr>
           <p:spPr>
             <a:xfrm>
-              <a:off x="5033838" y="5752233"/>
-              <a:ext cx="62155" cy="80382"/>
+              <a:off x="5032800" y="5753775"/>
+              <a:ext cx="62155" cy="81746"/>
             </a:xfrm>
             <a:prstGeom prst="rect">
               <a:avLst/>
@@ -6247,8 +6247,8 @@
                       <a:alpha val="100000"/>
                     </a:srgbClr>
                   </a:solidFill>
-                  <a:latin typeface="Helvetica"/>
-                  <a:cs typeface="Helvetica"/>
+                  <a:latin typeface="Arial"/>
+                  <a:cs typeface="Arial"/>
                 </a:rPr>
                 <a:t>3</a:t>
               </a:r>
@@ -6263,8 +6263,8 @@
           </p:nvSpPr>
           <p:spPr>
             <a:xfrm>
-              <a:off x="7572254" y="5754252"/>
-              <a:ext cx="62155" cy="78362"/>
+              <a:off x="7571612" y="5755521"/>
+              <a:ext cx="62155" cy="80000"/>
             </a:xfrm>
             <a:prstGeom prst="rect">
               <a:avLst/>
@@ -6293,8 +6293,8 @@
                       <a:alpha val="100000"/>
                     </a:srgbClr>
                   </a:solidFill>
-                  <a:latin typeface="Helvetica"/>
-                  <a:cs typeface="Helvetica"/>
+                  <a:latin typeface="Arial"/>
+                  <a:cs typeface="Arial"/>
                 </a:rPr>
                 <a:t>4</a:t>
               </a:r>
@@ -6309,8 +6309,8 @@
           </p:nvSpPr>
           <p:spPr>
             <a:xfrm>
-              <a:off x="10110670" y="5753816"/>
-              <a:ext cx="62155" cy="78799"/>
+              <a:off x="10110425" y="5755248"/>
+              <a:ext cx="62155" cy="80272"/>
             </a:xfrm>
             <a:prstGeom prst="rect">
               <a:avLst/>
@@ -6339,8 +6339,8 @@
                       <a:alpha val="100000"/>
                     </a:srgbClr>
                   </a:solidFill>
-                  <a:latin typeface="Helvetica"/>
-                  <a:cs typeface="Helvetica"/>
+                  <a:latin typeface="Arial"/>
+                  <a:cs typeface="Arial"/>
                 </a:rPr>
                 <a:t>5</a:t>
               </a:r>
@@ -6355,8 +6355,8 @@
           </p:nvSpPr>
           <p:spPr>
             <a:xfrm>
-              <a:off x="6184314" y="5897724"/>
-              <a:ext cx="139700" cy="94611"/>
+              <a:off x="6183461" y="5895132"/>
+              <a:ext cx="139700" cy="98704"/>
             </a:xfrm>
             <a:prstGeom prst="rect">
               <a:avLst/>
@@ -6385,8 +6385,8 @@
                       <a:alpha val="100000"/>
                     </a:srgbClr>
                   </a:solidFill>
-                  <a:latin typeface="Helvetica"/>
-                  <a:cs typeface="Helvetica"/>
+                  <a:latin typeface="Arial"/>
+                  <a:cs typeface="Arial"/>
                 </a:rPr>
                 <a:t>wt</a:t>
               </a:r>
@@ -6401,8 +6401,8 @@
           </p:nvSpPr>
           <p:spPr>
             <a:xfrm rot="-5400000">
-              <a:off x="352523" y="3730922"/>
-              <a:ext cx="271760" cy="105729"/>
+              <a:off x="353444" y="3733582"/>
+              <a:ext cx="271760" cy="103478"/>
             </a:xfrm>
             <a:prstGeom prst="rect">
               <a:avLst/>
@@ -6431,8 +6431,8 @@
                       <a:alpha val="100000"/>
                     </a:srgbClr>
                   </a:solidFill>
-                  <a:latin typeface="Helvetica"/>
-                  <a:cs typeface="Helvetica"/>
+                  <a:latin typeface="Arial"/>
+                  <a:cs typeface="Arial"/>
                 </a:rPr>
                 <a:t>mpg</a:t>
               </a:r>
@@ -6596,7 +6596,7 @@
           <p:spPr>
             <a:xfrm>
               <a:off x="602925" y="1899602"/>
-              <a:ext cx="11071359" cy="3586440"/>
+              <a:ext cx="11071359" cy="3561655"/>
             </a:xfrm>
             <a:prstGeom prst="rect">
               <a:avLst/>
@@ -6621,7 +6621,7 @@
           </p:nvSpPr>
           <p:spPr>
             <a:xfrm>
-              <a:off x="602925" y="4917036"/>
+              <a:off x="602925" y="4896183"/>
               <a:ext cx="11071359" cy="0"/>
             </a:xfrm>
             <a:custGeom>
@@ -6664,7 +6664,7 @@
           </p:nvSpPr>
           <p:spPr>
             <a:xfrm>
-              <a:off x="602925" y="4083387"/>
+              <a:off x="602925" y="4068295"/>
               <a:ext cx="11071359" cy="0"/>
             </a:xfrm>
             <a:custGeom>
@@ -6707,7 +6707,7 @@
           </p:nvSpPr>
           <p:spPr>
             <a:xfrm>
-              <a:off x="602925" y="3249738"/>
+              <a:off x="602925" y="3240408"/>
               <a:ext cx="11071359" cy="0"/>
             </a:xfrm>
             <a:custGeom>
@@ -6750,7 +6750,7 @@
           </p:nvSpPr>
           <p:spPr>
             <a:xfrm>
-              <a:off x="602925" y="2416090"/>
+              <a:off x="602925" y="2412520"/>
               <a:ext cx="11071359" cy="0"/>
             </a:xfrm>
             <a:custGeom>
@@ -6793,7 +6793,7 @@
           </p:nvSpPr>
           <p:spPr>
             <a:xfrm>
-              <a:off x="5612994" y="4367099"/>
+              <a:off x="5612994" y="4349818"/>
               <a:ext cx="66150" cy="66150"/>
             </a:xfrm>
             <a:prstGeom prst="ellipse">
@@ -6828,7 +6828,7 @@
           </p:nvSpPr>
           <p:spPr>
             <a:xfrm>
-              <a:off x="5612994" y="4154518"/>
+              <a:off x="5612994" y="4138706"/>
               <a:ext cx="66150" cy="66150"/>
             </a:xfrm>
             <a:prstGeom prst="ellipse">
@@ -6863,7 +6863,7 @@
           </p:nvSpPr>
           <p:spPr>
             <a:xfrm>
-              <a:off x="6383920" y="4617193"/>
+              <a:off x="6383920" y="4598184"/>
               <a:ext cx="66150" cy="66150"/>
             </a:xfrm>
             <a:prstGeom prst="ellipse">
@@ -6898,7 +6898,7 @@
           </p:nvSpPr>
           <p:spPr>
             <a:xfrm>
-              <a:off x="5784311" y="3871078"/>
+              <a:off x="5784311" y="3857225"/>
               <a:ext cx="66150" cy="66150"/>
             </a:xfrm>
             <a:prstGeom prst="ellipse">
@@ -6933,7 +6933,7 @@
           </p:nvSpPr>
           <p:spPr>
             <a:xfrm>
-              <a:off x="4627921" y="3683507"/>
+              <a:off x="4627921" y="3670950"/>
               <a:ext cx="66150" cy="66150"/>
             </a:xfrm>
             <a:prstGeom prst="ellipse">
@@ -6968,7 +6968,7 @@
           </p:nvSpPr>
           <p:spPr>
             <a:xfrm>
-              <a:off x="4370946" y="3666834"/>
+              <a:off x="4370946" y="3654392"/>
               <a:ext cx="66150" cy="66150"/>
             </a:xfrm>
             <a:prstGeom prst="ellipse">
@@ -7003,7 +7003,7 @@
           </p:nvSpPr>
           <p:spPr>
             <a:xfrm>
-              <a:off x="2743434" y="3575132"/>
+              <a:off x="2743434" y="3563325"/>
               <a:ext cx="66150" cy="66150"/>
             </a:xfrm>
             <a:prstGeom prst="ellipse">
@@ -7038,7 +7038,7 @@
           </p:nvSpPr>
           <p:spPr>
             <a:xfrm>
-              <a:off x="7069188" y="3891919"/>
+              <a:off x="7069188" y="3877922"/>
               <a:ext cx="66150" cy="66150"/>
             </a:xfrm>
             <a:prstGeom prst="ellipse">
@@ -7073,7 +7073,7 @@
           </p:nvSpPr>
           <p:spPr>
             <a:xfrm>
-              <a:off x="6383920" y="3925265"/>
+              <a:off x="6383920" y="3911037"/>
               <a:ext cx="66150" cy="66150"/>
             </a:xfrm>
             <a:prstGeom prst="ellipse">
@@ -7108,7 +7108,7 @@
           </p:nvSpPr>
           <p:spPr>
             <a:xfrm>
-              <a:off x="4842067" y="3683507"/>
+              <a:off x="4842067" y="3670950"/>
               <a:ext cx="66150" cy="66150"/>
             </a:xfrm>
             <a:prstGeom prst="ellipse">
@@ -7143,7 +7143,7 @@
           </p:nvSpPr>
           <p:spPr>
             <a:xfrm>
-              <a:off x="4242458" y="3683507"/>
+              <a:off x="4242458" y="3670950"/>
               <a:ext cx="66150" cy="66150"/>
             </a:xfrm>
             <a:prstGeom prst="ellipse">
@@ -7178,7 +7178,7 @@
           </p:nvSpPr>
           <p:spPr>
             <a:xfrm>
-              <a:off x="3642849" y="3158308"/>
+              <a:off x="3642849" y="3149381"/>
               <a:ext cx="66150" cy="66150"/>
             </a:xfrm>
             <a:prstGeom prst="ellipse">
@@ -7213,7 +7213,7 @@
           </p:nvSpPr>
           <p:spPr>
             <a:xfrm>
-              <a:off x="4028312" y="3441749"/>
+              <a:off x="4028312" y="3430863"/>
               <a:ext cx="66150" cy="66150"/>
             </a:xfrm>
             <a:prstGeom prst="ellipse">
@@ -7248,7 +7248,7 @@
           </p:nvSpPr>
           <p:spPr>
             <a:xfrm>
-              <a:off x="3128898" y="3400066"/>
+              <a:off x="3128898" y="3389468"/>
               <a:ext cx="66150" cy="66150"/>
             </a:xfrm>
             <a:prstGeom prst="ellipse">
@@ -7283,7 +7283,7 @@
           </p:nvSpPr>
           <p:spPr>
             <a:xfrm>
-              <a:off x="1073094" y="2174602"/>
+              <a:off x="1073094" y="2172473"/>
               <a:ext cx="66150" cy="66150"/>
             </a:xfrm>
             <a:prstGeom prst="ellipse">
@@ -7318,7 +7318,7 @@
           </p:nvSpPr>
           <p:spPr>
             <a:xfrm>
-              <a:off x="1073094" y="2029548"/>
+              <a:off x="1073094" y="2028421"/>
               <a:ext cx="66150" cy="66150"/>
             </a:xfrm>
             <a:prstGeom prst="ellipse">
@@ -7353,7 +7353,7 @@
           </p:nvSpPr>
           <p:spPr>
             <a:xfrm>
-              <a:off x="2914751" y="2095406"/>
+              <a:off x="2914751" y="2093824"/>
               <a:ext cx="66150" cy="66150"/>
             </a:xfrm>
             <a:prstGeom prst="ellipse">
@@ -7388,7 +7388,7 @@
           </p:nvSpPr>
           <p:spPr>
             <a:xfrm>
-              <a:off x="10495527" y="4717231"/>
+              <a:off x="10495527" y="4697531"/>
               <a:ext cx="66150" cy="66150"/>
             </a:xfrm>
             <a:prstGeom prst="ellipse">
@@ -7423,7 +7423,7 @@
           </p:nvSpPr>
           <p:spPr>
             <a:xfrm>
-              <a:off x="9638942" y="5204916"/>
+              <a:off x="9638942" y="5181845"/>
               <a:ext cx="66150" cy="66150"/>
             </a:xfrm>
             <a:prstGeom prst="ellipse">
@@ -7458,7 +7458,7 @@
           </p:nvSpPr>
           <p:spPr>
             <a:xfrm>
-              <a:off x="11137966" y="5021513"/>
+              <a:off x="11137966" y="4999710"/>
               <a:ext cx="66150" cy="66150"/>
             </a:xfrm>
             <a:prstGeom prst="ellipse">
@@ -7493,7 +7493,7 @@
           </p:nvSpPr>
           <p:spPr>
             <a:xfrm>
-              <a:off x="5827140" y="4496314"/>
+              <a:off x="5827140" y="4478140"/>
               <a:ext cx="66150" cy="66150"/>
             </a:xfrm>
             <a:prstGeom prst="ellipse">
@@ -7528,7 +7528,7 @@
           </p:nvSpPr>
           <p:spPr>
             <a:xfrm>
-              <a:off x="3257385" y="3616815"/>
+              <a:off x="3257385" y="3604719"/>
               <a:ext cx="66150" cy="66150"/>
             </a:xfrm>
             <a:prstGeom prst="ellipse">
@@ -7563,7 +7563,7 @@
           </p:nvSpPr>
           <p:spPr>
             <a:xfrm>
-              <a:off x="3128898" y="3687675"/>
+              <a:off x="3128898" y="3675089"/>
               <a:ext cx="66150" cy="66150"/>
             </a:xfrm>
             <a:prstGeom prst="ellipse">
@@ -7598,7 +7598,7 @@
           </p:nvSpPr>
           <p:spPr>
             <a:xfrm>
-              <a:off x="2315142" y="3350047"/>
+              <a:off x="2315142" y="3339795"/>
               <a:ext cx="66150" cy="66150"/>
             </a:xfrm>
             <a:prstGeom prst="ellipse">
@@ -7633,7 +7633,7 @@
           </p:nvSpPr>
           <p:spPr>
             <a:xfrm>
-              <a:off x="4842067" y="3345879"/>
+              <a:off x="4842067" y="3335655"/>
               <a:ext cx="66150" cy="66150"/>
             </a:xfrm>
             <a:prstGeom prst="ellipse">
@@ -7668,7 +7668,7 @@
           </p:nvSpPr>
           <p:spPr>
             <a:xfrm>
-              <a:off x="8311236" y="4938148"/>
+              <a:off x="8311236" y="4916921"/>
               <a:ext cx="66150" cy="66150"/>
             </a:xfrm>
             <a:prstGeom prst="ellipse">
@@ -7703,7 +7703,7 @@
           </p:nvSpPr>
           <p:spPr>
             <a:xfrm>
-              <a:off x="7754456" y="4767250"/>
+              <a:off x="7754456" y="4747204"/>
               <a:ext cx="66150" cy="66150"/>
             </a:xfrm>
             <a:prstGeom prst="ellipse">
@@ -7738,7 +7738,7 @@
           </p:nvSpPr>
           <p:spPr>
             <a:xfrm>
-              <a:off x="9638942" y="5289948"/>
+              <a:off x="9638942" y="5266289"/>
               <a:ext cx="66150" cy="66150"/>
             </a:xfrm>
             <a:prstGeom prst="ellipse">
@@ -7773,7 +7773,7 @@
           </p:nvSpPr>
           <p:spPr>
             <a:xfrm>
-              <a:off x="3385873" y="3908592"/>
+              <a:off x="3385873" y="3894480"/>
               <a:ext cx="66150" cy="66150"/>
             </a:xfrm>
             <a:prstGeom prst="ellipse">
@@ -7808,7 +7808,7 @@
           </p:nvSpPr>
           <p:spPr>
             <a:xfrm>
-              <a:off x="5056214" y="4242051"/>
+              <a:off x="5056214" y="4225635"/>
               <a:ext cx="66150" cy="66150"/>
             </a:xfrm>
             <a:prstGeom prst="ellipse">
@@ -7843,7 +7843,7 @@
           </p:nvSpPr>
           <p:spPr>
             <a:xfrm>
-              <a:off x="3043239" y="3575132"/>
+              <a:off x="3043239" y="3563325"/>
               <a:ext cx="66150" cy="66150"/>
             </a:xfrm>
             <a:prstGeom prst="ellipse">
@@ -7878,7 +7878,7 @@
           </p:nvSpPr>
           <p:spPr>
             <a:xfrm>
-              <a:off x="5784311" y="4233715"/>
+              <a:off x="5784311" y="4217356"/>
               <a:ext cx="66150" cy="66150"/>
             </a:xfrm>
             <a:prstGeom prst="ellipse">
@@ -7913,8 +7913,8 @@
           </p:nvSpPr>
           <p:spPr>
             <a:xfrm>
-              <a:off x="373303" y="4838622"/>
-              <a:ext cx="127136" cy="160399"/>
+              <a:off x="373303" y="4813695"/>
+              <a:ext cx="127136" cy="164306"/>
             </a:xfrm>
             <a:prstGeom prst="rect">
               <a:avLst/>
@@ -7943,8 +7943,8 @@
                       <a:alpha val="100000"/>
                     </a:srgbClr>
                   </a:solidFill>
-                  <a:latin typeface="Helvetica"/>
-                  <a:cs typeface="Helvetica"/>
+                  <a:latin typeface="Arial"/>
+                  <a:cs typeface="Arial"/>
                 </a:rPr>
                 <a:t>2</a:t>
               </a:r>
@@ -7959,8 +7959,8 @@
           </p:nvSpPr>
           <p:spPr>
             <a:xfrm>
-              <a:off x="373303" y="4000955"/>
-              <a:ext cx="127136" cy="164417"/>
+              <a:off x="373303" y="3982905"/>
+              <a:ext cx="127136" cy="167208"/>
             </a:xfrm>
             <a:prstGeom prst="rect">
               <a:avLst/>
@@ -7989,8 +7989,8 @@
                       <a:alpha val="100000"/>
                     </a:srgbClr>
                   </a:solidFill>
-                  <a:latin typeface="Helvetica"/>
-                  <a:cs typeface="Helvetica"/>
+                  <a:latin typeface="Arial"/>
+                  <a:cs typeface="Arial"/>
                 </a:rPr>
                 <a:t>3</a:t>
               </a:r>
@@ -8005,8 +8005,8 @@
           </p:nvSpPr>
           <p:spPr>
             <a:xfrm>
-              <a:off x="373303" y="3171436"/>
-              <a:ext cx="127136" cy="160287"/>
+              <a:off x="373303" y="3158590"/>
+              <a:ext cx="127136" cy="163636"/>
             </a:xfrm>
             <a:prstGeom prst="rect">
               <a:avLst/>
@@ -8035,8 +8035,8 @@
                       <a:alpha val="100000"/>
                     </a:srgbClr>
                   </a:solidFill>
-                  <a:latin typeface="Helvetica"/>
-                  <a:cs typeface="Helvetica"/>
+                  <a:latin typeface="Arial"/>
+                  <a:cs typeface="Arial"/>
                 </a:rPr>
                 <a:t>4</a:t>
               </a:r>
@@ -8051,8 +8051,8 @@
           </p:nvSpPr>
           <p:spPr>
             <a:xfrm>
-              <a:off x="373303" y="2336894"/>
-              <a:ext cx="127136" cy="161180"/>
+              <a:off x="373303" y="2330144"/>
+              <a:ext cx="127136" cy="164194"/>
             </a:xfrm>
             <a:prstGeom prst="rect">
               <a:avLst/>
@@ -8081,8 +8081,8 @@
                       <a:alpha val="100000"/>
                     </a:srgbClr>
                   </a:solidFill>
-                  <a:latin typeface="Helvetica"/>
-                  <a:cs typeface="Helvetica"/>
+                  <a:latin typeface="Arial"/>
+                  <a:cs typeface="Arial"/>
                 </a:rPr>
                 <a:t>5</a:t>
               </a:r>
@@ -8097,7 +8097,7 @@
           </p:nvSpPr>
           <p:spPr>
             <a:xfrm>
-              <a:off x="602925" y="5486043"/>
+              <a:off x="602925" y="5461258"/>
               <a:ext cx="11071359" cy="0"/>
             </a:xfrm>
             <a:custGeom>
@@ -8137,7 +8137,7 @@
           </p:nvSpPr>
           <p:spPr>
             <a:xfrm>
-              <a:off x="934852" y="5486043"/>
+              <a:off x="934852" y="5461258"/>
               <a:ext cx="0" cy="56936"/>
             </a:xfrm>
             <a:custGeom>
@@ -8177,7 +8177,7 @@
           </p:nvSpPr>
           <p:spPr>
             <a:xfrm>
-              <a:off x="3076314" y="5486043"/>
+              <a:off x="3076314" y="5461258"/>
               <a:ext cx="0" cy="56936"/>
             </a:xfrm>
             <a:custGeom>
@@ -8217,7 +8217,7 @@
           </p:nvSpPr>
           <p:spPr>
             <a:xfrm>
-              <a:off x="5217776" y="5486043"/>
+              <a:off x="5217776" y="5461258"/>
               <a:ext cx="0" cy="56936"/>
             </a:xfrm>
             <a:custGeom>
@@ -8257,7 +8257,7 @@
           </p:nvSpPr>
           <p:spPr>
             <a:xfrm>
-              <a:off x="7359238" y="5486043"/>
+              <a:off x="7359238" y="5461258"/>
               <a:ext cx="0" cy="56936"/>
             </a:xfrm>
             <a:custGeom>
@@ -8297,7 +8297,7 @@
           </p:nvSpPr>
           <p:spPr>
             <a:xfrm>
-              <a:off x="9500700" y="5486043"/>
+              <a:off x="9500700" y="5461258"/>
               <a:ext cx="0" cy="56936"/>
             </a:xfrm>
             <a:custGeom>
@@ -8337,7 +8337,7 @@
           </p:nvSpPr>
           <p:spPr>
             <a:xfrm>
-              <a:off x="11642163" y="5486043"/>
+              <a:off x="11642163" y="5461258"/>
               <a:ext cx="0" cy="56936"/>
             </a:xfrm>
             <a:custGeom>
@@ -8377,8 +8377,8 @@
           </p:nvSpPr>
           <p:spPr>
             <a:xfrm>
-              <a:off x="807716" y="5588305"/>
-              <a:ext cx="254272" cy="164194"/>
+              <a:off x="807716" y="5590649"/>
+              <a:ext cx="254272" cy="167096"/>
             </a:xfrm>
             <a:prstGeom prst="rect">
               <a:avLst/>
@@ -8407,8 +8407,8 @@
                       <a:alpha val="100000"/>
                     </a:srgbClr>
                   </a:solidFill>
-                  <a:latin typeface="Helvetica"/>
-                  <a:cs typeface="Helvetica"/>
+                  <a:latin typeface="Arial"/>
+                  <a:cs typeface="Arial"/>
                 </a:rPr>
                 <a:t>10</a:t>
               </a:r>
@@ -8423,8 +8423,8 @@
           </p:nvSpPr>
           <p:spPr>
             <a:xfrm>
-              <a:off x="2949178" y="5589310"/>
-              <a:ext cx="254272" cy="163190"/>
+              <a:off x="2949178" y="5590649"/>
+              <a:ext cx="254272" cy="167096"/>
             </a:xfrm>
             <a:prstGeom prst="rect">
               <a:avLst/>
@@ -8453,8 +8453,8 @@
                       <a:alpha val="100000"/>
                     </a:srgbClr>
                   </a:solidFill>
-                  <a:latin typeface="Helvetica"/>
-                  <a:cs typeface="Helvetica"/>
+                  <a:latin typeface="Arial"/>
+                  <a:cs typeface="Arial"/>
                 </a:rPr>
                 <a:t>15</a:t>
               </a:r>
@@ -8469,8 +8469,8 @@
           </p:nvSpPr>
           <p:spPr>
             <a:xfrm>
-              <a:off x="5090640" y="5587747"/>
-              <a:ext cx="254272" cy="164752"/>
+              <a:off x="5090640" y="5590649"/>
+              <a:ext cx="254272" cy="167096"/>
             </a:xfrm>
             <a:prstGeom prst="rect">
               <a:avLst/>
@@ -8499,8 +8499,8 @@
                       <a:alpha val="100000"/>
                     </a:srgbClr>
                   </a:solidFill>
-                  <a:latin typeface="Helvetica"/>
-                  <a:cs typeface="Helvetica"/>
+                  <a:latin typeface="Arial"/>
+                  <a:cs typeface="Arial"/>
                 </a:rPr>
                 <a:t>20</a:t>
               </a:r>
@@ -8515,8 +8515,8 @@
           </p:nvSpPr>
           <p:spPr>
             <a:xfrm>
-              <a:off x="7232102" y="5588082"/>
-              <a:ext cx="254272" cy="164417"/>
+              <a:off x="7232102" y="5590649"/>
+              <a:ext cx="254272" cy="167096"/>
             </a:xfrm>
             <a:prstGeom prst="rect">
               <a:avLst/>
@@ -8545,8 +8545,8 @@
                       <a:alpha val="100000"/>
                     </a:srgbClr>
                   </a:solidFill>
-                  <a:latin typeface="Helvetica"/>
-                  <a:cs typeface="Helvetica"/>
+                  <a:latin typeface="Arial"/>
+                  <a:cs typeface="Arial"/>
                 </a:rPr>
                 <a:t>25</a:t>
               </a:r>
@@ -8561,8 +8561,8 @@
           </p:nvSpPr>
           <p:spPr>
             <a:xfrm>
-              <a:off x="9373564" y="5588082"/>
-              <a:ext cx="254272" cy="164417"/>
+              <a:off x="9373564" y="5590538"/>
+              <a:ext cx="254272" cy="167208"/>
             </a:xfrm>
             <a:prstGeom prst="rect">
               <a:avLst/>
@@ -8591,8 +8591,8 @@
                       <a:alpha val="100000"/>
                     </a:srgbClr>
                   </a:solidFill>
-                  <a:latin typeface="Helvetica"/>
-                  <a:cs typeface="Helvetica"/>
+                  <a:latin typeface="Arial"/>
+                  <a:cs typeface="Arial"/>
                 </a:rPr>
                 <a:t>30</a:t>
               </a:r>
@@ -8607,8 +8607,8 @@
           </p:nvSpPr>
           <p:spPr>
             <a:xfrm>
-              <a:off x="11515026" y="5588082"/>
-              <a:ext cx="254272" cy="164417"/>
+              <a:off x="11515026" y="5590538"/>
+              <a:ext cx="254272" cy="167208"/>
             </a:xfrm>
             <a:prstGeom prst="rect">
               <a:avLst/>
@@ -8637,8 +8637,8 @@
                       <a:alpha val="100000"/>
                     </a:srgbClr>
                   </a:solidFill>
-                  <a:latin typeface="Helvetica"/>
-                  <a:cs typeface="Helvetica"/>
+                  <a:latin typeface="Arial"/>
+                  <a:cs typeface="Arial"/>
                 </a:rPr>
                 <a:t>35</a:t>
               </a:r>
@@ -8653,8 +8653,8 @@
           </p:nvSpPr>
           <p:spPr>
             <a:xfrm>
-              <a:off x="5916256" y="5850959"/>
-              <a:ext cx="444698" cy="173012"/>
+              <a:off x="5916256" y="5857099"/>
+              <a:ext cx="444698" cy="169329"/>
             </a:xfrm>
             <a:prstGeom prst="rect">
               <a:avLst/>
@@ -8683,8 +8683,8 @@
                       <a:alpha val="100000"/>
                     </a:srgbClr>
                   </a:solidFill>
-                  <a:latin typeface="Helvetica"/>
-                  <a:cs typeface="Helvetica"/>
+                  <a:latin typeface="Arial"/>
+                  <a:cs typeface="Arial"/>
                 </a:rPr>
                 <a:t>mpg</a:t>
               </a:r>

--- a/tests/testthat/multi_slide_fullslide.pptx
+++ b/tests/testthat/multi_slide_fullslide.pptx
@@ -510,7 +510,7 @@
             <a:r>
               <a:rPr/>
               <a:t>
-Powerpoint file location: C:\Users\parkinsonn\Documents\grattantheme\tests\testthat\multi_slide_fullslide.pptx</a:t>
+Powerpoint file location: /Users/mbbowes/Documents/GitHub/grattantheme/tests/testthat/multi_slide_fullslide.pptx</a:t>
             </a:r>
           </a:p>
         </p:txBody>
@@ -558,7 +558,7 @@
             <a:r>
               <a:rPr/>
               <a:t>
-Powerpoint file location: C:\Users\parkinsonn\Documents\grattantheme\tests\testthat\multi_slide_fullslide.pptx</a:t>
+Powerpoint file location: /Users/mbbowes/Documents/GitHub/grattantheme/tests/testthat/multi_slide_fullslide.pptx</a:t>
             </a:r>
           </a:p>
         </p:txBody>
@@ -3489,8 +3489,8 @@
           </p:nvSpPr>
           <p:spPr>
             <a:xfrm>
-              <a:off x="792199" y="1877752"/>
-              <a:ext cx="10922224" cy="3815139"/>
+              <a:off x="793905" y="1877752"/>
+              <a:ext cx="10920518" cy="3812069"/>
             </a:xfrm>
             <a:prstGeom prst="rect">
               <a:avLst/>
@@ -3515,21 +3515,21 @@
           </p:nvSpPr>
           <p:spPr>
             <a:xfrm>
-              <a:off x="792199" y="5209542"/>
-              <a:ext cx="10922224" cy="0"/>
+              <a:off x="793905" y="5206861"/>
+              <a:ext cx="10920518" cy="0"/>
             </a:xfrm>
             <a:custGeom>
               <a:avLst/>
               <a:pathLst>
-                <a:path w="10922224" h="0">
+                <a:path w="10920518" h="0">
                   <a:moveTo>
                     <a:pt x="0" y="0"/>
                   </a:moveTo>
                   <a:lnTo>
-                    <a:pt x="10922224" y="0"/>
+                    <a:pt x="10920518" y="0"/>
                   </a:lnTo>
                   <a:lnTo>
-                    <a:pt x="10922224" y="0"/>
+                    <a:pt x="10920518" y="0"/>
                   </a:lnTo>
                 </a:path>
               </a:pathLst>
@@ -3558,21 +3558,21 @@
           </p:nvSpPr>
           <p:spPr>
             <a:xfrm>
-              <a:off x="792199" y="4471604"/>
-              <a:ext cx="10922224" cy="0"/>
+              <a:off x="793905" y="4469517"/>
+              <a:ext cx="10920518" cy="0"/>
             </a:xfrm>
             <a:custGeom>
               <a:avLst/>
               <a:pathLst>
-                <a:path w="10922224" h="0">
+                <a:path w="10920518" h="0">
                   <a:moveTo>
                     <a:pt x="0" y="0"/>
                   </a:moveTo>
                   <a:lnTo>
-                    <a:pt x="10922224" y="0"/>
+                    <a:pt x="10920518" y="0"/>
                   </a:lnTo>
                   <a:lnTo>
-                    <a:pt x="10922224" y="0"/>
+                    <a:pt x="10920518" y="0"/>
                   </a:lnTo>
                 </a:path>
               </a:pathLst>
@@ -3601,21 +3601,21 @@
           </p:nvSpPr>
           <p:spPr>
             <a:xfrm>
-              <a:off x="792199" y="3733666"/>
-              <a:ext cx="10922224" cy="0"/>
+              <a:off x="793905" y="3732172"/>
+              <a:ext cx="10920518" cy="0"/>
             </a:xfrm>
             <a:custGeom>
               <a:avLst/>
               <a:pathLst>
-                <a:path w="10922224" h="0">
+                <a:path w="10920518" h="0">
                   <a:moveTo>
                     <a:pt x="0" y="0"/>
                   </a:moveTo>
                   <a:lnTo>
-                    <a:pt x="10922224" y="0"/>
+                    <a:pt x="10920518" y="0"/>
                   </a:lnTo>
                   <a:lnTo>
-                    <a:pt x="10922224" y="0"/>
+                    <a:pt x="10920518" y="0"/>
                   </a:lnTo>
                 </a:path>
               </a:pathLst>
@@ -3644,21 +3644,21 @@
           </p:nvSpPr>
           <p:spPr>
             <a:xfrm>
-              <a:off x="792199" y="2995728"/>
-              <a:ext cx="10922224" cy="0"/>
+              <a:off x="793905" y="2994828"/>
+              <a:ext cx="10920518" cy="0"/>
             </a:xfrm>
             <a:custGeom>
               <a:avLst/>
               <a:pathLst>
-                <a:path w="10922224" h="0">
+                <a:path w="10920518" h="0">
                   <a:moveTo>
                     <a:pt x="0" y="0"/>
                   </a:moveTo>
                   <a:lnTo>
-                    <a:pt x="10922224" y="0"/>
+                    <a:pt x="10920518" y="0"/>
                   </a:lnTo>
                   <a:lnTo>
-                    <a:pt x="10922224" y="0"/>
+                    <a:pt x="10920518" y="0"/>
                   </a:lnTo>
                 </a:path>
               </a:pathLst>
@@ -3687,21 +3687,21 @@
           </p:nvSpPr>
           <p:spPr>
             <a:xfrm>
-              <a:off x="792199" y="2257790"/>
-              <a:ext cx="10922224" cy="0"/>
+              <a:off x="793905" y="2257484"/>
+              <a:ext cx="10920518" cy="0"/>
             </a:xfrm>
             <a:custGeom>
               <a:avLst/>
               <a:pathLst>
-                <a:path w="10922224" h="0">
+                <a:path w="10920518" h="0">
                   <a:moveTo>
                     <a:pt x="0" y="0"/>
                   </a:moveTo>
                   <a:lnTo>
-                    <a:pt x="10922224" y="0"/>
+                    <a:pt x="10920518" y="0"/>
                   </a:lnTo>
                   <a:lnTo>
-                    <a:pt x="10922224" y="0"/>
+                    <a:pt x="10920518" y="0"/>
                   </a:lnTo>
                 </a:path>
               </a:pathLst>
@@ -3730,15 +3730,15 @@
           </p:nvSpPr>
           <p:spPr>
             <a:xfrm>
-              <a:off x="1255659" y="1877752"/>
-              <a:ext cx="0" cy="3815139"/>
+              <a:off x="1257292" y="1877752"/>
+              <a:ext cx="0" cy="3812069"/>
             </a:xfrm>
             <a:custGeom>
               <a:avLst/>
               <a:pathLst>
-                <a:path w="0" h="3815139">
+                <a:path w="0" h="3812069">
                   <a:moveTo>
-                    <a:pt x="0" y="3815139"/>
+                    <a:pt x="0" y="3812069"/>
                   </a:moveTo>
                   <a:lnTo>
                     <a:pt x="0" y="0"/>
@@ -3773,15 +3773,15 @@
           </p:nvSpPr>
           <p:spPr>
             <a:xfrm>
-              <a:off x="3794472" y="1877752"/>
-              <a:ext cx="0" cy="3815139"/>
+              <a:off x="3795708" y="1877752"/>
+              <a:ext cx="0" cy="3812069"/>
             </a:xfrm>
             <a:custGeom>
               <a:avLst/>
               <a:pathLst>
-                <a:path w="0" h="3815139">
+                <a:path w="0" h="3812069">
                   <a:moveTo>
-                    <a:pt x="0" y="3815139"/>
+                    <a:pt x="0" y="3812069"/>
                   </a:moveTo>
                   <a:lnTo>
                     <a:pt x="0" y="0"/>
@@ -3816,15 +3816,15 @@
           </p:nvSpPr>
           <p:spPr>
             <a:xfrm>
-              <a:off x="6333284" y="1877752"/>
-              <a:ext cx="0" cy="3815139"/>
+              <a:off x="6334124" y="1877752"/>
+              <a:ext cx="0" cy="3812069"/>
             </a:xfrm>
             <a:custGeom>
               <a:avLst/>
               <a:pathLst>
-                <a:path w="0" h="3815139">
+                <a:path w="0" h="3812069">
                   <a:moveTo>
-                    <a:pt x="0" y="3815139"/>
+                    <a:pt x="0" y="3812069"/>
                   </a:moveTo>
                   <a:lnTo>
                     <a:pt x="0" y="0"/>
@@ -3859,15 +3859,15 @@
           </p:nvSpPr>
           <p:spPr>
             <a:xfrm>
-              <a:off x="8872096" y="1877752"/>
-              <a:ext cx="0" cy="3815139"/>
+              <a:off x="8872540" y="1877752"/>
+              <a:ext cx="0" cy="3812069"/>
             </a:xfrm>
             <a:custGeom>
               <a:avLst/>
               <a:pathLst>
-                <a:path w="0" h="3815139">
+                <a:path w="0" h="3812069">
                   <a:moveTo>
-                    <a:pt x="0" y="3815139"/>
+                    <a:pt x="0" y="3812069"/>
                   </a:moveTo>
                   <a:lnTo>
                     <a:pt x="0" y="0"/>
@@ -3902,15 +3902,15 @@
           </p:nvSpPr>
           <p:spPr>
             <a:xfrm>
-              <a:off x="11410908" y="1877752"/>
-              <a:ext cx="0" cy="3815139"/>
+              <a:off x="11410956" y="1877752"/>
+              <a:ext cx="0" cy="3812069"/>
             </a:xfrm>
             <a:custGeom>
               <a:avLst/>
               <a:pathLst>
-                <a:path w="0" h="3815139">
+                <a:path w="0" h="3812069">
                   <a:moveTo>
-                    <a:pt x="0" y="3815139"/>
+                    <a:pt x="0" y="3812069"/>
                   </a:moveTo>
                   <a:lnTo>
                     <a:pt x="0" y="0"/>
@@ -3945,21 +3945,21 @@
           </p:nvSpPr>
           <p:spPr>
             <a:xfrm>
-              <a:off x="792199" y="5578511"/>
-              <a:ext cx="10922224" cy="0"/>
+              <a:off x="793905" y="5575533"/>
+              <a:ext cx="10920518" cy="0"/>
             </a:xfrm>
             <a:custGeom>
               <a:avLst/>
               <a:pathLst>
-                <a:path w="10922224" h="0">
+                <a:path w="10920518" h="0">
                   <a:moveTo>
                     <a:pt x="0" y="0"/>
                   </a:moveTo>
                   <a:lnTo>
-                    <a:pt x="10922224" y="0"/>
+                    <a:pt x="10920518" y="0"/>
                   </a:lnTo>
                   <a:lnTo>
-                    <a:pt x="10922224" y="0"/>
+                    <a:pt x="10920518" y="0"/>
                   </a:lnTo>
                 </a:path>
               </a:pathLst>
@@ -3988,21 +3988,21 @@
           </p:nvSpPr>
           <p:spPr>
             <a:xfrm>
-              <a:off x="792199" y="4840573"/>
-              <a:ext cx="10922224" cy="0"/>
+              <a:off x="793905" y="4838189"/>
+              <a:ext cx="10920518" cy="0"/>
             </a:xfrm>
             <a:custGeom>
               <a:avLst/>
               <a:pathLst>
-                <a:path w="10922224" h="0">
+                <a:path w="10920518" h="0">
                   <a:moveTo>
                     <a:pt x="0" y="0"/>
                   </a:moveTo>
                   <a:lnTo>
-                    <a:pt x="10922224" y="0"/>
+                    <a:pt x="10920518" y="0"/>
                   </a:lnTo>
                   <a:lnTo>
-                    <a:pt x="10922224" y="0"/>
+                    <a:pt x="10920518" y="0"/>
                   </a:lnTo>
                 </a:path>
               </a:pathLst>
@@ -4031,21 +4031,21 @@
           </p:nvSpPr>
           <p:spPr>
             <a:xfrm>
-              <a:off x="792199" y="4102635"/>
-              <a:ext cx="10922224" cy="0"/>
+              <a:off x="793905" y="4100845"/>
+              <a:ext cx="10920518" cy="0"/>
             </a:xfrm>
             <a:custGeom>
               <a:avLst/>
               <a:pathLst>
-                <a:path w="10922224" h="0">
+                <a:path w="10920518" h="0">
                   <a:moveTo>
                     <a:pt x="0" y="0"/>
                   </a:moveTo>
                   <a:lnTo>
-                    <a:pt x="10922224" y="0"/>
+                    <a:pt x="10920518" y="0"/>
                   </a:lnTo>
                   <a:lnTo>
-                    <a:pt x="10922224" y="0"/>
+                    <a:pt x="10920518" y="0"/>
                   </a:lnTo>
                 </a:path>
               </a:pathLst>
@@ -4074,21 +4074,21 @@
           </p:nvSpPr>
           <p:spPr>
             <a:xfrm>
-              <a:off x="792199" y="3364697"/>
-              <a:ext cx="10922224" cy="0"/>
+              <a:off x="793905" y="3363500"/>
+              <a:ext cx="10920518" cy="0"/>
             </a:xfrm>
             <a:custGeom>
               <a:avLst/>
               <a:pathLst>
-                <a:path w="10922224" h="0">
+                <a:path w="10920518" h="0">
                   <a:moveTo>
                     <a:pt x="0" y="0"/>
                   </a:moveTo>
                   <a:lnTo>
-                    <a:pt x="10922224" y="0"/>
+                    <a:pt x="10920518" y="0"/>
                   </a:lnTo>
                   <a:lnTo>
-                    <a:pt x="10922224" y="0"/>
+                    <a:pt x="10920518" y="0"/>
                   </a:lnTo>
                 </a:path>
               </a:pathLst>
@@ -4117,21 +4117,21 @@
           </p:nvSpPr>
           <p:spPr>
             <a:xfrm>
-              <a:off x="792199" y="2626759"/>
-              <a:ext cx="10922224" cy="0"/>
+              <a:off x="793905" y="2626156"/>
+              <a:ext cx="10920518" cy="0"/>
             </a:xfrm>
             <a:custGeom>
               <a:avLst/>
               <a:pathLst>
-                <a:path w="10922224" h="0">
+                <a:path w="10920518" h="0">
                   <a:moveTo>
                     <a:pt x="0" y="0"/>
                   </a:moveTo>
                   <a:lnTo>
-                    <a:pt x="10922224" y="0"/>
+                    <a:pt x="10920518" y="0"/>
                   </a:lnTo>
                   <a:lnTo>
-                    <a:pt x="10922224" y="0"/>
+                    <a:pt x="10920518" y="0"/>
                   </a:lnTo>
                 </a:path>
               </a:pathLst>
@@ -4160,21 +4160,21 @@
           </p:nvSpPr>
           <p:spPr>
             <a:xfrm>
-              <a:off x="792199" y="1888821"/>
-              <a:ext cx="10922224" cy="0"/>
+              <a:off x="793905" y="1888812"/>
+              <a:ext cx="10920518" cy="0"/>
             </a:xfrm>
             <a:custGeom>
               <a:avLst/>
               <a:pathLst>
-                <a:path w="10922224" h="0">
+                <a:path w="10920518" h="0">
                   <a:moveTo>
                     <a:pt x="0" y="0"/>
                   </a:moveTo>
                   <a:lnTo>
-                    <a:pt x="10922224" y="0"/>
+                    <a:pt x="10920518" y="0"/>
                   </a:lnTo>
                   <a:lnTo>
-                    <a:pt x="10922224" y="0"/>
+                    <a:pt x="10920518" y="0"/>
                   </a:lnTo>
                 </a:path>
               </a:pathLst>
@@ -4203,15 +4203,15 @@
           </p:nvSpPr>
           <p:spPr>
             <a:xfrm>
-              <a:off x="2525066" y="1877752"/>
-              <a:ext cx="0" cy="3815139"/>
+              <a:off x="2526500" y="1877752"/>
+              <a:ext cx="0" cy="3812069"/>
             </a:xfrm>
             <a:custGeom>
               <a:avLst/>
               <a:pathLst>
-                <a:path w="0" h="3815139">
+                <a:path w="0" h="3812069">
                   <a:moveTo>
-                    <a:pt x="0" y="3815139"/>
+                    <a:pt x="0" y="3812069"/>
                   </a:moveTo>
                   <a:lnTo>
                     <a:pt x="0" y="0"/>
@@ -4246,15 +4246,15 @@
           </p:nvSpPr>
           <p:spPr>
             <a:xfrm>
-              <a:off x="5063878" y="1877752"/>
-              <a:ext cx="0" cy="3815139"/>
+              <a:off x="5064916" y="1877752"/>
+              <a:ext cx="0" cy="3812069"/>
             </a:xfrm>
             <a:custGeom>
               <a:avLst/>
               <a:pathLst>
-                <a:path w="0" h="3815139">
+                <a:path w="0" h="3812069">
                   <a:moveTo>
-                    <a:pt x="0" y="3815139"/>
+                    <a:pt x="0" y="3812069"/>
                   </a:moveTo>
                   <a:lnTo>
                     <a:pt x="0" y="0"/>
@@ -4289,15 +4289,15 @@
           </p:nvSpPr>
           <p:spPr>
             <a:xfrm>
-              <a:off x="7602690" y="1877752"/>
-              <a:ext cx="0" cy="3815139"/>
+              <a:off x="7603332" y="1877752"/>
+              <a:ext cx="0" cy="3812069"/>
             </a:xfrm>
             <a:custGeom>
               <a:avLst/>
               <a:pathLst>
-                <a:path w="0" h="3815139">
+                <a:path w="0" h="3812069">
                   <a:moveTo>
-                    <a:pt x="0" y="3815139"/>
+                    <a:pt x="0" y="3812069"/>
                   </a:moveTo>
                   <a:lnTo>
                     <a:pt x="0" y="0"/>
@@ -4332,15 +4332,15 @@
           </p:nvSpPr>
           <p:spPr>
             <a:xfrm>
-              <a:off x="10141502" y="1877752"/>
-              <a:ext cx="0" cy="3815139"/>
+              <a:off x="10141748" y="1877752"/>
+              <a:ext cx="0" cy="3812069"/>
             </a:xfrm>
             <a:custGeom>
               <a:avLst/>
               <a:pathLst>
-                <a:path w="0" h="3815139">
+                <a:path w="0" h="3812069">
                   <a:moveTo>
-                    <a:pt x="0" y="3815139"/>
+                    <a:pt x="0" y="3812069"/>
                   </a:moveTo>
                   <a:lnTo>
                     <a:pt x="0" y="0"/>
@@ -4375,7 +4375,7 @@
           </p:nvSpPr>
           <p:spPr>
             <a:xfrm>
-              <a:off x="4066054" y="3921972"/>
+              <a:off x="4067243" y="3920301"/>
               <a:ext cx="66150" cy="66150"/>
             </a:xfrm>
             <a:prstGeom prst="ellipse">
@@ -4410,7 +4410,7 @@
           </p:nvSpPr>
           <p:spPr>
             <a:xfrm>
-              <a:off x="4713451" y="3921972"/>
+              <a:off x="4714539" y="3920301"/>
               <a:ext cx="66150" cy="66150"/>
             </a:xfrm>
             <a:prstGeom prst="ellipse">
@@ -4445,7 +4445,7 @@
           </p:nvSpPr>
           <p:spPr>
             <a:xfrm>
-              <a:off x="3304410" y="3656314"/>
+              <a:off x="3305718" y="3654857"/>
               <a:ext cx="66150" cy="66150"/>
             </a:xfrm>
             <a:prstGeom prst="ellipse">
@@ -4480,7 +4480,7 @@
           </p:nvSpPr>
           <p:spPr>
             <a:xfrm>
-              <a:off x="5576647" y="3862937"/>
+              <a:off x="5577601" y="3861313"/>
               <a:ext cx="66150" cy="66150"/>
             </a:xfrm>
             <a:prstGeom prst="ellipse">
@@ -4515,7 +4515,7 @@
           </p:nvSpPr>
           <p:spPr>
             <a:xfrm>
-              <a:off x="6147880" y="4261424"/>
+              <a:off x="6148744" y="4259479"/>
               <a:ext cx="66150" cy="66150"/>
             </a:xfrm>
             <a:prstGeom prst="ellipse">
@@ -4550,7 +4550,7 @@
           </p:nvSpPr>
           <p:spPr>
             <a:xfrm>
-              <a:off x="6198656" y="4349976"/>
+              <a:off x="6199512" y="4347960"/>
               <a:ext cx="66150" cy="66150"/>
             </a:xfrm>
             <a:prstGeom prst="ellipse">
@@ -4585,7 +4585,7 @@
           </p:nvSpPr>
           <p:spPr>
             <a:xfrm>
-              <a:off x="6477926" y="4910809"/>
+              <a:off x="6478738" y="4908342"/>
               <a:ext cx="66150" cy="66150"/>
             </a:xfrm>
             <a:prstGeom prst="ellipse">
@@ -4620,7 +4620,7 @@
           </p:nvSpPr>
           <p:spPr>
             <a:xfrm>
-              <a:off x="5513177" y="3420174"/>
+              <a:off x="5514140" y="3418907"/>
               <a:ext cx="66150" cy="66150"/>
             </a:xfrm>
             <a:prstGeom prst="ellipse">
@@ -4655,7 +4655,7 @@
           </p:nvSpPr>
           <p:spPr>
             <a:xfrm>
-              <a:off x="5411625" y="3656314"/>
+              <a:off x="5412604" y="3654857"/>
               <a:ext cx="66150" cy="66150"/>
             </a:xfrm>
             <a:prstGeom prst="ellipse">
@@ -4690,7 +4690,7 @@
           </p:nvSpPr>
           <p:spPr>
             <a:xfrm>
-              <a:off x="6147880" y="4187630"/>
+              <a:off x="6148744" y="4185745"/>
               <a:ext cx="66150" cy="66150"/>
             </a:xfrm>
             <a:prstGeom prst="ellipse">
@@ -4725,7 +4725,7 @@
           </p:nvSpPr>
           <p:spPr>
             <a:xfrm>
-              <a:off x="6147880" y="4394252"/>
+              <a:off x="6148744" y="4392201"/>
               <a:ext cx="66150" cy="66150"/>
             </a:xfrm>
             <a:prstGeom prst="ellipse">
@@ -4760,7 +4760,7 @@
           </p:nvSpPr>
           <p:spPr>
             <a:xfrm>
-              <a:off x="7747332" y="4600875"/>
+              <a:off x="7747946" y="4598657"/>
               <a:ext cx="66150" cy="66150"/>
             </a:xfrm>
             <a:prstGeom prst="ellipse">
@@ -4795,7 +4795,7 @@
           </p:nvSpPr>
           <p:spPr>
             <a:xfrm>
-              <a:off x="6884136" y="4468046"/>
+              <a:off x="6884885" y="4465935"/>
               <a:ext cx="66150" cy="66150"/>
             </a:xfrm>
             <a:prstGeom prst="ellipse">
@@ -4830,7 +4830,7 @@
           </p:nvSpPr>
           <p:spPr>
             <a:xfrm>
-              <a:off x="7011076" y="4777980"/>
+              <a:off x="7011806" y="4775620"/>
               <a:ext cx="66150" cy="66150"/>
             </a:xfrm>
             <a:prstGeom prst="ellipse">
@@ -4865,7 +4865,7 @@
           </p:nvSpPr>
           <p:spPr>
             <a:xfrm>
-              <a:off x="10743130" y="5486401"/>
+              <a:off x="10743277" y="5483471"/>
               <a:ext cx="66150" cy="66150"/>
             </a:xfrm>
             <a:prstGeom prst="ellipse">
@@ -4900,7 +4900,7 @@
           </p:nvSpPr>
           <p:spPr>
             <a:xfrm>
-              <a:off x="11184884" y="5486401"/>
+              <a:off x="11184961" y="5483471"/>
               <a:ext cx="66150" cy="66150"/>
             </a:xfrm>
             <a:prstGeom prst="ellipse">
@@ -4935,7 +4935,7 @@
           </p:nvSpPr>
           <p:spPr>
             <a:xfrm>
-              <a:off x="10984318" y="4851774"/>
+              <a:off x="10984426" y="4849354"/>
               <a:ext cx="66150" cy="66150"/>
             </a:xfrm>
             <a:prstGeom prst="ellipse">
@@ -4970,7 +4970,7 @@
           </p:nvSpPr>
           <p:spPr>
             <a:xfrm>
-              <a:off x="2999753" y="2239473"/>
+              <a:off x="3001108" y="2239156"/>
               <a:ext cx="66150" cy="66150"/>
             </a:xfrm>
             <a:prstGeom prst="ellipse">
@@ -5005,7 +5005,7 @@
           </p:nvSpPr>
           <p:spPr>
             <a:xfrm>
-              <a:off x="1514548" y="2534649"/>
+              <a:off x="1516135" y="2534093"/>
               <a:ext cx="66150" cy="66150"/>
             </a:xfrm>
             <a:prstGeom prst="ellipse">
@@ -5040,7 +5040,7 @@
           </p:nvSpPr>
           <p:spPr>
             <a:xfrm>
-              <a:off x="2073087" y="2018092"/>
+              <a:off x="2074587" y="2017952"/>
               <a:ext cx="66150" cy="66150"/>
             </a:xfrm>
             <a:prstGeom prst="ellipse">
@@ -5075,7 +5075,7 @@
           </p:nvSpPr>
           <p:spPr>
             <a:xfrm>
-              <a:off x="3672538" y="3848178"/>
+              <a:off x="3673789" y="3846566"/>
               <a:ext cx="66150" cy="66150"/>
             </a:xfrm>
             <a:prstGeom prst="ellipse">
@@ -5110,7 +5110,7 @@
           </p:nvSpPr>
           <p:spPr>
             <a:xfrm>
-              <a:off x="6350985" y="4733704"/>
+              <a:off x="6351817" y="4731379"/>
               <a:ext cx="66150" cy="66150"/>
             </a:xfrm>
             <a:prstGeom prst="ellipse">
@@ -5145,7 +5145,7 @@
           </p:nvSpPr>
           <p:spPr>
             <a:xfrm>
-              <a:off x="6135186" y="4777980"/>
+              <a:off x="6136052" y="4775620"/>
               <a:ext cx="66150" cy="66150"/>
             </a:xfrm>
             <a:prstGeom prst="ellipse">
@@ -5180,7 +5180,7 @@
           </p:nvSpPr>
           <p:spPr>
             <a:xfrm>
-              <a:off x="7163405" y="5058397"/>
+              <a:off x="7164110" y="5055811"/>
               <a:ext cx="66150" cy="66150"/>
             </a:xfrm>
             <a:prstGeom prst="ellipse">
@@ -5215,7 +5215,7 @@
           </p:nvSpPr>
           <p:spPr>
             <a:xfrm>
-              <a:off x="7176099" y="4187630"/>
+              <a:off x="7176803" y="4185745"/>
               <a:ext cx="66150" cy="66150"/>
             </a:xfrm>
             <a:prstGeom prst="ellipse">
@@ -5250,7 +5250,7 @@
           </p:nvSpPr>
           <p:spPr>
             <a:xfrm>
-              <a:off x="2326968" y="2992170"/>
+              <a:off x="2328428" y="2991247"/>
               <a:ext cx="66150" cy="66150"/>
             </a:xfrm>
             <a:prstGeom prst="ellipse">
@@ -5285,7 +5285,7 @@
           </p:nvSpPr>
           <p:spPr>
             <a:xfrm>
-              <a:off x="2847424" y="3184034"/>
+              <a:off x="2848804" y="3182956"/>
               <a:ext cx="66150" cy="66150"/>
             </a:xfrm>
             <a:prstGeom prst="ellipse">
@@ -5320,7 +5320,7 @@
           </p:nvSpPr>
           <p:spPr>
             <a:xfrm>
-              <a:off x="1255589" y="2534649"/>
+              <a:off x="1257217" y="2534093"/>
               <a:ext cx="66150" cy="66150"/>
             </a:xfrm>
             <a:prstGeom prst="ellipse">
@@ -5355,7 +5355,7 @@
           </p:nvSpPr>
           <p:spPr>
             <a:xfrm>
-              <a:off x="5462401" y="4689428"/>
+              <a:off x="5463372" y="4687139"/>
               <a:ext cx="66150" cy="66150"/>
             </a:xfrm>
             <a:prstGeom prst="ellipse">
@@ -5390,7 +5390,7 @@
           </p:nvSpPr>
           <p:spPr>
             <a:xfrm>
-              <a:off x="4446876" y="4113836"/>
+              <a:off x="4448006" y="4112010"/>
               <a:ext cx="66150" cy="66150"/>
             </a:xfrm>
             <a:prstGeom prst="ellipse">
@@ -5425,7 +5425,7 @@
           </p:nvSpPr>
           <p:spPr>
             <a:xfrm>
-              <a:off x="6477926" y="4807498"/>
+              <a:off x="6478738" y="4805114"/>
               <a:ext cx="66150" cy="66150"/>
             </a:xfrm>
             <a:prstGeom prst="ellipse">
@@ -5460,7 +5460,7 @@
           </p:nvSpPr>
           <p:spPr>
             <a:xfrm>
-              <a:off x="4472264" y="3862937"/>
+              <a:off x="4473390" y="3861313"/>
               <a:ext cx="66150" cy="66150"/>
             </a:xfrm>
             <a:prstGeom prst="ellipse">
@@ -5495,8 +5495,8 @@
           </p:nvSpPr>
           <p:spPr>
             <a:xfrm>
-              <a:off x="605258" y="5536819"/>
-              <a:ext cx="124311" cy="81691"/>
+              <a:off x="606963" y="5535342"/>
+              <a:ext cx="124311" cy="80272"/>
             </a:xfrm>
             <a:prstGeom prst="rect">
               <a:avLst/>
@@ -5525,8 +5525,8 @@
                       <a:alpha val="100000"/>
                     </a:srgbClr>
                   </a:solidFill>
-                  <a:latin typeface="Arial"/>
-                  <a:cs typeface="Arial"/>
+                  <a:latin typeface="Helvetica"/>
+                  <a:cs typeface="Helvetica"/>
                 </a:rPr>
                 <a:t>10</a:t>
               </a:r>
@@ -5541,8 +5541,8 @@
           </p:nvSpPr>
           <p:spPr>
             <a:xfrm>
-              <a:off x="605258" y="4798881"/>
-              <a:ext cx="124311" cy="81691"/>
+              <a:off x="606963" y="4798489"/>
+              <a:ext cx="124311" cy="79781"/>
             </a:xfrm>
             <a:prstGeom prst="rect">
               <a:avLst/>
@@ -5571,8 +5571,8 @@
                       <a:alpha val="100000"/>
                     </a:srgbClr>
                   </a:solidFill>
-                  <a:latin typeface="Arial"/>
-                  <a:cs typeface="Arial"/>
+                  <a:latin typeface="Helvetica"/>
+                  <a:cs typeface="Helvetica"/>
                 </a:rPr>
                 <a:t>15</a:t>
               </a:r>
@@ -5587,8 +5587,8 @@
           </p:nvSpPr>
           <p:spPr>
             <a:xfrm>
-              <a:off x="605258" y="4060943"/>
-              <a:ext cx="124311" cy="81691"/>
+              <a:off x="606963" y="4060381"/>
+              <a:ext cx="124311" cy="80545"/>
             </a:xfrm>
             <a:prstGeom prst="rect">
               <a:avLst/>
@@ -5617,8 +5617,8 @@
                       <a:alpha val="100000"/>
                     </a:srgbClr>
                   </a:solidFill>
-                  <a:latin typeface="Arial"/>
-                  <a:cs typeface="Arial"/>
+                  <a:latin typeface="Helvetica"/>
+                  <a:cs typeface="Helvetica"/>
                 </a:rPr>
                 <a:t>20</a:t>
               </a:r>
@@ -5633,8 +5633,8 @@
           </p:nvSpPr>
           <p:spPr>
             <a:xfrm>
-              <a:off x="605258" y="3323005"/>
-              <a:ext cx="124311" cy="81691"/>
+              <a:off x="606963" y="3323200"/>
+              <a:ext cx="124311" cy="80382"/>
             </a:xfrm>
             <a:prstGeom prst="rect">
               <a:avLst/>
@@ -5663,8 +5663,8 @@
                       <a:alpha val="100000"/>
                     </a:srgbClr>
                   </a:solidFill>
-                  <a:latin typeface="Arial"/>
-                  <a:cs typeface="Arial"/>
+                  <a:latin typeface="Helvetica"/>
+                  <a:cs typeface="Helvetica"/>
                 </a:rPr>
                 <a:t>25</a:t>
               </a:r>
@@ -5679,8 +5679,8 @@
           </p:nvSpPr>
           <p:spPr>
             <a:xfrm>
-              <a:off x="605258" y="2585012"/>
-              <a:ext cx="124311" cy="81746"/>
+              <a:off x="606963" y="2585856"/>
+              <a:ext cx="124311" cy="80382"/>
             </a:xfrm>
             <a:prstGeom prst="rect">
               <a:avLst/>
@@ -5709,8 +5709,8 @@
                       <a:alpha val="100000"/>
                     </a:srgbClr>
                   </a:solidFill>
-                  <a:latin typeface="Arial"/>
-                  <a:cs typeface="Arial"/>
+                  <a:latin typeface="Helvetica"/>
+                  <a:cs typeface="Helvetica"/>
                 </a:rPr>
                 <a:t>30</a:t>
               </a:r>
@@ -5725,8 +5725,8 @@
           </p:nvSpPr>
           <p:spPr>
             <a:xfrm>
-              <a:off x="605258" y="1847074"/>
-              <a:ext cx="124311" cy="81746"/>
+              <a:off x="606963" y="1848512"/>
+              <a:ext cx="124311" cy="80382"/>
             </a:xfrm>
             <a:prstGeom prst="rect">
               <a:avLst/>
@@ -5755,8 +5755,8 @@
                       <a:alpha val="100000"/>
                     </a:srgbClr>
                   </a:solidFill>
-                  <a:latin typeface="Arial"/>
-                  <a:cs typeface="Arial"/>
+                  <a:latin typeface="Helvetica"/>
+                  <a:cs typeface="Helvetica"/>
                 </a:rPr>
                 <a:t>35</a:t>
               </a:r>
@@ -5771,7 +5771,7 @@
           </p:nvSpPr>
           <p:spPr>
             <a:xfrm>
-              <a:off x="757405" y="5578511"/>
+              <a:off x="759110" y="5575533"/>
               <a:ext cx="34794" cy="0"/>
             </a:xfrm>
             <a:custGeom>
@@ -5811,7 +5811,7 @@
           </p:nvSpPr>
           <p:spPr>
             <a:xfrm>
-              <a:off x="757405" y="4840573"/>
+              <a:off x="759110" y="4838189"/>
               <a:ext cx="34794" cy="0"/>
             </a:xfrm>
             <a:custGeom>
@@ -5851,7 +5851,7 @@
           </p:nvSpPr>
           <p:spPr>
             <a:xfrm>
-              <a:off x="757405" y="4102635"/>
+              <a:off x="759110" y="4100845"/>
               <a:ext cx="34794" cy="0"/>
             </a:xfrm>
             <a:custGeom>
@@ -5891,7 +5891,7 @@
           </p:nvSpPr>
           <p:spPr>
             <a:xfrm>
-              <a:off x="757405" y="3364697"/>
+              <a:off x="759110" y="3363500"/>
               <a:ext cx="34794" cy="0"/>
             </a:xfrm>
             <a:custGeom>
@@ -5931,7 +5931,7 @@
           </p:nvSpPr>
           <p:spPr>
             <a:xfrm>
-              <a:off x="757405" y="2626759"/>
+              <a:off x="759110" y="2626156"/>
               <a:ext cx="34794" cy="0"/>
             </a:xfrm>
             <a:custGeom>
@@ -5971,7 +5971,7 @@
           </p:nvSpPr>
           <p:spPr>
             <a:xfrm>
-              <a:off x="757405" y="1888821"/>
+              <a:off x="759110" y="1888812"/>
               <a:ext cx="34794" cy="0"/>
             </a:xfrm>
             <a:custGeom>
@@ -6011,7 +6011,7 @@
           </p:nvSpPr>
           <p:spPr>
             <a:xfrm>
-              <a:off x="2525066" y="5692891"/>
+              <a:off x="2526500" y="5689821"/>
               <a:ext cx="0" cy="34794"/>
             </a:xfrm>
             <a:custGeom>
@@ -6051,7 +6051,7 @@
           </p:nvSpPr>
           <p:spPr>
             <a:xfrm>
-              <a:off x="5063878" y="5692891"/>
+              <a:off x="5064916" y="5689821"/>
               <a:ext cx="0" cy="34794"/>
             </a:xfrm>
             <a:custGeom>
@@ -6091,7 +6091,7 @@
           </p:nvSpPr>
           <p:spPr>
             <a:xfrm>
-              <a:off x="7602690" y="5692891"/>
+              <a:off x="7603332" y="5689821"/>
               <a:ext cx="0" cy="34794"/>
             </a:xfrm>
             <a:custGeom>
@@ -6131,7 +6131,7 @@
           </p:nvSpPr>
           <p:spPr>
             <a:xfrm>
-              <a:off x="10141502" y="5692891"/>
+              <a:off x="10141748" y="5689821"/>
               <a:ext cx="0" cy="34794"/>
             </a:xfrm>
             <a:custGeom>
@@ -6171,8 +6171,8 @@
           </p:nvSpPr>
           <p:spPr>
             <a:xfrm>
-              <a:off x="2493988" y="5755194"/>
-              <a:ext cx="62155" cy="80327"/>
+              <a:off x="2495423" y="5754198"/>
+              <a:ext cx="62155" cy="78417"/>
             </a:xfrm>
             <a:prstGeom prst="rect">
               <a:avLst/>
@@ -6201,8 +6201,8 @@
                       <a:alpha val="100000"/>
                     </a:srgbClr>
                   </a:solidFill>
-                  <a:latin typeface="Arial"/>
-                  <a:cs typeface="Arial"/>
+                  <a:latin typeface="Helvetica"/>
+                  <a:cs typeface="Helvetica"/>
                 </a:rPr>
                 <a:t>2</a:t>
               </a:r>
@@ -6217,8 +6217,8 @@
           </p:nvSpPr>
           <p:spPr>
             <a:xfrm>
-              <a:off x="5032800" y="5753775"/>
-              <a:ext cx="62155" cy="81746"/>
+              <a:off x="5033838" y="5752233"/>
+              <a:ext cx="62155" cy="80382"/>
             </a:xfrm>
             <a:prstGeom prst="rect">
               <a:avLst/>
@@ -6247,8 +6247,8 @@
                       <a:alpha val="100000"/>
                     </a:srgbClr>
                   </a:solidFill>
-                  <a:latin typeface="Arial"/>
-                  <a:cs typeface="Arial"/>
+                  <a:latin typeface="Helvetica"/>
+                  <a:cs typeface="Helvetica"/>
                 </a:rPr>
                 <a:t>3</a:t>
               </a:r>
@@ -6263,8 +6263,8 @@
           </p:nvSpPr>
           <p:spPr>
             <a:xfrm>
-              <a:off x="7571612" y="5755521"/>
-              <a:ext cx="62155" cy="80000"/>
+              <a:off x="7572254" y="5754252"/>
+              <a:ext cx="62155" cy="78362"/>
             </a:xfrm>
             <a:prstGeom prst="rect">
               <a:avLst/>
@@ -6293,8 +6293,8 @@
                       <a:alpha val="100000"/>
                     </a:srgbClr>
                   </a:solidFill>
-                  <a:latin typeface="Arial"/>
-                  <a:cs typeface="Arial"/>
+                  <a:latin typeface="Helvetica"/>
+                  <a:cs typeface="Helvetica"/>
                 </a:rPr>
                 <a:t>4</a:t>
               </a:r>
@@ -6309,8 +6309,8 @@
           </p:nvSpPr>
           <p:spPr>
             <a:xfrm>
-              <a:off x="10110425" y="5755248"/>
-              <a:ext cx="62155" cy="80272"/>
+              <a:off x="10110670" y="5753816"/>
+              <a:ext cx="62155" cy="78799"/>
             </a:xfrm>
             <a:prstGeom prst="rect">
               <a:avLst/>
@@ -6339,8 +6339,8 @@
                       <a:alpha val="100000"/>
                     </a:srgbClr>
                   </a:solidFill>
-                  <a:latin typeface="Arial"/>
-                  <a:cs typeface="Arial"/>
+                  <a:latin typeface="Helvetica"/>
+                  <a:cs typeface="Helvetica"/>
                 </a:rPr>
                 <a:t>5</a:t>
               </a:r>
@@ -6355,8 +6355,8 @@
           </p:nvSpPr>
           <p:spPr>
             <a:xfrm>
-              <a:off x="6183461" y="5895132"/>
-              <a:ext cx="139700" cy="98704"/>
+              <a:off x="6184314" y="5897724"/>
+              <a:ext cx="139700" cy="94611"/>
             </a:xfrm>
             <a:prstGeom prst="rect">
               <a:avLst/>
@@ -6385,8 +6385,8 @@
                       <a:alpha val="100000"/>
                     </a:srgbClr>
                   </a:solidFill>
-                  <a:latin typeface="Arial"/>
-                  <a:cs typeface="Arial"/>
+                  <a:latin typeface="Helvetica"/>
+                  <a:cs typeface="Helvetica"/>
                 </a:rPr>
                 <a:t>wt</a:t>
               </a:r>
@@ -6401,8 +6401,8 @@
           </p:nvSpPr>
           <p:spPr>
             <a:xfrm rot="-5400000">
-              <a:off x="353444" y="3733582"/>
-              <a:ext cx="271760" cy="103478"/>
+              <a:off x="352523" y="3730922"/>
+              <a:ext cx="271760" cy="105729"/>
             </a:xfrm>
             <a:prstGeom prst="rect">
               <a:avLst/>
@@ -6431,8 +6431,8 @@
                       <a:alpha val="100000"/>
                     </a:srgbClr>
                   </a:solidFill>
-                  <a:latin typeface="Arial"/>
-                  <a:cs typeface="Arial"/>
+                  <a:latin typeface="Helvetica"/>
+                  <a:cs typeface="Helvetica"/>
                 </a:rPr>
                 <a:t>mpg</a:t>
               </a:r>
@@ -6570,7 +6570,7 @@
           <p:spPr>
             <a:xfrm>
               <a:off x="371475" y="1808162"/>
-              <a:ext cx="11412538" cy="4284662"/>
+              <a:ext cx="11412537" cy="4284662"/>
             </a:xfrm>
             <a:prstGeom prst="rect">
               <a:avLst/>
@@ -6595,8 +6595,8 @@
           </p:nvSpPr>
           <p:spPr>
             <a:xfrm>
-              <a:off x="602925" y="1899602"/>
-              <a:ext cx="11071359" cy="3561655"/>
+              <a:off x="591538" y="1899602"/>
+              <a:ext cx="11082746" cy="3556074"/>
             </a:xfrm>
             <a:prstGeom prst="rect">
               <a:avLst/>
@@ -6621,21 +6621,21 @@
           </p:nvSpPr>
           <p:spPr>
             <a:xfrm>
-              <a:off x="602925" y="4896183"/>
-              <a:ext cx="11071359" cy="0"/>
+              <a:off x="591538" y="4891487"/>
+              <a:ext cx="11082746" cy="0"/>
             </a:xfrm>
             <a:custGeom>
               <a:avLst/>
               <a:pathLst>
-                <a:path w="11071359" h="0">
+                <a:path w="11082746" h="0">
                   <a:moveTo>
                     <a:pt x="0" y="0"/>
                   </a:moveTo>
                   <a:lnTo>
-                    <a:pt x="11071359" y="0"/>
+                    <a:pt x="11082746" y="0"/>
                   </a:lnTo>
                   <a:lnTo>
-                    <a:pt x="11071359" y="0"/>
+                    <a:pt x="11082746" y="0"/>
                   </a:lnTo>
                 </a:path>
               </a:pathLst>
@@ -6664,21 +6664,21 @@
           </p:nvSpPr>
           <p:spPr>
             <a:xfrm>
-              <a:off x="602925" y="4068295"/>
-              <a:ext cx="11071359" cy="0"/>
+              <a:off x="591538" y="4064897"/>
+              <a:ext cx="11082746" cy="0"/>
             </a:xfrm>
             <a:custGeom>
               <a:avLst/>
               <a:pathLst>
-                <a:path w="11071359" h="0">
+                <a:path w="11082746" h="0">
                   <a:moveTo>
                     <a:pt x="0" y="0"/>
                   </a:moveTo>
                   <a:lnTo>
-                    <a:pt x="11071359" y="0"/>
+                    <a:pt x="11082746" y="0"/>
                   </a:lnTo>
                   <a:lnTo>
-                    <a:pt x="11071359" y="0"/>
+                    <a:pt x="11082746" y="0"/>
                   </a:lnTo>
                 </a:path>
               </a:pathLst>
@@ -6707,21 +6707,21 @@
           </p:nvSpPr>
           <p:spPr>
             <a:xfrm>
-              <a:off x="602925" y="3240408"/>
-              <a:ext cx="11071359" cy="0"/>
+              <a:off x="591538" y="3238307"/>
+              <a:ext cx="11082746" cy="0"/>
             </a:xfrm>
             <a:custGeom>
               <a:avLst/>
               <a:pathLst>
-                <a:path w="11071359" h="0">
+                <a:path w="11082746" h="0">
                   <a:moveTo>
                     <a:pt x="0" y="0"/>
                   </a:moveTo>
                   <a:lnTo>
-                    <a:pt x="11071359" y="0"/>
+                    <a:pt x="11082746" y="0"/>
                   </a:lnTo>
                   <a:lnTo>
-                    <a:pt x="11071359" y="0"/>
+                    <a:pt x="11082746" y="0"/>
                   </a:lnTo>
                 </a:path>
               </a:pathLst>
@@ -6750,21 +6750,21 @@
           </p:nvSpPr>
           <p:spPr>
             <a:xfrm>
-              <a:off x="602925" y="2412520"/>
-              <a:ext cx="11071359" cy="0"/>
+              <a:off x="591538" y="2411717"/>
+              <a:ext cx="11082746" cy="0"/>
             </a:xfrm>
             <a:custGeom>
               <a:avLst/>
               <a:pathLst>
-                <a:path w="11071359" h="0">
+                <a:path w="11082746" h="0">
                   <a:moveTo>
                     <a:pt x="0" y="0"/>
                   </a:moveTo>
                   <a:lnTo>
-                    <a:pt x="11071359" y="0"/>
+                    <a:pt x="11082746" y="0"/>
                   </a:lnTo>
                   <a:lnTo>
-                    <a:pt x="11071359" y="0"/>
+                    <a:pt x="11082746" y="0"/>
                   </a:lnTo>
                 </a:path>
               </a:pathLst>
@@ -6793,7 +6793,7 @@
           </p:nvSpPr>
           <p:spPr>
             <a:xfrm>
-              <a:off x="5612994" y="4349818"/>
+              <a:off x="5606793" y="4345926"/>
               <a:ext cx="66150" cy="66150"/>
             </a:xfrm>
             <a:prstGeom prst="ellipse">
@@ -6828,7 +6828,7 @@
           </p:nvSpPr>
           <p:spPr>
             <a:xfrm>
-              <a:off x="5612994" y="4138706"/>
+              <a:off x="5606793" y="4135146"/>
               <a:ext cx="66150" cy="66150"/>
             </a:xfrm>
             <a:prstGeom prst="ellipse">
@@ -6863,7 +6863,7 @@
           </p:nvSpPr>
           <p:spPr>
             <a:xfrm>
-              <a:off x="6383920" y="4598184"/>
+              <a:off x="6378513" y="4593904"/>
               <a:ext cx="66150" cy="66150"/>
             </a:xfrm>
             <a:prstGeom prst="ellipse">
@@ -6898,7 +6898,7 @@
           </p:nvSpPr>
           <p:spPr>
             <a:xfrm>
-              <a:off x="5784311" y="3857225"/>
+              <a:off x="5778287" y="3854105"/>
               <a:ext cx="66150" cy="66150"/>
             </a:xfrm>
             <a:prstGeom prst="ellipse">
@@ -6933,7 +6933,7 @@
           </p:nvSpPr>
           <p:spPr>
             <a:xfrm>
-              <a:off x="4627921" y="3670950"/>
+              <a:off x="4620708" y="3668122"/>
               <a:ext cx="66150" cy="66150"/>
             </a:xfrm>
             <a:prstGeom prst="ellipse">
@@ -6968,7 +6968,7 @@
           </p:nvSpPr>
           <p:spPr>
             <a:xfrm>
-              <a:off x="4370946" y="3654392"/>
+              <a:off x="4363468" y="3651591"/>
               <a:ext cx="66150" cy="66150"/>
             </a:xfrm>
             <a:prstGeom prst="ellipse">
@@ -7003,7 +7003,7 @@
           </p:nvSpPr>
           <p:spPr>
             <a:xfrm>
-              <a:off x="2743434" y="3563325"/>
+              <a:off x="2734283" y="3560666"/>
               <a:ext cx="66150" cy="66150"/>
             </a:xfrm>
             <a:prstGeom prst="ellipse">
@@ -7038,7 +7038,7 @@
           </p:nvSpPr>
           <p:spPr>
             <a:xfrm>
-              <a:off x="7069188" y="3877922"/>
+              <a:off x="7064485" y="3874770"/>
               <a:ext cx="66150" cy="66150"/>
             </a:xfrm>
             <a:prstGeom prst="ellipse">
@@ -7073,7 +7073,7 @@
           </p:nvSpPr>
           <p:spPr>
             <a:xfrm>
-              <a:off x="6383920" y="3911037"/>
+              <a:off x="6378513" y="3907834"/>
               <a:ext cx="66150" cy="66150"/>
             </a:xfrm>
             <a:prstGeom prst="ellipse">
@@ -7108,7 +7108,7 @@
           </p:nvSpPr>
           <p:spPr>
             <a:xfrm>
-              <a:off x="4842067" y="3670950"/>
+              <a:off x="4835074" y="3668122"/>
               <a:ext cx="66150" cy="66150"/>
             </a:xfrm>
             <a:prstGeom prst="ellipse">
@@ -7143,7 +7143,7 @@
           </p:nvSpPr>
           <p:spPr>
             <a:xfrm>
-              <a:off x="4242458" y="3670950"/>
+              <a:off x="4234848" y="3668122"/>
               <a:ext cx="66150" cy="66150"/>
             </a:xfrm>
             <a:prstGeom prst="ellipse">
@@ -7178,7 +7178,7 @@
           </p:nvSpPr>
           <p:spPr>
             <a:xfrm>
-              <a:off x="3642849" y="3149381"/>
+              <a:off x="3634622" y="3147371"/>
               <a:ext cx="66150" cy="66150"/>
             </a:xfrm>
             <a:prstGeom prst="ellipse">
@@ -7213,7 +7213,7 @@
           </p:nvSpPr>
           <p:spPr>
             <a:xfrm>
-              <a:off x="4028312" y="3430863"/>
+              <a:off x="4020482" y="3428411"/>
               <a:ext cx="66150" cy="66150"/>
             </a:xfrm>
             <a:prstGeom prst="ellipse">
@@ -7248,7 +7248,7 @@
           </p:nvSpPr>
           <p:spPr>
             <a:xfrm>
-              <a:off x="3128898" y="3389468"/>
+              <a:off x="3120142" y="3387082"/>
               <a:ext cx="66150" cy="66150"/>
             </a:xfrm>
             <a:prstGeom prst="ellipse">
@@ -7283,7 +7283,7 @@
           </p:nvSpPr>
           <p:spPr>
             <a:xfrm>
-              <a:off x="1073094" y="2172473"/>
+              <a:off x="1062224" y="2171994"/>
               <a:ext cx="66150" cy="66150"/>
             </a:xfrm>
             <a:prstGeom prst="ellipse">
@@ -7318,7 +7318,7 @@
           </p:nvSpPr>
           <p:spPr>
             <a:xfrm>
-              <a:off x="1073094" y="2028421"/>
+              <a:off x="1062224" y="2028167"/>
               <a:ext cx="66150" cy="66150"/>
             </a:xfrm>
             <a:prstGeom prst="ellipse">
@@ -7353,7 +7353,7 @@
           </p:nvSpPr>
           <p:spPr>
             <a:xfrm>
-              <a:off x="2914751" y="2093824"/>
+              <a:off x="2905776" y="2093468"/>
               <a:ext cx="66150" cy="66150"/>
             </a:xfrm>
             <a:prstGeom prst="ellipse">
@@ -7388,7 +7388,7 @@
           </p:nvSpPr>
           <p:spPr>
             <a:xfrm>
-              <a:off x="10495527" y="4697531"/>
+              <a:off x="10494349" y="4693094"/>
               <a:ext cx="66150" cy="66150"/>
             </a:xfrm>
             <a:prstGeom prst="ellipse">
@@ -7423,7 +7423,7 @@
           </p:nvSpPr>
           <p:spPr>
             <a:xfrm>
-              <a:off x="9638942" y="5181845"/>
+              <a:off x="9636883" y="5176650"/>
               <a:ext cx="66150" cy="66150"/>
             </a:xfrm>
             <a:prstGeom prst="ellipse">
@@ -7458,7 +7458,7 @@
           </p:nvSpPr>
           <p:spPr>
             <a:xfrm>
-              <a:off x="11137966" y="4999710"/>
+              <a:off x="11137448" y="4994800"/>
               <a:ext cx="66150" cy="66150"/>
             </a:xfrm>
             <a:prstGeom prst="ellipse">
@@ -7493,7 +7493,7 @@
           </p:nvSpPr>
           <p:spPr>
             <a:xfrm>
-              <a:off x="5827140" y="4478140"/>
+              <a:off x="5821160" y="4474048"/>
               <a:ext cx="66150" cy="66150"/>
             </a:xfrm>
             <a:prstGeom prst="ellipse">
@@ -7528,7 +7528,7 @@
           </p:nvSpPr>
           <p:spPr>
             <a:xfrm>
-              <a:off x="3257385" y="3604719"/>
+              <a:off x="3248762" y="3601995"/>
               <a:ext cx="66150" cy="66150"/>
             </a:xfrm>
             <a:prstGeom prst="ellipse">
@@ -7563,7 +7563,7 @@
           </p:nvSpPr>
           <p:spPr>
             <a:xfrm>
-              <a:off x="3128898" y="3675089"/>
+              <a:off x="3120142" y="3672255"/>
               <a:ext cx="66150" cy="66150"/>
             </a:xfrm>
             <a:prstGeom prst="ellipse">
@@ -7598,7 +7598,7 @@
           </p:nvSpPr>
           <p:spPr>
             <a:xfrm>
-              <a:off x="2315142" y="3339795"/>
+              <a:off x="2305550" y="3337486"/>
               <a:ext cx="66150" cy="66150"/>
             </a:xfrm>
             <a:prstGeom prst="ellipse">
@@ -7633,7 +7633,7 @@
           </p:nvSpPr>
           <p:spPr>
             <a:xfrm>
-              <a:off x="4842067" y="3335655"/>
+              <a:off x="4835074" y="3333353"/>
               <a:ext cx="66150" cy="66150"/>
             </a:xfrm>
             <a:prstGeom prst="ellipse">
@@ -7668,7 +7668,7 @@
           </p:nvSpPr>
           <p:spPr>
             <a:xfrm>
-              <a:off x="8311236" y="4916921"/>
+              <a:off x="8307811" y="4912141"/>
               <a:ext cx="66150" cy="66150"/>
             </a:xfrm>
             <a:prstGeom prst="ellipse">
@@ -7703,7 +7703,7 @@
           </p:nvSpPr>
           <p:spPr>
             <a:xfrm>
-              <a:off x="7754456" y="4747204"/>
+              <a:off x="7750458" y="4742690"/>
               <a:ext cx="66150" cy="66150"/>
             </a:xfrm>
             <a:prstGeom prst="ellipse">
@@ -7738,7 +7738,7 @@
           </p:nvSpPr>
           <p:spPr>
             <a:xfrm>
-              <a:off x="9638942" y="5266289"/>
+              <a:off x="9636883" y="5260962"/>
               <a:ext cx="66150" cy="66150"/>
             </a:xfrm>
             <a:prstGeom prst="ellipse">
@@ -7773,7 +7773,7 @@
           </p:nvSpPr>
           <p:spPr>
             <a:xfrm>
-              <a:off x="3385873" y="3894480"/>
+              <a:off x="3377382" y="3891302"/>
               <a:ext cx="66150" cy="66150"/>
             </a:xfrm>
             <a:prstGeom prst="ellipse">
@@ -7808,7 +7808,7 @@
           </p:nvSpPr>
           <p:spPr>
             <a:xfrm>
-              <a:off x="5056214" y="4225635"/>
+              <a:off x="5049441" y="4221938"/>
               <a:ext cx="66150" cy="66150"/>
             </a:xfrm>
             <a:prstGeom prst="ellipse">
@@ -7843,7 +7843,7 @@
           </p:nvSpPr>
           <p:spPr>
             <a:xfrm>
-              <a:off x="3043239" y="3563325"/>
+              <a:off x="3034396" y="3560666"/>
               <a:ext cx="66150" cy="66150"/>
             </a:xfrm>
             <a:prstGeom prst="ellipse">
@@ -7878,7 +7878,7 @@
           </p:nvSpPr>
           <p:spPr>
             <a:xfrm>
-              <a:off x="5784311" y="4217356"/>
+              <a:off x="5778287" y="4213672"/>
               <a:ext cx="66150" cy="66150"/>
             </a:xfrm>
             <a:prstGeom prst="ellipse">
@@ -7913,8 +7913,8 @@
           </p:nvSpPr>
           <p:spPr>
             <a:xfrm>
-              <a:off x="373303" y="4813695"/>
-              <a:ext cx="127136" cy="164306"/>
+              <a:off x="373303" y="4813074"/>
+              <a:ext cx="127136" cy="160399"/>
             </a:xfrm>
             <a:prstGeom prst="rect">
               <a:avLst/>
@@ -7943,8 +7943,8 @@
                       <a:alpha val="100000"/>
                     </a:srgbClr>
                   </a:solidFill>
-                  <a:latin typeface="Arial"/>
-                  <a:cs typeface="Arial"/>
+                  <a:latin typeface="Helvetica"/>
+                  <a:cs typeface="Helvetica"/>
                 </a:rPr>
                 <a:t>2</a:t>
               </a:r>
@@ -7959,8 +7959,8 @@
           </p:nvSpPr>
           <p:spPr>
             <a:xfrm>
-              <a:off x="373303" y="3982905"/>
-              <a:ext cx="127136" cy="167208"/>
+              <a:off x="373303" y="3982465"/>
+              <a:ext cx="127136" cy="164417"/>
             </a:xfrm>
             <a:prstGeom prst="rect">
               <a:avLst/>
@@ -7989,8 +7989,8 @@
                       <a:alpha val="100000"/>
                     </a:srgbClr>
                   </a:solidFill>
-                  <a:latin typeface="Arial"/>
-                  <a:cs typeface="Arial"/>
+                  <a:latin typeface="Helvetica"/>
+                  <a:cs typeface="Helvetica"/>
                 </a:rPr>
                 <a:t>3</a:t>
               </a:r>
@@ -8005,8 +8005,8 @@
           </p:nvSpPr>
           <p:spPr>
             <a:xfrm>
-              <a:off x="373303" y="3158590"/>
-              <a:ext cx="127136" cy="163636"/>
+              <a:off x="373303" y="3160005"/>
+              <a:ext cx="127136" cy="160287"/>
             </a:xfrm>
             <a:prstGeom prst="rect">
               <a:avLst/>
@@ -8035,8 +8035,8 @@
                       <a:alpha val="100000"/>
                     </a:srgbClr>
                   </a:solidFill>
-                  <a:latin typeface="Arial"/>
-                  <a:cs typeface="Arial"/>
+                  <a:latin typeface="Helvetica"/>
+                  <a:cs typeface="Helvetica"/>
                 </a:rPr>
                 <a:t>4</a:t>
               </a:r>
@@ -8051,8 +8051,8 @@
           </p:nvSpPr>
           <p:spPr>
             <a:xfrm>
-              <a:off x="373303" y="2330144"/>
-              <a:ext cx="127136" cy="164194"/>
+              <a:off x="373303" y="2332521"/>
+              <a:ext cx="127136" cy="161180"/>
             </a:xfrm>
             <a:prstGeom prst="rect">
               <a:avLst/>
@@ -8081,8 +8081,8 @@
                       <a:alpha val="100000"/>
                     </a:srgbClr>
                   </a:solidFill>
-                  <a:latin typeface="Arial"/>
-                  <a:cs typeface="Arial"/>
+                  <a:latin typeface="Helvetica"/>
+                  <a:cs typeface="Helvetica"/>
                 </a:rPr>
                 <a:t>5</a:t>
               </a:r>
@@ -8097,18 +8097,18 @@
           </p:nvSpPr>
           <p:spPr>
             <a:xfrm>
-              <a:off x="602925" y="5461258"/>
-              <a:ext cx="11071359" cy="0"/>
+              <a:off x="591538" y="5455677"/>
+              <a:ext cx="11082746" cy="0"/>
             </a:xfrm>
             <a:custGeom>
               <a:avLst/>
               <a:pathLst>
-                <a:path w="11071359" h="0">
+                <a:path w="11082746" h="0">
                   <a:moveTo>
                     <a:pt x="0" y="0"/>
                   </a:moveTo>
                   <a:lnTo>
-                    <a:pt x="11071359" y="0"/>
+                    <a:pt x="11082746" y="0"/>
                   </a:lnTo>
                 </a:path>
               </a:pathLst>
@@ -8137,7 +8137,7 @@
           </p:nvSpPr>
           <p:spPr>
             <a:xfrm>
-              <a:off x="934852" y="5461258"/>
+              <a:off x="923806" y="5455677"/>
               <a:ext cx="0" cy="56936"/>
             </a:xfrm>
             <a:custGeom>
@@ -8177,7 +8177,7 @@
           </p:nvSpPr>
           <p:spPr>
             <a:xfrm>
-              <a:off x="3076314" y="5461258"/>
+              <a:off x="3067471" y="5455677"/>
               <a:ext cx="0" cy="56936"/>
             </a:xfrm>
             <a:custGeom>
@@ -8217,7 +8217,7 @@
           </p:nvSpPr>
           <p:spPr>
             <a:xfrm>
-              <a:off x="5217776" y="5461258"/>
+              <a:off x="5211135" y="5455677"/>
               <a:ext cx="0" cy="56936"/>
             </a:xfrm>
             <a:custGeom>
@@ -8257,7 +8257,7 @@
           </p:nvSpPr>
           <p:spPr>
             <a:xfrm>
-              <a:off x="7359238" y="5461258"/>
+              <a:off x="7354800" y="5455677"/>
               <a:ext cx="0" cy="56936"/>
             </a:xfrm>
             <a:custGeom>
@@ -8297,7 +8297,7 @@
           </p:nvSpPr>
           <p:spPr>
             <a:xfrm>
-              <a:off x="9500700" y="5461258"/>
+              <a:off x="9498465" y="5455677"/>
               <a:ext cx="0" cy="56936"/>
             </a:xfrm>
             <a:custGeom>
@@ -8337,7 +8337,7 @@
           </p:nvSpPr>
           <p:spPr>
             <a:xfrm>
-              <a:off x="11642163" y="5461258"/>
+              <a:off x="11642130" y="5455677"/>
               <a:ext cx="0" cy="56936"/>
             </a:xfrm>
             <a:custGeom>
@@ -8377,8 +8377,8 @@
           </p:nvSpPr>
           <p:spPr>
             <a:xfrm>
-              <a:off x="807716" y="5590649"/>
-              <a:ext cx="254272" cy="167096"/>
+              <a:off x="796670" y="5588305"/>
+              <a:ext cx="254272" cy="164194"/>
             </a:xfrm>
             <a:prstGeom prst="rect">
               <a:avLst/>
@@ -8407,8 +8407,8 @@
                       <a:alpha val="100000"/>
                     </a:srgbClr>
                   </a:solidFill>
-                  <a:latin typeface="Arial"/>
-                  <a:cs typeface="Arial"/>
+                  <a:latin typeface="Helvetica"/>
+                  <a:cs typeface="Helvetica"/>
                 </a:rPr>
                 <a:t>10</a:t>
               </a:r>
@@ -8423,8 +8423,8 @@
           </p:nvSpPr>
           <p:spPr>
             <a:xfrm>
-              <a:off x="2949178" y="5590649"/>
-              <a:ext cx="254272" cy="167096"/>
+              <a:off x="2940334" y="5589310"/>
+              <a:ext cx="254272" cy="163190"/>
             </a:xfrm>
             <a:prstGeom prst="rect">
               <a:avLst/>
@@ -8453,8 +8453,8 @@
                       <a:alpha val="100000"/>
                     </a:srgbClr>
                   </a:solidFill>
-                  <a:latin typeface="Arial"/>
-                  <a:cs typeface="Arial"/>
+                  <a:latin typeface="Helvetica"/>
+                  <a:cs typeface="Helvetica"/>
                 </a:rPr>
                 <a:t>15</a:t>
               </a:r>
@@ -8469,8 +8469,8 @@
           </p:nvSpPr>
           <p:spPr>
             <a:xfrm>
-              <a:off x="5090640" y="5590649"/>
-              <a:ext cx="254272" cy="167096"/>
+              <a:off x="5083999" y="5587747"/>
+              <a:ext cx="254272" cy="164752"/>
             </a:xfrm>
             <a:prstGeom prst="rect">
               <a:avLst/>
@@ -8499,8 +8499,8 @@
                       <a:alpha val="100000"/>
                     </a:srgbClr>
                   </a:solidFill>
-                  <a:latin typeface="Arial"/>
-                  <a:cs typeface="Arial"/>
+                  <a:latin typeface="Helvetica"/>
+                  <a:cs typeface="Helvetica"/>
                 </a:rPr>
                 <a:t>20</a:t>
               </a:r>
@@ -8515,8 +8515,8 @@
           </p:nvSpPr>
           <p:spPr>
             <a:xfrm>
-              <a:off x="7232102" y="5590649"/>
-              <a:ext cx="254272" cy="167096"/>
+              <a:off x="7227664" y="5588082"/>
+              <a:ext cx="254272" cy="164417"/>
             </a:xfrm>
             <a:prstGeom prst="rect">
               <a:avLst/>
@@ -8545,8 +8545,8 @@
                       <a:alpha val="100000"/>
                     </a:srgbClr>
                   </a:solidFill>
-                  <a:latin typeface="Arial"/>
-                  <a:cs typeface="Arial"/>
+                  <a:latin typeface="Helvetica"/>
+                  <a:cs typeface="Helvetica"/>
                 </a:rPr>
                 <a:t>25</a:t>
               </a:r>
@@ -8561,8 +8561,8 @@
           </p:nvSpPr>
           <p:spPr>
             <a:xfrm>
-              <a:off x="9373564" y="5590538"/>
-              <a:ext cx="254272" cy="167208"/>
+              <a:off x="9371328" y="5588082"/>
+              <a:ext cx="254272" cy="164417"/>
             </a:xfrm>
             <a:prstGeom prst="rect">
               <a:avLst/>
@@ -8591,8 +8591,8 @@
                       <a:alpha val="100000"/>
                     </a:srgbClr>
                   </a:solidFill>
-                  <a:latin typeface="Arial"/>
-                  <a:cs typeface="Arial"/>
+                  <a:latin typeface="Helvetica"/>
+                  <a:cs typeface="Helvetica"/>
                 </a:rPr>
                 <a:t>30</a:t>
               </a:r>
@@ -8607,8 +8607,8 @@
           </p:nvSpPr>
           <p:spPr>
             <a:xfrm>
-              <a:off x="11515026" y="5590538"/>
-              <a:ext cx="254272" cy="167208"/>
+              <a:off x="11514993" y="5588082"/>
+              <a:ext cx="254272" cy="164417"/>
             </a:xfrm>
             <a:prstGeom prst="rect">
               <a:avLst/>
@@ -8637,8 +8637,8 @@
                       <a:alpha val="100000"/>
                     </a:srgbClr>
                   </a:solidFill>
-                  <a:latin typeface="Arial"/>
-                  <a:cs typeface="Arial"/>
+                  <a:latin typeface="Helvetica"/>
+                  <a:cs typeface="Helvetica"/>
                 </a:rPr>
                 <a:t>35</a:t>
               </a:r>
@@ -8653,8 +8653,8 @@
           </p:nvSpPr>
           <p:spPr>
             <a:xfrm>
-              <a:off x="5916256" y="5857099"/>
-              <a:ext cx="444698" cy="169329"/>
+              <a:off x="5910562" y="5850959"/>
+              <a:ext cx="444698" cy="173012"/>
             </a:xfrm>
             <a:prstGeom prst="rect">
               <a:avLst/>
@@ -8683,8 +8683,8 @@
                       <a:alpha val="100000"/>
                     </a:srgbClr>
                   </a:solidFill>
-                  <a:latin typeface="Arial"/>
-                  <a:cs typeface="Arial"/>
+                  <a:latin typeface="Helvetica"/>
+                  <a:cs typeface="Helvetica"/>
                 </a:rPr>
                 <a:t>mpg</a:t>
               </a:r>

--- a/tests/testthat/multi_slide_fullslide.pptx
+++ b/tests/testthat/multi_slide_fullslide.pptx
@@ -6570,7 +6570,7 @@
           <p:spPr>
             <a:xfrm>
               <a:off x="371475" y="1808162"/>
-              <a:ext cx="11412537" cy="4284662"/>
+              <a:ext cx="11412538" cy="4284662"/>
             </a:xfrm>
             <a:prstGeom prst="rect">
               <a:avLst/>
@@ -6595,8 +6595,8 @@
           </p:nvSpPr>
           <p:spPr>
             <a:xfrm>
-              <a:off x="591538" y="1899602"/>
-              <a:ext cx="11082746" cy="3556074"/>
+              <a:off x="576355" y="1899602"/>
+              <a:ext cx="11097929" cy="3556074"/>
             </a:xfrm>
             <a:prstGeom prst="rect">
               <a:avLst/>
@@ -6621,21 +6621,21 @@
           </p:nvSpPr>
           <p:spPr>
             <a:xfrm>
-              <a:off x="591538" y="4891487"/>
-              <a:ext cx="11082746" cy="0"/>
+              <a:off x="576355" y="4891487"/>
+              <a:ext cx="11097929" cy="0"/>
             </a:xfrm>
             <a:custGeom>
               <a:avLst/>
               <a:pathLst>
-                <a:path w="11082746" h="0">
+                <a:path w="11097929" h="0">
                   <a:moveTo>
                     <a:pt x="0" y="0"/>
                   </a:moveTo>
                   <a:lnTo>
-                    <a:pt x="11082746" y="0"/>
+                    <a:pt x="11097929" y="0"/>
                   </a:lnTo>
                   <a:lnTo>
-                    <a:pt x="11082746" y="0"/>
+                    <a:pt x="11097929" y="0"/>
                   </a:lnTo>
                 </a:path>
               </a:pathLst>
@@ -6664,21 +6664,21 @@
           </p:nvSpPr>
           <p:spPr>
             <a:xfrm>
-              <a:off x="591538" y="4064897"/>
-              <a:ext cx="11082746" cy="0"/>
+              <a:off x="576355" y="4064897"/>
+              <a:ext cx="11097929" cy="0"/>
             </a:xfrm>
             <a:custGeom>
               <a:avLst/>
               <a:pathLst>
-                <a:path w="11082746" h="0">
+                <a:path w="11097929" h="0">
                   <a:moveTo>
                     <a:pt x="0" y="0"/>
                   </a:moveTo>
                   <a:lnTo>
-                    <a:pt x="11082746" y="0"/>
+                    <a:pt x="11097929" y="0"/>
                   </a:lnTo>
                   <a:lnTo>
-                    <a:pt x="11082746" y="0"/>
+                    <a:pt x="11097929" y="0"/>
                   </a:lnTo>
                 </a:path>
               </a:pathLst>
@@ -6707,21 +6707,21 @@
           </p:nvSpPr>
           <p:spPr>
             <a:xfrm>
-              <a:off x="591538" y="3238307"/>
-              <a:ext cx="11082746" cy="0"/>
+              <a:off x="576355" y="3238307"/>
+              <a:ext cx="11097929" cy="0"/>
             </a:xfrm>
             <a:custGeom>
               <a:avLst/>
               <a:pathLst>
-                <a:path w="11082746" h="0">
+                <a:path w="11097929" h="0">
                   <a:moveTo>
                     <a:pt x="0" y="0"/>
                   </a:moveTo>
                   <a:lnTo>
-                    <a:pt x="11082746" y="0"/>
+                    <a:pt x="11097929" y="0"/>
                   </a:lnTo>
                   <a:lnTo>
-                    <a:pt x="11082746" y="0"/>
+                    <a:pt x="11097929" y="0"/>
                   </a:lnTo>
                 </a:path>
               </a:pathLst>
@@ -6750,21 +6750,21 @@
           </p:nvSpPr>
           <p:spPr>
             <a:xfrm>
-              <a:off x="591538" y="2411717"/>
-              <a:ext cx="11082746" cy="0"/>
+              <a:off x="576355" y="2411717"/>
+              <a:ext cx="11097929" cy="0"/>
             </a:xfrm>
             <a:custGeom>
               <a:avLst/>
               <a:pathLst>
-                <a:path w="11082746" h="0">
+                <a:path w="11097929" h="0">
                   <a:moveTo>
                     <a:pt x="0" y="0"/>
                   </a:moveTo>
                   <a:lnTo>
-                    <a:pt x="11082746" y="0"/>
+                    <a:pt x="11097929" y="0"/>
                   </a:lnTo>
                   <a:lnTo>
-                    <a:pt x="11082746" y="0"/>
+                    <a:pt x="11097929" y="0"/>
                   </a:lnTo>
                 </a:path>
               </a:pathLst>
@@ -6793,7 +6793,7 @@
           </p:nvSpPr>
           <p:spPr>
             <a:xfrm>
-              <a:off x="5606793" y="4345926"/>
+              <a:off x="5598526" y="4345926"/>
               <a:ext cx="66150" cy="66150"/>
             </a:xfrm>
             <a:prstGeom prst="ellipse">
@@ -6828,7 +6828,7 @@
           </p:nvSpPr>
           <p:spPr>
             <a:xfrm>
-              <a:off x="5606793" y="4135146"/>
+              <a:off x="5598526" y="4135146"/>
               <a:ext cx="66150" cy="66150"/>
             </a:xfrm>
             <a:prstGeom prst="ellipse">
@@ -6863,7 +6863,7 @@
           </p:nvSpPr>
           <p:spPr>
             <a:xfrm>
-              <a:off x="6378513" y="4593904"/>
+              <a:off x="6371303" y="4593904"/>
               <a:ext cx="66150" cy="66150"/>
             </a:xfrm>
             <a:prstGeom prst="ellipse">
@@ -6898,7 +6898,7 @@
           </p:nvSpPr>
           <p:spPr>
             <a:xfrm>
-              <a:off x="5778287" y="3854105"/>
+              <a:off x="5770255" y="3854105"/>
               <a:ext cx="66150" cy="66150"/>
             </a:xfrm>
             <a:prstGeom prst="ellipse">
@@ -6933,7 +6933,7 @@
           </p:nvSpPr>
           <p:spPr>
             <a:xfrm>
-              <a:off x="4620708" y="3668122"/>
+              <a:off x="4611090" y="3668122"/>
               <a:ext cx="66150" cy="66150"/>
             </a:xfrm>
             <a:prstGeom prst="ellipse">
@@ -6968,7 +6968,7 @@
           </p:nvSpPr>
           <p:spPr>
             <a:xfrm>
-              <a:off x="4363468" y="3651591"/>
+              <a:off x="4353498" y="3651591"/>
               <a:ext cx="66150" cy="66150"/>
             </a:xfrm>
             <a:prstGeom prst="ellipse">
@@ -7003,7 +7003,7 @@
           </p:nvSpPr>
           <p:spPr>
             <a:xfrm>
-              <a:off x="2734283" y="3560666"/>
+              <a:off x="2722081" y="3560666"/>
               <a:ext cx="66150" cy="66150"/>
             </a:xfrm>
             <a:prstGeom prst="ellipse">
@@ -7038,7 +7038,7 @@
           </p:nvSpPr>
           <p:spPr>
             <a:xfrm>
-              <a:off x="7064485" y="3874770"/>
+              <a:off x="7058215" y="3874770"/>
               <a:ext cx="66150" cy="66150"/>
             </a:xfrm>
             <a:prstGeom prst="ellipse">
@@ -7073,7 +7073,7 @@
           </p:nvSpPr>
           <p:spPr>
             <a:xfrm>
-              <a:off x="6378513" y="3907834"/>
+              <a:off x="6371303" y="3907834"/>
               <a:ext cx="66150" cy="66150"/>
             </a:xfrm>
             <a:prstGeom prst="ellipse">
@@ -7108,7 +7108,7 @@
           </p:nvSpPr>
           <p:spPr>
             <a:xfrm>
-              <a:off x="4835074" y="3668122"/>
+              <a:off x="4825750" y="3668122"/>
               <a:ext cx="66150" cy="66150"/>
             </a:xfrm>
             <a:prstGeom prst="ellipse">
@@ -7143,7 +7143,7 @@
           </p:nvSpPr>
           <p:spPr>
             <a:xfrm>
-              <a:off x="4234848" y="3668122"/>
+              <a:off x="4224702" y="3668122"/>
               <a:ext cx="66150" cy="66150"/>
             </a:xfrm>
             <a:prstGeom prst="ellipse">
@@ -7178,7 +7178,7 @@
           </p:nvSpPr>
           <p:spPr>
             <a:xfrm>
-              <a:off x="3634622" y="3147371"/>
+              <a:off x="3623653" y="3147371"/>
               <a:ext cx="66150" cy="66150"/>
             </a:xfrm>
             <a:prstGeom prst="ellipse">
@@ -7213,7 +7213,7 @@
           </p:nvSpPr>
           <p:spPr>
             <a:xfrm>
-              <a:off x="4020482" y="3428411"/>
+              <a:off x="4010041" y="3428411"/>
               <a:ext cx="66150" cy="66150"/>
             </a:xfrm>
             <a:prstGeom prst="ellipse">
@@ -7248,7 +7248,7 @@
           </p:nvSpPr>
           <p:spPr>
             <a:xfrm>
-              <a:off x="3120142" y="3387082"/>
+              <a:off x="3108469" y="3387082"/>
               <a:ext cx="66150" cy="66150"/>
             </a:xfrm>
             <a:prstGeom prst="ellipse">
@@ -7283,7 +7283,7 @@
           </p:nvSpPr>
           <p:spPr>
             <a:xfrm>
-              <a:off x="1062224" y="2171994"/>
+              <a:off x="1047731" y="2171994"/>
               <a:ext cx="66150" cy="66150"/>
             </a:xfrm>
             <a:prstGeom prst="ellipse">
@@ -7318,7 +7318,7 @@
           </p:nvSpPr>
           <p:spPr>
             <a:xfrm>
-              <a:off x="1062224" y="2028167"/>
+              <a:off x="1047731" y="2028167"/>
               <a:ext cx="66150" cy="66150"/>
             </a:xfrm>
             <a:prstGeom prst="ellipse">
@@ -7353,7 +7353,7 @@
           </p:nvSpPr>
           <p:spPr>
             <a:xfrm>
-              <a:off x="2905776" y="2093468"/>
+              <a:off x="2893809" y="2093468"/>
               <a:ext cx="66150" cy="66150"/>
             </a:xfrm>
             <a:prstGeom prst="ellipse">
@@ -7388,7 +7388,7 @@
           </p:nvSpPr>
           <p:spPr>
             <a:xfrm>
-              <a:off x="10494349" y="4693094"/>
+              <a:off x="10492778" y="4693094"/>
               <a:ext cx="66150" cy="66150"/>
             </a:xfrm>
             <a:prstGeom prst="ellipse">
@@ -7423,7 +7423,7 @@
           </p:nvSpPr>
           <p:spPr>
             <a:xfrm>
-              <a:off x="9636883" y="5176650"/>
+              <a:off x="9634137" y="5176650"/>
               <a:ext cx="66150" cy="66150"/>
             </a:xfrm>
             <a:prstGeom prst="ellipse">
@@ -7458,7 +7458,7 @@
           </p:nvSpPr>
           <p:spPr>
             <a:xfrm>
-              <a:off x="11137448" y="4994800"/>
+              <a:off x="11136758" y="4994800"/>
               <a:ext cx="66150" cy="66150"/>
             </a:xfrm>
             <a:prstGeom prst="ellipse">
@@ -7493,7 +7493,7 @@
           </p:nvSpPr>
           <p:spPr>
             <a:xfrm>
-              <a:off x="5821160" y="4474048"/>
+              <a:off x="5813187" y="4474048"/>
               <a:ext cx="66150" cy="66150"/>
             </a:xfrm>
             <a:prstGeom prst="ellipse">
@@ -7528,7 +7528,7 @@
           </p:nvSpPr>
           <p:spPr>
             <a:xfrm>
-              <a:off x="3248762" y="3601995"/>
+              <a:off x="3237265" y="3601995"/>
               <a:ext cx="66150" cy="66150"/>
             </a:xfrm>
             <a:prstGeom prst="ellipse">
@@ -7563,7 +7563,7 @@
           </p:nvSpPr>
           <p:spPr>
             <a:xfrm>
-              <a:off x="3120142" y="3672255"/>
+              <a:off x="3108469" y="3672255"/>
               <a:ext cx="66150" cy="66150"/>
             </a:xfrm>
             <a:prstGeom prst="ellipse">
@@ -7598,7 +7598,7 @@
           </p:nvSpPr>
           <p:spPr>
             <a:xfrm>
-              <a:off x="2305550" y="3337486"/>
+              <a:off x="2292760" y="3337486"/>
               <a:ext cx="66150" cy="66150"/>
             </a:xfrm>
             <a:prstGeom prst="ellipse">
@@ -7633,7 +7633,7 @@
           </p:nvSpPr>
           <p:spPr>
             <a:xfrm>
-              <a:off x="4835074" y="3333353"/>
+              <a:off x="4825750" y="3333353"/>
               <a:ext cx="66150" cy="66150"/>
             </a:xfrm>
             <a:prstGeom prst="ellipse">
@@ -7668,7 +7668,7 @@
           </p:nvSpPr>
           <p:spPr>
             <a:xfrm>
-              <a:off x="8307811" y="4912141"/>
+              <a:off x="8303244" y="4912141"/>
               <a:ext cx="66150" cy="66150"/>
             </a:xfrm>
             <a:prstGeom prst="ellipse">
@@ -7703,7 +7703,7 @@
           </p:nvSpPr>
           <p:spPr>
             <a:xfrm>
-              <a:off x="7750458" y="4742690"/>
+              <a:off x="7745128" y="4742690"/>
               <a:ext cx="66150" cy="66150"/>
             </a:xfrm>
             <a:prstGeom prst="ellipse">
@@ -7738,7 +7738,7 @@
           </p:nvSpPr>
           <p:spPr>
             <a:xfrm>
-              <a:off x="9636883" y="5260962"/>
+              <a:off x="9634137" y="5260962"/>
               <a:ext cx="66150" cy="66150"/>
             </a:xfrm>
             <a:prstGeom prst="ellipse">
@@ -7773,7 +7773,7 @@
           </p:nvSpPr>
           <p:spPr>
             <a:xfrm>
-              <a:off x="3377382" y="3891302"/>
+              <a:off x="3366061" y="3891302"/>
               <a:ext cx="66150" cy="66150"/>
             </a:xfrm>
             <a:prstGeom prst="ellipse">
@@ -7808,7 +7808,7 @@
           </p:nvSpPr>
           <p:spPr>
             <a:xfrm>
-              <a:off x="5049441" y="4221938"/>
+              <a:off x="5040410" y="4221938"/>
               <a:ext cx="66150" cy="66150"/>
             </a:xfrm>
             <a:prstGeom prst="ellipse">
@@ -7843,7 +7843,7 @@
           </p:nvSpPr>
           <p:spPr>
             <a:xfrm>
-              <a:off x="3034396" y="3560666"/>
+              <a:off x="3022605" y="3560666"/>
               <a:ext cx="66150" cy="66150"/>
             </a:xfrm>
             <a:prstGeom prst="ellipse">
@@ -7878,7 +7878,7 @@
           </p:nvSpPr>
           <p:spPr>
             <a:xfrm>
-              <a:off x="5778287" y="4213672"/>
+              <a:off x="5770255" y="4213672"/>
               <a:ext cx="66150" cy="66150"/>
             </a:xfrm>
             <a:prstGeom prst="ellipse">
@@ -8097,18 +8097,18 @@
           </p:nvSpPr>
           <p:spPr>
             <a:xfrm>
-              <a:off x="591538" y="5455677"/>
-              <a:ext cx="11082746" cy="0"/>
+              <a:off x="576355" y="5455677"/>
+              <a:ext cx="11097929" cy="0"/>
             </a:xfrm>
             <a:custGeom>
               <a:avLst/>
               <a:pathLst>
-                <a:path w="11082746" h="0">
+                <a:path w="11097929" h="0">
                   <a:moveTo>
                     <a:pt x="0" y="0"/>
                   </a:moveTo>
                   <a:lnTo>
-                    <a:pt x="11082746" y="0"/>
+                    <a:pt x="11097929" y="0"/>
                   </a:lnTo>
                 </a:path>
               </a:pathLst>
@@ -8137,7 +8137,7 @@
           </p:nvSpPr>
           <p:spPr>
             <a:xfrm>
-              <a:off x="923806" y="5455677"/>
+              <a:off x="909078" y="5455677"/>
               <a:ext cx="0" cy="56936"/>
             </a:xfrm>
             <a:custGeom>
@@ -8177,7 +8177,7 @@
           </p:nvSpPr>
           <p:spPr>
             <a:xfrm>
-              <a:off x="3067471" y="5455677"/>
+              <a:off x="3055680" y="5455677"/>
               <a:ext cx="0" cy="56936"/>
             </a:xfrm>
             <a:custGeom>
@@ -8217,7 +8217,7 @@
           </p:nvSpPr>
           <p:spPr>
             <a:xfrm>
-              <a:off x="5211135" y="5455677"/>
+              <a:off x="5202281" y="5455677"/>
               <a:ext cx="0" cy="56936"/>
             </a:xfrm>
             <a:custGeom>
@@ -8257,7 +8257,7 @@
           </p:nvSpPr>
           <p:spPr>
             <a:xfrm>
-              <a:off x="7354800" y="5455677"/>
+              <a:off x="7348883" y="5455677"/>
               <a:ext cx="0" cy="56936"/>
             </a:xfrm>
             <a:custGeom>
@@ -8297,7 +8297,7 @@
           </p:nvSpPr>
           <p:spPr>
             <a:xfrm>
-              <a:off x="9498465" y="5455677"/>
+              <a:off x="9495484" y="5455677"/>
               <a:ext cx="0" cy="56936"/>
             </a:xfrm>
             <a:custGeom>
@@ -8337,7 +8337,7 @@
           </p:nvSpPr>
           <p:spPr>
             <a:xfrm>
-              <a:off x="11642130" y="5455677"/>
+              <a:off x="11642085" y="5455677"/>
               <a:ext cx="0" cy="56936"/>
             </a:xfrm>
             <a:custGeom>
@@ -8377,7 +8377,7 @@
           </p:nvSpPr>
           <p:spPr>
             <a:xfrm>
-              <a:off x="796670" y="5588305"/>
+              <a:off x="781942" y="5588305"/>
               <a:ext cx="254272" cy="164194"/>
             </a:xfrm>
             <a:prstGeom prst="rect">
@@ -8423,7 +8423,7 @@
           </p:nvSpPr>
           <p:spPr>
             <a:xfrm>
-              <a:off x="2940334" y="5589310"/>
+              <a:off x="2928543" y="5589310"/>
               <a:ext cx="254272" cy="163190"/>
             </a:xfrm>
             <a:prstGeom prst="rect">
@@ -8469,7 +8469,7 @@
           </p:nvSpPr>
           <p:spPr>
             <a:xfrm>
-              <a:off x="5083999" y="5587747"/>
+              <a:off x="5075145" y="5587747"/>
               <a:ext cx="254272" cy="164752"/>
             </a:xfrm>
             <a:prstGeom prst="rect">
@@ -8515,7 +8515,7 @@
           </p:nvSpPr>
           <p:spPr>
             <a:xfrm>
-              <a:off x="7227664" y="5588082"/>
+              <a:off x="7221746" y="5588082"/>
               <a:ext cx="254272" cy="164417"/>
             </a:xfrm>
             <a:prstGeom prst="rect">
@@ -8561,7 +8561,7 @@
           </p:nvSpPr>
           <p:spPr>
             <a:xfrm>
-              <a:off x="9371328" y="5588082"/>
+              <a:off x="9368348" y="5588082"/>
               <a:ext cx="254272" cy="164417"/>
             </a:xfrm>
             <a:prstGeom prst="rect">
@@ -8607,7 +8607,7 @@
           </p:nvSpPr>
           <p:spPr>
             <a:xfrm>
-              <a:off x="11514993" y="5588082"/>
+              <a:off x="11514949" y="5588082"/>
               <a:ext cx="254272" cy="164417"/>
             </a:xfrm>
             <a:prstGeom prst="rect">
@@ -8653,7 +8653,7 @@
           </p:nvSpPr>
           <p:spPr>
             <a:xfrm>
-              <a:off x="5910562" y="5850959"/>
+              <a:off x="5902971" y="5850959"/>
               <a:ext cx="444698" cy="173012"/>
             </a:xfrm>
             <a:prstGeom prst="rect">

--- a/tests/testthat/multi_slide_fullslide.pptx
+++ b/tests/testthat/multi_slide_fullslide.pptx
@@ -3489,8 +3489,8 @@
           </p:nvSpPr>
           <p:spPr>
             <a:xfrm>
-              <a:off x="793905" y="1877752"/>
-              <a:ext cx="10920518" cy="3812069"/>
+              <a:off x="793972" y="1877752"/>
+              <a:ext cx="10920451" cy="3812052"/>
             </a:xfrm>
             <a:prstGeom prst="rect">
               <a:avLst/>
@@ -3515,21 +3515,21 @@
           </p:nvSpPr>
           <p:spPr>
             <a:xfrm>
-              <a:off x="793905" y="5206861"/>
-              <a:ext cx="10920518" cy="0"/>
+              <a:off x="793972" y="5206846"/>
+              <a:ext cx="10920451" cy="0"/>
             </a:xfrm>
             <a:custGeom>
               <a:avLst/>
               <a:pathLst>
-                <a:path w="10920518" h="0">
+                <a:path w="10920451" h="0">
                   <a:moveTo>
                     <a:pt x="0" y="0"/>
                   </a:moveTo>
                   <a:lnTo>
-                    <a:pt x="10920518" y="0"/>
+                    <a:pt x="10920451" y="0"/>
                   </a:lnTo>
                   <a:lnTo>
-                    <a:pt x="10920518" y="0"/>
+                    <a:pt x="10920451" y="0"/>
                   </a:lnTo>
                 </a:path>
               </a:pathLst>
@@ -3558,21 +3558,21 @@
           </p:nvSpPr>
           <p:spPr>
             <a:xfrm>
-              <a:off x="793905" y="4469517"/>
-              <a:ext cx="10920518" cy="0"/>
+              <a:off x="793972" y="4469505"/>
+              <a:ext cx="10920451" cy="0"/>
             </a:xfrm>
             <a:custGeom>
               <a:avLst/>
               <a:pathLst>
-                <a:path w="10920518" h="0">
+                <a:path w="10920451" h="0">
                   <a:moveTo>
                     <a:pt x="0" y="0"/>
                   </a:moveTo>
                   <a:lnTo>
-                    <a:pt x="10920518" y="0"/>
+                    <a:pt x="10920451" y="0"/>
                   </a:lnTo>
                   <a:lnTo>
-                    <a:pt x="10920518" y="0"/>
+                    <a:pt x="10920451" y="0"/>
                   </a:lnTo>
                 </a:path>
               </a:pathLst>
@@ -3601,21 +3601,21 @@
           </p:nvSpPr>
           <p:spPr>
             <a:xfrm>
-              <a:off x="793905" y="3732172"/>
-              <a:ext cx="10920518" cy="0"/>
+              <a:off x="793972" y="3732164"/>
+              <a:ext cx="10920451" cy="0"/>
             </a:xfrm>
             <a:custGeom>
               <a:avLst/>
               <a:pathLst>
-                <a:path w="10920518" h="0">
+                <a:path w="10920451" h="0">
                   <a:moveTo>
                     <a:pt x="0" y="0"/>
                   </a:moveTo>
                   <a:lnTo>
-                    <a:pt x="10920518" y="0"/>
+                    <a:pt x="10920451" y="0"/>
                   </a:lnTo>
                   <a:lnTo>
-                    <a:pt x="10920518" y="0"/>
+                    <a:pt x="10920451" y="0"/>
                   </a:lnTo>
                 </a:path>
               </a:pathLst>
@@ -3644,21 +3644,21 @@
           </p:nvSpPr>
           <p:spPr>
             <a:xfrm>
-              <a:off x="793905" y="2994828"/>
-              <a:ext cx="10920518" cy="0"/>
+              <a:off x="793972" y="2994823"/>
+              <a:ext cx="10920451" cy="0"/>
             </a:xfrm>
             <a:custGeom>
               <a:avLst/>
               <a:pathLst>
-                <a:path w="10920518" h="0">
+                <a:path w="10920451" h="0">
                   <a:moveTo>
                     <a:pt x="0" y="0"/>
                   </a:moveTo>
                   <a:lnTo>
-                    <a:pt x="10920518" y="0"/>
+                    <a:pt x="10920451" y="0"/>
                   </a:lnTo>
                   <a:lnTo>
-                    <a:pt x="10920518" y="0"/>
+                    <a:pt x="10920451" y="0"/>
                   </a:lnTo>
                 </a:path>
               </a:pathLst>
@@ -3687,21 +3687,21 @@
           </p:nvSpPr>
           <p:spPr>
             <a:xfrm>
-              <a:off x="793905" y="2257484"/>
-              <a:ext cx="10920518" cy="0"/>
+              <a:off x="793972" y="2257482"/>
+              <a:ext cx="10920451" cy="0"/>
             </a:xfrm>
             <a:custGeom>
               <a:avLst/>
               <a:pathLst>
-                <a:path w="10920518" h="0">
+                <a:path w="10920451" h="0">
                   <a:moveTo>
                     <a:pt x="0" y="0"/>
                   </a:moveTo>
                   <a:lnTo>
-                    <a:pt x="10920518" y="0"/>
+                    <a:pt x="10920451" y="0"/>
                   </a:lnTo>
                   <a:lnTo>
-                    <a:pt x="10920518" y="0"/>
+                    <a:pt x="10920451" y="0"/>
                   </a:lnTo>
                 </a:path>
               </a:pathLst>
@@ -3730,15 +3730,15 @@
           </p:nvSpPr>
           <p:spPr>
             <a:xfrm>
-              <a:off x="1257292" y="1877752"/>
-              <a:ext cx="0" cy="3812069"/>
+              <a:off x="1257357" y="1877752"/>
+              <a:ext cx="0" cy="3812052"/>
             </a:xfrm>
             <a:custGeom>
               <a:avLst/>
               <a:pathLst>
-                <a:path w="0" h="3812069">
+                <a:path w="0" h="3812052">
                   <a:moveTo>
-                    <a:pt x="0" y="3812069"/>
+                    <a:pt x="0" y="3812052"/>
                   </a:moveTo>
                   <a:lnTo>
                     <a:pt x="0" y="0"/>
@@ -3773,15 +3773,15 @@
           </p:nvSpPr>
           <p:spPr>
             <a:xfrm>
-              <a:off x="3795708" y="1877752"/>
-              <a:ext cx="0" cy="3812069"/>
+              <a:off x="3795757" y="1877752"/>
+              <a:ext cx="0" cy="3812052"/>
             </a:xfrm>
             <a:custGeom>
               <a:avLst/>
               <a:pathLst>
-                <a:path w="0" h="3812069">
+                <a:path w="0" h="3812052">
                   <a:moveTo>
-                    <a:pt x="0" y="3812069"/>
+                    <a:pt x="0" y="3812052"/>
                   </a:moveTo>
                   <a:lnTo>
                     <a:pt x="0" y="0"/>
@@ -3816,15 +3816,15 @@
           </p:nvSpPr>
           <p:spPr>
             <a:xfrm>
-              <a:off x="6334124" y="1877752"/>
-              <a:ext cx="0" cy="3812069"/>
+              <a:off x="6334157" y="1877752"/>
+              <a:ext cx="0" cy="3812052"/>
             </a:xfrm>
             <a:custGeom>
               <a:avLst/>
               <a:pathLst>
-                <a:path w="0" h="3812069">
+                <a:path w="0" h="3812052">
                   <a:moveTo>
-                    <a:pt x="0" y="3812069"/>
+                    <a:pt x="0" y="3812052"/>
                   </a:moveTo>
                   <a:lnTo>
                     <a:pt x="0" y="0"/>
@@ -3859,15 +3859,15 @@
           </p:nvSpPr>
           <p:spPr>
             <a:xfrm>
-              <a:off x="8872540" y="1877752"/>
-              <a:ext cx="0" cy="3812069"/>
+              <a:off x="8872557" y="1877752"/>
+              <a:ext cx="0" cy="3812052"/>
             </a:xfrm>
             <a:custGeom>
               <a:avLst/>
               <a:pathLst>
-                <a:path w="0" h="3812069">
+                <a:path w="0" h="3812052">
                   <a:moveTo>
-                    <a:pt x="0" y="3812069"/>
+                    <a:pt x="0" y="3812052"/>
                   </a:moveTo>
                   <a:lnTo>
                     <a:pt x="0" y="0"/>
@@ -3902,15 +3902,15 @@
           </p:nvSpPr>
           <p:spPr>
             <a:xfrm>
-              <a:off x="11410956" y="1877752"/>
-              <a:ext cx="0" cy="3812069"/>
+              <a:off x="11410958" y="1877752"/>
+              <a:ext cx="0" cy="3812052"/>
             </a:xfrm>
             <a:custGeom>
               <a:avLst/>
               <a:pathLst>
-                <a:path w="0" h="3812069">
+                <a:path w="0" h="3812052">
                   <a:moveTo>
-                    <a:pt x="0" y="3812069"/>
+                    <a:pt x="0" y="3812052"/>
                   </a:moveTo>
                   <a:lnTo>
                     <a:pt x="0" y="0"/>
@@ -3945,21 +3945,21 @@
           </p:nvSpPr>
           <p:spPr>
             <a:xfrm>
-              <a:off x="793905" y="5575533"/>
-              <a:ext cx="10920518" cy="0"/>
+              <a:off x="793972" y="5575516"/>
+              <a:ext cx="10920451" cy="0"/>
             </a:xfrm>
             <a:custGeom>
               <a:avLst/>
               <a:pathLst>
-                <a:path w="10920518" h="0">
+                <a:path w="10920451" h="0">
                   <a:moveTo>
                     <a:pt x="0" y="0"/>
                   </a:moveTo>
                   <a:lnTo>
-                    <a:pt x="10920518" y="0"/>
+                    <a:pt x="10920451" y="0"/>
                   </a:lnTo>
                   <a:lnTo>
-                    <a:pt x="10920518" y="0"/>
+                    <a:pt x="10920451" y="0"/>
                   </a:lnTo>
                 </a:path>
               </a:pathLst>
@@ -3988,21 +3988,21 @@
           </p:nvSpPr>
           <p:spPr>
             <a:xfrm>
-              <a:off x="793905" y="4838189"/>
-              <a:ext cx="10920518" cy="0"/>
+              <a:off x="793972" y="4838175"/>
+              <a:ext cx="10920451" cy="0"/>
             </a:xfrm>
             <a:custGeom>
               <a:avLst/>
               <a:pathLst>
-                <a:path w="10920518" h="0">
+                <a:path w="10920451" h="0">
                   <a:moveTo>
                     <a:pt x="0" y="0"/>
                   </a:moveTo>
                   <a:lnTo>
-                    <a:pt x="10920518" y="0"/>
+                    <a:pt x="10920451" y="0"/>
                   </a:lnTo>
                   <a:lnTo>
-                    <a:pt x="10920518" y="0"/>
+                    <a:pt x="10920451" y="0"/>
                   </a:lnTo>
                 </a:path>
               </a:pathLst>
@@ -4031,21 +4031,21 @@
           </p:nvSpPr>
           <p:spPr>
             <a:xfrm>
-              <a:off x="793905" y="4100845"/>
-              <a:ext cx="10920518" cy="0"/>
+              <a:off x="793972" y="4100834"/>
+              <a:ext cx="10920451" cy="0"/>
             </a:xfrm>
             <a:custGeom>
               <a:avLst/>
               <a:pathLst>
-                <a:path w="10920518" h="0">
+                <a:path w="10920451" h="0">
                   <a:moveTo>
                     <a:pt x="0" y="0"/>
                   </a:moveTo>
                   <a:lnTo>
-                    <a:pt x="10920518" y="0"/>
+                    <a:pt x="10920451" y="0"/>
                   </a:lnTo>
                   <a:lnTo>
-                    <a:pt x="10920518" y="0"/>
+                    <a:pt x="10920451" y="0"/>
                   </a:lnTo>
                 </a:path>
               </a:pathLst>
@@ -4074,21 +4074,21 @@
           </p:nvSpPr>
           <p:spPr>
             <a:xfrm>
-              <a:off x="793905" y="3363500"/>
-              <a:ext cx="10920518" cy="0"/>
+              <a:off x="793972" y="3363494"/>
+              <a:ext cx="10920451" cy="0"/>
             </a:xfrm>
             <a:custGeom>
               <a:avLst/>
               <a:pathLst>
-                <a:path w="10920518" h="0">
+                <a:path w="10920451" h="0">
                   <a:moveTo>
                     <a:pt x="0" y="0"/>
                   </a:moveTo>
                   <a:lnTo>
-                    <a:pt x="10920518" y="0"/>
+                    <a:pt x="10920451" y="0"/>
                   </a:lnTo>
                   <a:lnTo>
-                    <a:pt x="10920518" y="0"/>
+                    <a:pt x="10920451" y="0"/>
                   </a:lnTo>
                 </a:path>
               </a:pathLst>
@@ -4117,21 +4117,21 @@
           </p:nvSpPr>
           <p:spPr>
             <a:xfrm>
-              <a:off x="793905" y="2626156"/>
-              <a:ext cx="10920518" cy="0"/>
+              <a:off x="793972" y="2626153"/>
+              <a:ext cx="10920451" cy="0"/>
             </a:xfrm>
             <a:custGeom>
               <a:avLst/>
               <a:pathLst>
-                <a:path w="10920518" h="0">
+                <a:path w="10920451" h="0">
                   <a:moveTo>
                     <a:pt x="0" y="0"/>
                   </a:moveTo>
                   <a:lnTo>
-                    <a:pt x="10920518" y="0"/>
+                    <a:pt x="10920451" y="0"/>
                   </a:lnTo>
                   <a:lnTo>
-                    <a:pt x="10920518" y="0"/>
+                    <a:pt x="10920451" y="0"/>
                   </a:lnTo>
                 </a:path>
               </a:pathLst>
@@ -4160,21 +4160,21 @@
           </p:nvSpPr>
           <p:spPr>
             <a:xfrm>
-              <a:off x="793905" y="1888812"/>
-              <a:ext cx="10920518" cy="0"/>
+              <a:off x="793972" y="1888812"/>
+              <a:ext cx="10920451" cy="0"/>
             </a:xfrm>
             <a:custGeom>
               <a:avLst/>
               <a:pathLst>
-                <a:path w="10920518" h="0">
+                <a:path w="10920451" h="0">
                   <a:moveTo>
                     <a:pt x="0" y="0"/>
                   </a:moveTo>
                   <a:lnTo>
-                    <a:pt x="10920518" y="0"/>
+                    <a:pt x="10920451" y="0"/>
                   </a:lnTo>
                   <a:lnTo>
-                    <a:pt x="10920518" y="0"/>
+                    <a:pt x="10920451" y="0"/>
                   </a:lnTo>
                 </a:path>
               </a:pathLst>
@@ -4203,15 +4203,15 @@
           </p:nvSpPr>
           <p:spPr>
             <a:xfrm>
-              <a:off x="2526500" y="1877752"/>
-              <a:ext cx="0" cy="3812069"/>
+              <a:off x="2526557" y="1877752"/>
+              <a:ext cx="0" cy="3812052"/>
             </a:xfrm>
             <a:custGeom>
               <a:avLst/>
               <a:pathLst>
-                <a:path w="0" h="3812069">
+                <a:path w="0" h="3812052">
                   <a:moveTo>
-                    <a:pt x="0" y="3812069"/>
+                    <a:pt x="0" y="3812052"/>
                   </a:moveTo>
                   <a:lnTo>
                     <a:pt x="0" y="0"/>
@@ -4246,15 +4246,15 @@
           </p:nvSpPr>
           <p:spPr>
             <a:xfrm>
-              <a:off x="5064916" y="1877752"/>
-              <a:ext cx="0" cy="3812069"/>
+              <a:off x="5064957" y="1877752"/>
+              <a:ext cx="0" cy="3812052"/>
             </a:xfrm>
             <a:custGeom>
               <a:avLst/>
               <a:pathLst>
-                <a:path w="0" h="3812069">
+                <a:path w="0" h="3812052">
                   <a:moveTo>
-                    <a:pt x="0" y="3812069"/>
+                    <a:pt x="0" y="3812052"/>
                   </a:moveTo>
                   <a:lnTo>
                     <a:pt x="0" y="0"/>
@@ -4289,15 +4289,15 @@
           </p:nvSpPr>
           <p:spPr>
             <a:xfrm>
-              <a:off x="7603332" y="1877752"/>
-              <a:ext cx="0" cy="3812069"/>
+              <a:off x="7603357" y="1877752"/>
+              <a:ext cx="0" cy="3812052"/>
             </a:xfrm>
             <a:custGeom>
               <a:avLst/>
               <a:pathLst>
-                <a:path w="0" h="3812069">
+                <a:path w="0" h="3812052">
                   <a:moveTo>
-                    <a:pt x="0" y="3812069"/>
+                    <a:pt x="0" y="3812052"/>
                   </a:moveTo>
                   <a:lnTo>
                     <a:pt x="0" y="0"/>
@@ -4332,15 +4332,15 @@
           </p:nvSpPr>
           <p:spPr>
             <a:xfrm>
-              <a:off x="10141748" y="1877752"/>
-              <a:ext cx="0" cy="3812069"/>
+              <a:off x="10141758" y="1877752"/>
+              <a:ext cx="0" cy="3812052"/>
             </a:xfrm>
             <a:custGeom>
               <a:avLst/>
               <a:pathLst>
-                <a:path w="0" h="3812069">
+                <a:path w="0" h="3812052">
                   <a:moveTo>
-                    <a:pt x="0" y="3812069"/>
+                    <a:pt x="0" y="3812052"/>
                   </a:moveTo>
                   <a:lnTo>
                     <a:pt x="0" y="0"/>
@@ -4375,7 +4375,7 @@
           </p:nvSpPr>
           <p:spPr>
             <a:xfrm>
-              <a:off x="4067243" y="3920301"/>
+              <a:off x="4067290" y="3920291"/>
               <a:ext cx="66150" cy="66150"/>
             </a:xfrm>
             <a:prstGeom prst="ellipse">
@@ -4410,7 +4410,7 @@
           </p:nvSpPr>
           <p:spPr>
             <a:xfrm>
-              <a:off x="4714539" y="3920301"/>
+              <a:off x="4714582" y="3920291"/>
               <a:ext cx="66150" cy="66150"/>
             </a:xfrm>
             <a:prstGeom prst="ellipse">
@@ -4445,7 +4445,7 @@
           </p:nvSpPr>
           <p:spPr>
             <a:xfrm>
-              <a:off x="3305718" y="3654857"/>
+              <a:off x="3305770" y="3654849"/>
               <a:ext cx="66150" cy="66150"/>
             </a:xfrm>
             <a:prstGeom prst="ellipse">
@@ -4480,7 +4480,7 @@
           </p:nvSpPr>
           <p:spPr>
             <a:xfrm>
-              <a:off x="5577601" y="3861313"/>
+              <a:off x="5577638" y="3861304"/>
               <a:ext cx="66150" cy="66150"/>
             </a:xfrm>
             <a:prstGeom prst="ellipse">
@@ -4515,7 +4515,7 @@
           </p:nvSpPr>
           <p:spPr>
             <a:xfrm>
-              <a:off x="6148744" y="4259479"/>
+              <a:off x="6148778" y="4259468"/>
               <a:ext cx="66150" cy="66150"/>
             </a:xfrm>
             <a:prstGeom prst="ellipse">
@@ -4550,7 +4550,7 @@
           </p:nvSpPr>
           <p:spPr>
             <a:xfrm>
-              <a:off x="6199512" y="4347960"/>
+              <a:off x="6199546" y="4347949"/>
               <a:ext cx="66150" cy="66150"/>
             </a:xfrm>
             <a:prstGeom prst="ellipse">
@@ -4585,7 +4585,7 @@
           </p:nvSpPr>
           <p:spPr>
             <a:xfrm>
-              <a:off x="6478738" y="4908342"/>
+              <a:off x="6478770" y="4908328"/>
               <a:ext cx="66150" cy="66150"/>
             </a:xfrm>
             <a:prstGeom prst="ellipse">
@@ -4620,7 +4620,7 @@
           </p:nvSpPr>
           <p:spPr>
             <a:xfrm>
-              <a:off x="5514140" y="3418907"/>
+              <a:off x="5514178" y="3418899"/>
               <a:ext cx="66150" cy="66150"/>
             </a:xfrm>
             <a:prstGeom prst="ellipse">
@@ -4655,7 +4655,7 @@
           </p:nvSpPr>
           <p:spPr>
             <a:xfrm>
-              <a:off x="5412604" y="3654857"/>
+              <a:off x="5412642" y="3654849"/>
               <a:ext cx="66150" cy="66150"/>
             </a:xfrm>
             <a:prstGeom prst="ellipse">
@@ -4690,7 +4690,7 @@
           </p:nvSpPr>
           <p:spPr>
             <a:xfrm>
-              <a:off x="6148744" y="4185745"/>
+              <a:off x="6148778" y="4185734"/>
               <a:ext cx="66150" cy="66150"/>
             </a:xfrm>
             <a:prstGeom prst="ellipse">
@@ -4725,7 +4725,7 @@
           </p:nvSpPr>
           <p:spPr>
             <a:xfrm>
-              <a:off x="6148744" y="4392201"/>
+              <a:off x="6148778" y="4392189"/>
               <a:ext cx="66150" cy="66150"/>
             </a:xfrm>
             <a:prstGeom prst="ellipse">
@@ -4760,7 +4760,7 @@
           </p:nvSpPr>
           <p:spPr>
             <a:xfrm>
-              <a:off x="7747946" y="4598657"/>
+              <a:off x="7747970" y="4598645"/>
               <a:ext cx="66150" cy="66150"/>
             </a:xfrm>
             <a:prstGeom prst="ellipse">
@@ -4795,7 +4795,7 @@
           </p:nvSpPr>
           <p:spPr>
             <a:xfrm>
-              <a:off x="6884885" y="4465935"/>
+              <a:off x="6884914" y="4465924"/>
               <a:ext cx="66150" cy="66150"/>
             </a:xfrm>
             <a:prstGeom prst="ellipse">
@@ -4830,7 +4830,7 @@
           </p:nvSpPr>
           <p:spPr>
             <a:xfrm>
-              <a:off x="7011806" y="4775620"/>
+              <a:off x="7011834" y="4775607"/>
               <a:ext cx="66150" cy="66150"/>
             </a:xfrm>
             <a:prstGeom prst="ellipse">
@@ -4865,7 +4865,7 @@
           </p:nvSpPr>
           <p:spPr>
             <a:xfrm>
-              <a:off x="10743277" y="5483471"/>
+              <a:off x="10743283" y="5483454"/>
               <a:ext cx="66150" cy="66150"/>
             </a:xfrm>
             <a:prstGeom prst="ellipse">
@@ -4900,7 +4900,7 @@
           </p:nvSpPr>
           <p:spPr>
             <a:xfrm>
-              <a:off x="11184961" y="5483471"/>
+              <a:off x="11184964" y="5483454"/>
               <a:ext cx="66150" cy="66150"/>
             </a:xfrm>
             <a:prstGeom prst="ellipse">
@@ -4935,7 +4935,7 @@
           </p:nvSpPr>
           <p:spPr>
             <a:xfrm>
-              <a:off x="10984426" y="4849354"/>
+              <a:off x="10984431" y="4849341"/>
               <a:ext cx="66150" cy="66150"/>
             </a:xfrm>
             <a:prstGeom prst="ellipse">
@@ -4970,7 +4970,7 @@
           </p:nvSpPr>
           <p:spPr>
             <a:xfrm>
-              <a:off x="3001108" y="2239156"/>
+              <a:off x="3001162" y="2239154"/>
               <a:ext cx="66150" cy="66150"/>
             </a:xfrm>
             <a:prstGeom prst="ellipse">
@@ -5005,7 +5005,7 @@
           </p:nvSpPr>
           <p:spPr>
             <a:xfrm>
-              <a:off x="1516135" y="2534093"/>
+              <a:off x="1516198" y="2534090"/>
               <a:ext cx="66150" cy="66150"/>
             </a:xfrm>
             <a:prstGeom prst="ellipse">
@@ -5040,7 +5040,7 @@
           </p:nvSpPr>
           <p:spPr>
             <a:xfrm>
-              <a:off x="2074587" y="2017952"/>
+              <a:off x="2074646" y="2017952"/>
               <a:ext cx="66150" cy="66150"/>
             </a:xfrm>
             <a:prstGeom prst="ellipse">
@@ -5075,7 +5075,7 @@
           </p:nvSpPr>
           <p:spPr>
             <a:xfrm>
-              <a:off x="3673789" y="3846566"/>
+              <a:off x="3673838" y="3846557"/>
               <a:ext cx="66150" cy="66150"/>
             </a:xfrm>
             <a:prstGeom prst="ellipse">
@@ -5110,7 +5110,7 @@
           </p:nvSpPr>
           <p:spPr>
             <a:xfrm>
-              <a:off x="6351817" y="4731379"/>
+              <a:off x="6351850" y="4731366"/>
               <a:ext cx="66150" cy="66150"/>
             </a:xfrm>
             <a:prstGeom prst="ellipse">
@@ -5145,7 +5145,7 @@
           </p:nvSpPr>
           <p:spPr>
             <a:xfrm>
-              <a:off x="6136052" y="4775620"/>
+              <a:off x="6136086" y="4775607"/>
               <a:ext cx="66150" cy="66150"/>
             </a:xfrm>
             <a:prstGeom prst="ellipse">
@@ -5180,7 +5180,7 @@
           </p:nvSpPr>
           <p:spPr>
             <a:xfrm>
-              <a:off x="7164110" y="5055811"/>
+              <a:off x="7164138" y="5055796"/>
               <a:ext cx="66150" cy="66150"/>
             </a:xfrm>
             <a:prstGeom prst="ellipse">
@@ -5215,7 +5215,7 @@
           </p:nvSpPr>
           <p:spPr>
             <a:xfrm>
-              <a:off x="7176803" y="4185745"/>
+              <a:off x="7176830" y="4185734"/>
               <a:ext cx="66150" cy="66150"/>
             </a:xfrm>
             <a:prstGeom prst="ellipse">
@@ -5250,7 +5250,7 @@
           </p:nvSpPr>
           <p:spPr>
             <a:xfrm>
-              <a:off x="2328428" y="2991247"/>
+              <a:off x="2328486" y="2991242"/>
               <a:ext cx="66150" cy="66150"/>
             </a:xfrm>
             <a:prstGeom prst="ellipse">
@@ -5285,7 +5285,7 @@
           </p:nvSpPr>
           <p:spPr>
             <a:xfrm>
-              <a:off x="2848804" y="3182956"/>
+              <a:off x="2848858" y="3182950"/>
               <a:ext cx="66150" cy="66150"/>
             </a:xfrm>
             <a:prstGeom prst="ellipse">
@@ -5320,7 +5320,7 @@
           </p:nvSpPr>
           <p:spPr>
             <a:xfrm>
-              <a:off x="1257217" y="2534093"/>
+              <a:off x="1257281" y="2534090"/>
               <a:ext cx="66150" cy="66150"/>
             </a:xfrm>
             <a:prstGeom prst="ellipse">
@@ -5355,7 +5355,7 @@
           </p:nvSpPr>
           <p:spPr>
             <a:xfrm>
-              <a:off x="5463372" y="4687139"/>
+              <a:off x="5463410" y="4687126"/>
               <a:ext cx="66150" cy="66150"/>
             </a:xfrm>
             <a:prstGeom prst="ellipse">
@@ -5390,7 +5390,7 @@
           </p:nvSpPr>
           <p:spPr>
             <a:xfrm>
-              <a:off x="4448006" y="4112010"/>
+              <a:off x="4448050" y="4112000"/>
               <a:ext cx="66150" cy="66150"/>
             </a:xfrm>
             <a:prstGeom prst="ellipse">
@@ -5425,7 +5425,7 @@
           </p:nvSpPr>
           <p:spPr>
             <a:xfrm>
-              <a:off x="6478738" y="4805114"/>
+              <a:off x="6478770" y="4805100"/>
               <a:ext cx="66150" cy="66150"/>
             </a:xfrm>
             <a:prstGeom prst="ellipse">
@@ -5460,7 +5460,7 @@
           </p:nvSpPr>
           <p:spPr>
             <a:xfrm>
-              <a:off x="4473390" y="3861313"/>
+              <a:off x="4473434" y="3861304"/>
               <a:ext cx="66150" cy="66150"/>
             </a:xfrm>
             <a:prstGeom prst="ellipse">
@@ -5495,8 +5495,8 @@
           </p:nvSpPr>
           <p:spPr>
             <a:xfrm>
-              <a:off x="606963" y="5535342"/>
-              <a:ext cx="124311" cy="80272"/>
+              <a:off x="606983" y="5535466"/>
+              <a:ext cx="124358" cy="80101"/>
             </a:xfrm>
             <a:prstGeom prst="rect">
               <a:avLst/>
@@ -5541,8 +5541,8 @@
           </p:nvSpPr>
           <p:spPr>
             <a:xfrm>
-              <a:off x="606963" y="4798489"/>
-              <a:ext cx="124311" cy="79781"/>
+              <a:off x="606983" y="4798125"/>
+              <a:ext cx="124358" cy="80101"/>
             </a:xfrm>
             <a:prstGeom prst="rect">
               <a:avLst/>
@@ -5587,8 +5587,8 @@
           </p:nvSpPr>
           <p:spPr>
             <a:xfrm>
-              <a:off x="606963" y="4060381"/>
-              <a:ext cx="124311" cy="80545"/>
+              <a:off x="606983" y="4060784"/>
+              <a:ext cx="124358" cy="80101"/>
             </a:xfrm>
             <a:prstGeom prst="rect">
               <a:avLst/>
@@ -5633,8 +5633,8 @@
           </p:nvSpPr>
           <p:spPr>
             <a:xfrm>
-              <a:off x="606963" y="3323200"/>
-              <a:ext cx="124311" cy="80382"/>
+              <a:off x="606983" y="3323443"/>
+              <a:ext cx="124358" cy="80101"/>
             </a:xfrm>
             <a:prstGeom prst="rect">
               <a:avLst/>
@@ -5679,8 +5679,8 @@
           </p:nvSpPr>
           <p:spPr>
             <a:xfrm>
-              <a:off x="606963" y="2585856"/>
-              <a:ext cx="124311" cy="80382"/>
+              <a:off x="606983" y="2586102"/>
+              <a:ext cx="124358" cy="80101"/>
             </a:xfrm>
             <a:prstGeom prst="rect">
               <a:avLst/>
@@ -5725,8 +5725,8 @@
           </p:nvSpPr>
           <p:spPr>
             <a:xfrm>
-              <a:off x="606963" y="1848512"/>
-              <a:ext cx="124311" cy="80382"/>
+              <a:off x="606983" y="1848761"/>
+              <a:ext cx="124358" cy="80101"/>
             </a:xfrm>
             <a:prstGeom prst="rect">
               <a:avLst/>
@@ -5771,7 +5771,7 @@
           </p:nvSpPr>
           <p:spPr>
             <a:xfrm>
-              <a:off x="759110" y="5575533"/>
+              <a:off x="759177" y="5575516"/>
               <a:ext cx="34794" cy="0"/>
             </a:xfrm>
             <a:custGeom>
@@ -5811,7 +5811,7 @@
           </p:nvSpPr>
           <p:spPr>
             <a:xfrm>
-              <a:off x="759110" y="4838189"/>
+              <a:off x="759177" y="4838175"/>
               <a:ext cx="34794" cy="0"/>
             </a:xfrm>
             <a:custGeom>
@@ -5851,7 +5851,7 @@
           </p:nvSpPr>
           <p:spPr>
             <a:xfrm>
-              <a:off x="759110" y="4100845"/>
+              <a:off x="759177" y="4100834"/>
               <a:ext cx="34794" cy="0"/>
             </a:xfrm>
             <a:custGeom>
@@ -5891,7 +5891,7 @@
           </p:nvSpPr>
           <p:spPr>
             <a:xfrm>
-              <a:off x="759110" y="3363500"/>
+              <a:off x="759177" y="3363494"/>
               <a:ext cx="34794" cy="0"/>
             </a:xfrm>
             <a:custGeom>
@@ -5931,7 +5931,7 @@
           </p:nvSpPr>
           <p:spPr>
             <a:xfrm>
-              <a:off x="759110" y="2626156"/>
+              <a:off x="759177" y="2626153"/>
               <a:ext cx="34794" cy="0"/>
             </a:xfrm>
             <a:custGeom>
@@ -5971,7 +5971,7 @@
           </p:nvSpPr>
           <p:spPr>
             <a:xfrm>
-              <a:off x="759110" y="1888812"/>
+              <a:off x="759177" y="1888812"/>
               <a:ext cx="34794" cy="0"/>
             </a:xfrm>
             <a:custGeom>
@@ -6011,7 +6011,7 @@
           </p:nvSpPr>
           <p:spPr>
             <a:xfrm>
-              <a:off x="2526500" y="5689821"/>
+              <a:off x="2526557" y="5689804"/>
               <a:ext cx="0" cy="34794"/>
             </a:xfrm>
             <a:custGeom>
@@ -6051,7 +6051,7 @@
           </p:nvSpPr>
           <p:spPr>
             <a:xfrm>
-              <a:off x="5064916" y="5689821"/>
+              <a:off x="5064957" y="5689804"/>
               <a:ext cx="0" cy="34794"/>
             </a:xfrm>
             <a:custGeom>
@@ -6091,7 +6091,7 @@
           </p:nvSpPr>
           <p:spPr>
             <a:xfrm>
-              <a:off x="7603332" y="5689821"/>
+              <a:off x="7603357" y="5689804"/>
               <a:ext cx="0" cy="34794"/>
             </a:xfrm>
             <a:custGeom>
@@ -6131,7 +6131,7 @@
           </p:nvSpPr>
           <p:spPr>
             <a:xfrm>
-              <a:off x="10141748" y="5689821"/>
+              <a:off x="10141758" y="5689804"/>
               <a:ext cx="0" cy="34794"/>
             </a:xfrm>
             <a:custGeom>
@@ -6171,8 +6171,8 @@
           </p:nvSpPr>
           <p:spPr>
             <a:xfrm>
-              <a:off x="2495423" y="5754198"/>
-              <a:ext cx="62155" cy="78417"/>
+              <a:off x="2495467" y="5752434"/>
+              <a:ext cx="62179" cy="80101"/>
             </a:xfrm>
             <a:prstGeom prst="rect">
               <a:avLst/>
@@ -6217,8 +6217,8 @@
           </p:nvSpPr>
           <p:spPr>
             <a:xfrm>
-              <a:off x="5033838" y="5752233"/>
-              <a:ext cx="62155" cy="80382"/>
+              <a:off x="5033867" y="5752434"/>
+              <a:ext cx="62179" cy="80101"/>
             </a:xfrm>
             <a:prstGeom prst="rect">
               <a:avLst/>
@@ -6263,8 +6263,8 @@
           </p:nvSpPr>
           <p:spPr>
             <a:xfrm>
-              <a:off x="7572254" y="5754252"/>
-              <a:ext cx="62155" cy="78362"/>
+              <a:off x="7572268" y="5752434"/>
+              <a:ext cx="62179" cy="80101"/>
             </a:xfrm>
             <a:prstGeom prst="rect">
               <a:avLst/>
@@ -6309,8 +6309,8 @@
           </p:nvSpPr>
           <p:spPr>
             <a:xfrm>
-              <a:off x="10110670" y="5753816"/>
-              <a:ext cx="62155" cy="78799"/>
+              <a:off x="10110668" y="5752434"/>
+              <a:ext cx="62179" cy="80101"/>
             </a:xfrm>
             <a:prstGeom prst="rect">
               <a:avLst/>
@@ -6355,8 +6355,8 @@
           </p:nvSpPr>
           <p:spPr>
             <a:xfrm>
-              <a:off x="6184314" y="5897724"/>
-              <a:ext cx="139700" cy="94611"/>
+              <a:off x="6184383" y="5892110"/>
+              <a:ext cx="139628" cy="100218"/>
             </a:xfrm>
             <a:prstGeom prst="rect">
               <a:avLst/>
@@ -6401,8 +6401,8 @@
           </p:nvSpPr>
           <p:spPr>
             <a:xfrm rot="-5400000">
-              <a:off x="352523" y="3730922"/>
-              <a:ext cx="271760" cy="105729"/>
+              <a:off x="355247" y="3733669"/>
+              <a:ext cx="271851" cy="100218"/>
             </a:xfrm>
             <a:prstGeom prst="rect">
               <a:avLst/>
@@ -6595,8 +6595,8 @@
           </p:nvSpPr>
           <p:spPr>
             <a:xfrm>
-              <a:off x="576355" y="1899602"/>
-              <a:ext cx="11097929" cy="3556074"/>
+              <a:off x="576320" y="1899602"/>
+              <a:ext cx="11097964" cy="3556109"/>
             </a:xfrm>
             <a:prstGeom prst="rect">
               <a:avLst/>
@@ -6621,21 +6621,21 @@
           </p:nvSpPr>
           <p:spPr>
             <a:xfrm>
-              <a:off x="576355" y="4891487"/>
-              <a:ext cx="11097929" cy="0"/>
+              <a:off x="576320" y="4891517"/>
+              <a:ext cx="11097964" cy="0"/>
             </a:xfrm>
             <a:custGeom>
               <a:avLst/>
               <a:pathLst>
-                <a:path w="11097929" h="0">
+                <a:path w="11097964" h="0">
                   <a:moveTo>
                     <a:pt x="0" y="0"/>
                   </a:moveTo>
                   <a:lnTo>
-                    <a:pt x="11097929" y="0"/>
+                    <a:pt x="11097964" y="0"/>
                   </a:lnTo>
                   <a:lnTo>
-                    <a:pt x="11097929" y="0"/>
+                    <a:pt x="11097964" y="0"/>
                   </a:lnTo>
                 </a:path>
               </a:pathLst>
@@ -6664,21 +6664,21 @@
           </p:nvSpPr>
           <p:spPr>
             <a:xfrm>
-              <a:off x="576355" y="4064897"/>
-              <a:ext cx="11097929" cy="0"/>
+              <a:off x="576320" y="4064918"/>
+              <a:ext cx="11097964" cy="0"/>
             </a:xfrm>
             <a:custGeom>
               <a:avLst/>
               <a:pathLst>
-                <a:path w="11097929" h="0">
+                <a:path w="11097964" h="0">
                   <a:moveTo>
                     <a:pt x="0" y="0"/>
                   </a:moveTo>
                   <a:lnTo>
-                    <a:pt x="11097929" y="0"/>
+                    <a:pt x="11097964" y="0"/>
                   </a:lnTo>
                   <a:lnTo>
-                    <a:pt x="11097929" y="0"/>
+                    <a:pt x="11097964" y="0"/>
                   </a:lnTo>
                 </a:path>
               </a:pathLst>
@@ -6707,21 +6707,21 @@
           </p:nvSpPr>
           <p:spPr>
             <a:xfrm>
-              <a:off x="576355" y="3238307"/>
-              <a:ext cx="11097929" cy="0"/>
+              <a:off x="576320" y="3238320"/>
+              <a:ext cx="11097964" cy="0"/>
             </a:xfrm>
             <a:custGeom>
               <a:avLst/>
               <a:pathLst>
-                <a:path w="11097929" h="0">
+                <a:path w="11097964" h="0">
                   <a:moveTo>
                     <a:pt x="0" y="0"/>
                   </a:moveTo>
                   <a:lnTo>
-                    <a:pt x="11097929" y="0"/>
+                    <a:pt x="11097964" y="0"/>
                   </a:lnTo>
                   <a:lnTo>
-                    <a:pt x="11097929" y="0"/>
+                    <a:pt x="11097964" y="0"/>
                   </a:lnTo>
                 </a:path>
               </a:pathLst>
@@ -6750,21 +6750,21 @@
           </p:nvSpPr>
           <p:spPr>
             <a:xfrm>
-              <a:off x="576355" y="2411717"/>
-              <a:ext cx="11097929" cy="0"/>
+              <a:off x="576320" y="2411722"/>
+              <a:ext cx="11097964" cy="0"/>
             </a:xfrm>
             <a:custGeom>
               <a:avLst/>
               <a:pathLst>
-                <a:path w="11097929" h="0">
+                <a:path w="11097964" h="0">
                   <a:moveTo>
                     <a:pt x="0" y="0"/>
                   </a:moveTo>
                   <a:lnTo>
-                    <a:pt x="11097929" y="0"/>
+                    <a:pt x="11097964" y="0"/>
                   </a:lnTo>
                   <a:lnTo>
-                    <a:pt x="11097929" y="0"/>
+                    <a:pt x="11097964" y="0"/>
                   </a:lnTo>
                 </a:path>
               </a:pathLst>
@@ -6793,7 +6793,7 @@
           </p:nvSpPr>
           <p:spPr>
             <a:xfrm>
-              <a:off x="5598526" y="4345926"/>
+              <a:off x="5598507" y="4345951"/>
               <a:ext cx="66150" cy="66150"/>
             </a:xfrm>
             <a:prstGeom prst="ellipse">
@@ -6828,7 +6828,7 @@
           </p:nvSpPr>
           <p:spPr>
             <a:xfrm>
-              <a:off x="5598526" y="4135146"/>
+              <a:off x="5598507" y="4135168"/>
               <a:ext cx="66150" cy="66150"/>
             </a:xfrm>
             <a:prstGeom prst="ellipse">
@@ -6863,7 +6863,7 @@
           </p:nvSpPr>
           <p:spPr>
             <a:xfrm>
-              <a:off x="6371303" y="4593904"/>
+              <a:off x="6371286" y="4593930"/>
               <a:ext cx="66150" cy="66150"/>
             </a:xfrm>
             <a:prstGeom prst="ellipse">
@@ -6898,7 +6898,7 @@
           </p:nvSpPr>
           <p:spPr>
             <a:xfrm>
-              <a:off x="5770255" y="3854105"/>
+              <a:off x="5770236" y="3854125"/>
               <a:ext cx="66150" cy="66150"/>
             </a:xfrm>
             <a:prstGeom prst="ellipse">
@@ -6933,7 +6933,7 @@
           </p:nvSpPr>
           <p:spPr>
             <a:xfrm>
-              <a:off x="4611090" y="3668122"/>
+              <a:off x="4611068" y="3668140"/>
               <a:ext cx="66150" cy="66150"/>
             </a:xfrm>
             <a:prstGeom prst="ellipse">
@@ -6968,7 +6968,7 @@
           </p:nvSpPr>
           <p:spPr>
             <a:xfrm>
-              <a:off x="4353498" y="3651591"/>
+              <a:off x="4353475" y="3651608"/>
               <a:ext cx="66150" cy="66150"/>
             </a:xfrm>
             <a:prstGeom prst="ellipse">
@@ -7003,7 +7003,7 @@
           </p:nvSpPr>
           <p:spPr>
             <a:xfrm>
-              <a:off x="2722081" y="3560666"/>
+              <a:off x="2722053" y="3560682"/>
               <a:ext cx="66150" cy="66150"/>
             </a:xfrm>
             <a:prstGeom prst="ellipse">
@@ -7038,7 +7038,7 @@
           </p:nvSpPr>
           <p:spPr>
             <a:xfrm>
-              <a:off x="7058215" y="3874770"/>
+              <a:off x="7058201" y="3874790"/>
               <a:ext cx="66150" cy="66150"/>
             </a:xfrm>
             <a:prstGeom prst="ellipse">
@@ -7073,7 +7073,7 @@
           </p:nvSpPr>
           <p:spPr>
             <a:xfrm>
-              <a:off x="6371303" y="3907834"/>
+              <a:off x="6371286" y="3907854"/>
               <a:ext cx="66150" cy="66150"/>
             </a:xfrm>
             <a:prstGeom prst="ellipse">
@@ -7108,7 +7108,7 @@
           </p:nvSpPr>
           <p:spPr>
             <a:xfrm>
-              <a:off x="4825750" y="3668122"/>
+              <a:off x="4825729" y="3668140"/>
               <a:ext cx="66150" cy="66150"/>
             </a:xfrm>
             <a:prstGeom prst="ellipse">
@@ -7143,7 +7143,7 @@
           </p:nvSpPr>
           <p:spPr>
             <a:xfrm>
-              <a:off x="4224702" y="3668122"/>
+              <a:off x="4224678" y="3668140"/>
               <a:ext cx="66150" cy="66150"/>
             </a:xfrm>
             <a:prstGeom prst="ellipse">
@@ -7178,7 +7178,7 @@
           </p:nvSpPr>
           <p:spPr>
             <a:xfrm>
-              <a:off x="3623653" y="3147371"/>
+              <a:off x="3623628" y="3147383"/>
               <a:ext cx="66150" cy="66150"/>
             </a:xfrm>
             <a:prstGeom prst="ellipse">
@@ -7213,7 +7213,7 @@
           </p:nvSpPr>
           <p:spPr>
             <a:xfrm>
-              <a:off x="4010041" y="3428411"/>
+              <a:off x="4010017" y="3428427"/>
               <a:ext cx="66150" cy="66150"/>
             </a:xfrm>
             <a:prstGeom prst="ellipse">
@@ -7248,7 +7248,7 @@
           </p:nvSpPr>
           <p:spPr>
             <a:xfrm>
-              <a:off x="3108469" y="3387082"/>
+              <a:off x="3108442" y="3387097"/>
               <a:ext cx="66150" cy="66150"/>
             </a:xfrm>
             <a:prstGeom prst="ellipse">
@@ -7283,7 +7283,7 @@
           </p:nvSpPr>
           <p:spPr>
             <a:xfrm>
-              <a:off x="1047731" y="2171994"/>
+              <a:off x="1047698" y="2171997"/>
               <a:ext cx="66150" cy="66150"/>
             </a:xfrm>
             <a:prstGeom prst="ellipse">
@@ -7318,7 +7318,7 @@
           </p:nvSpPr>
           <p:spPr>
             <a:xfrm>
-              <a:off x="1047731" y="2028167"/>
+              <a:off x="1047698" y="2028169"/>
               <a:ext cx="66150" cy="66150"/>
             </a:xfrm>
             <a:prstGeom prst="ellipse">
@@ -7353,7 +7353,7 @@
           </p:nvSpPr>
           <p:spPr>
             <a:xfrm>
-              <a:off x="2893809" y="2093468"/>
+              <a:off x="2893781" y="2093470"/>
               <a:ext cx="66150" cy="66150"/>
             </a:xfrm>
             <a:prstGeom prst="ellipse">
@@ -7388,7 +7388,7 @@
           </p:nvSpPr>
           <p:spPr>
             <a:xfrm>
-              <a:off x="10492778" y="4693094"/>
+              <a:off x="10492774" y="4693122"/>
               <a:ext cx="66150" cy="66150"/>
             </a:xfrm>
             <a:prstGeom prst="ellipse">
@@ -7423,7 +7423,7 @@
           </p:nvSpPr>
           <p:spPr>
             <a:xfrm>
-              <a:off x="9634137" y="5176650"/>
+              <a:off x="9634131" y="5176682"/>
               <a:ext cx="66150" cy="66150"/>
             </a:xfrm>
             <a:prstGeom prst="ellipse">
@@ -7458,7 +7458,7 @@
           </p:nvSpPr>
           <p:spPr>
             <a:xfrm>
-              <a:off x="11136758" y="4994800"/>
+              <a:off x="11136757" y="4994831"/>
               <a:ext cx="66150" cy="66150"/>
             </a:xfrm>
             <a:prstGeom prst="ellipse">
@@ -7493,7 +7493,7 @@
           </p:nvSpPr>
           <p:spPr>
             <a:xfrm>
-              <a:off x="5813187" y="4474048"/>
+              <a:off x="5813168" y="4474074"/>
               <a:ext cx="66150" cy="66150"/>
             </a:xfrm>
             <a:prstGeom prst="ellipse">
@@ -7528,7 +7528,7 @@
           </p:nvSpPr>
           <p:spPr>
             <a:xfrm>
-              <a:off x="3237265" y="3601995"/>
+              <a:off x="3237238" y="3602012"/>
               <a:ext cx="66150" cy="66150"/>
             </a:xfrm>
             <a:prstGeom prst="ellipse">
@@ -7563,7 +7563,7 @@
           </p:nvSpPr>
           <p:spPr>
             <a:xfrm>
-              <a:off x="3108469" y="3672255"/>
+              <a:off x="3108442" y="3672273"/>
               <a:ext cx="66150" cy="66150"/>
             </a:xfrm>
             <a:prstGeom prst="ellipse">
@@ -7598,7 +7598,7 @@
           </p:nvSpPr>
           <p:spPr>
             <a:xfrm>
-              <a:off x="2292760" y="3337486"/>
+              <a:off x="2292731" y="3337501"/>
               <a:ext cx="66150" cy="66150"/>
             </a:xfrm>
             <a:prstGeom prst="ellipse">
@@ -7633,7 +7633,7 @@
           </p:nvSpPr>
           <p:spPr>
             <a:xfrm>
-              <a:off x="4825750" y="3333353"/>
+              <a:off x="4825729" y="3333368"/>
               <a:ext cx="66150" cy="66150"/>
             </a:xfrm>
             <a:prstGeom prst="ellipse">
@@ -7668,7 +7668,7 @@
           </p:nvSpPr>
           <p:spPr>
             <a:xfrm>
-              <a:off x="8303244" y="4912141"/>
+              <a:off x="8303234" y="4912171"/>
               <a:ext cx="66150" cy="66150"/>
             </a:xfrm>
             <a:prstGeom prst="ellipse">
@@ -7703,7 +7703,7 @@
           </p:nvSpPr>
           <p:spPr>
             <a:xfrm>
-              <a:off x="7745128" y="4742690"/>
+              <a:off x="7745116" y="4742718"/>
               <a:ext cx="66150" cy="66150"/>
             </a:xfrm>
             <a:prstGeom prst="ellipse">
@@ -7738,7 +7738,7 @@
           </p:nvSpPr>
           <p:spPr>
             <a:xfrm>
-              <a:off x="9634137" y="5260962"/>
+              <a:off x="9634131" y="5260995"/>
               <a:ext cx="66150" cy="66150"/>
             </a:xfrm>
             <a:prstGeom prst="ellipse">
@@ -7773,7 +7773,7 @@
           </p:nvSpPr>
           <p:spPr>
             <a:xfrm>
-              <a:off x="3366061" y="3891302"/>
+              <a:off x="3366035" y="3891322"/>
               <a:ext cx="66150" cy="66150"/>
             </a:xfrm>
             <a:prstGeom prst="ellipse">
@@ -7808,7 +7808,7 @@
           </p:nvSpPr>
           <p:spPr>
             <a:xfrm>
-              <a:off x="5040410" y="4221938"/>
+              <a:off x="5040389" y="4221961"/>
               <a:ext cx="66150" cy="66150"/>
             </a:xfrm>
             <a:prstGeom prst="ellipse">
@@ -7843,7 +7843,7 @@
           </p:nvSpPr>
           <p:spPr>
             <a:xfrm>
-              <a:off x="3022605" y="3560666"/>
+              <a:off x="3022578" y="3560682"/>
               <a:ext cx="66150" cy="66150"/>
             </a:xfrm>
             <a:prstGeom prst="ellipse">
@@ -7878,7 +7878,7 @@
           </p:nvSpPr>
           <p:spPr>
             <a:xfrm>
-              <a:off x="5770255" y="4213672"/>
+              <a:off x="5770236" y="4213695"/>
               <a:ext cx="66150" cy="66150"/>
             </a:xfrm>
             <a:prstGeom prst="ellipse">
@@ -7913,8 +7913,8 @@
           </p:nvSpPr>
           <p:spPr>
             <a:xfrm>
-              <a:off x="373303" y="4813074"/>
-              <a:ext cx="127136" cy="160399"/>
+              <a:off x="373303" y="4809541"/>
+              <a:ext cx="127101" cy="163951"/>
             </a:xfrm>
             <a:prstGeom prst="rect">
               <a:avLst/>
@@ -7959,8 +7959,8 @@
           </p:nvSpPr>
           <p:spPr>
             <a:xfrm>
-              <a:off x="373303" y="3982465"/>
-              <a:ext cx="127136" cy="164417"/>
+              <a:off x="373303" y="3982943"/>
+              <a:ext cx="127101" cy="163951"/>
             </a:xfrm>
             <a:prstGeom prst="rect">
               <a:avLst/>
@@ -8005,8 +8005,8 @@
           </p:nvSpPr>
           <p:spPr>
             <a:xfrm>
-              <a:off x="373303" y="3160005"/>
-              <a:ext cx="127136" cy="160287"/>
+              <a:off x="373303" y="3156344"/>
+              <a:ext cx="127101" cy="163951"/>
             </a:xfrm>
             <a:prstGeom prst="rect">
               <a:avLst/>
@@ -8051,8 +8051,8 @@
           </p:nvSpPr>
           <p:spPr>
             <a:xfrm>
-              <a:off x="373303" y="2332521"/>
-              <a:ext cx="127136" cy="161180"/>
+              <a:off x="373303" y="2329746"/>
+              <a:ext cx="127101" cy="163951"/>
             </a:xfrm>
             <a:prstGeom prst="rect">
               <a:avLst/>
@@ -8097,18 +8097,18 @@
           </p:nvSpPr>
           <p:spPr>
             <a:xfrm>
-              <a:off x="576355" y="5455677"/>
-              <a:ext cx="11097929" cy="0"/>
+              <a:off x="576320" y="5455712"/>
+              <a:ext cx="11097964" cy="0"/>
             </a:xfrm>
             <a:custGeom>
               <a:avLst/>
               <a:pathLst>
-                <a:path w="11097929" h="0">
+                <a:path w="11097964" h="0">
                   <a:moveTo>
                     <a:pt x="0" y="0"/>
                   </a:moveTo>
                   <a:lnTo>
-                    <a:pt x="11097929" y="0"/>
+                    <a:pt x="11097964" y="0"/>
                   </a:lnTo>
                 </a:path>
               </a:pathLst>
@@ -8137,7 +8137,7 @@
           </p:nvSpPr>
           <p:spPr>
             <a:xfrm>
-              <a:off x="909078" y="5455677"/>
+              <a:off x="909044" y="5455712"/>
               <a:ext cx="0" cy="56936"/>
             </a:xfrm>
             <a:custGeom>
@@ -8177,7 +8177,7 @@
           </p:nvSpPr>
           <p:spPr>
             <a:xfrm>
-              <a:off x="3055680" y="5455677"/>
+              <a:off x="3055653" y="5455712"/>
               <a:ext cx="0" cy="56936"/>
             </a:xfrm>
             <a:custGeom>
@@ -8217,7 +8217,7 @@
           </p:nvSpPr>
           <p:spPr>
             <a:xfrm>
-              <a:off x="5202281" y="5455677"/>
+              <a:off x="5202261" y="5455712"/>
               <a:ext cx="0" cy="56936"/>
             </a:xfrm>
             <a:custGeom>
@@ -8257,7 +8257,7 @@
           </p:nvSpPr>
           <p:spPr>
             <a:xfrm>
-              <a:off x="7348883" y="5455677"/>
+              <a:off x="7348869" y="5455712"/>
               <a:ext cx="0" cy="56936"/>
             </a:xfrm>
             <a:custGeom>
@@ -8297,7 +8297,7 @@
           </p:nvSpPr>
           <p:spPr>
             <a:xfrm>
-              <a:off x="9495484" y="5455677"/>
+              <a:off x="9495477" y="5455712"/>
               <a:ext cx="0" cy="56936"/>
             </a:xfrm>
             <a:custGeom>
@@ -8337,7 +8337,7 @@
           </p:nvSpPr>
           <p:spPr>
             <a:xfrm>
-              <a:off x="11642085" y="5455677"/>
+              <a:off x="11642085" y="5455712"/>
               <a:ext cx="0" cy="56936"/>
             </a:xfrm>
             <a:custGeom>
@@ -8377,8 +8377,8 @@
           </p:nvSpPr>
           <p:spPr>
             <a:xfrm>
-              <a:off x="781942" y="5588305"/>
-              <a:ext cx="254272" cy="164194"/>
+              <a:off x="781943" y="5588564"/>
+              <a:ext cx="254203" cy="163951"/>
             </a:xfrm>
             <a:prstGeom prst="rect">
               <a:avLst/>
@@ -8423,8 +8423,8 @@
           </p:nvSpPr>
           <p:spPr>
             <a:xfrm>
-              <a:off x="2928543" y="5589310"/>
-              <a:ext cx="254272" cy="163190"/>
+              <a:off x="2928551" y="5588564"/>
+              <a:ext cx="254203" cy="163951"/>
             </a:xfrm>
             <a:prstGeom prst="rect">
               <a:avLst/>
@@ -8469,8 +8469,8 @@
           </p:nvSpPr>
           <p:spPr>
             <a:xfrm>
-              <a:off x="5075145" y="5587747"/>
-              <a:ext cx="254272" cy="164752"/>
+              <a:off x="5075159" y="5588564"/>
+              <a:ext cx="254203" cy="163951"/>
             </a:xfrm>
             <a:prstGeom prst="rect">
               <a:avLst/>
@@ -8515,8 +8515,8 @@
           </p:nvSpPr>
           <p:spPr>
             <a:xfrm>
-              <a:off x="7221746" y="5588082"/>
-              <a:ext cx="254272" cy="164417"/>
+              <a:off x="7221767" y="5588564"/>
+              <a:ext cx="254203" cy="163951"/>
             </a:xfrm>
             <a:prstGeom prst="rect">
               <a:avLst/>
@@ -8561,8 +8561,8 @@
           </p:nvSpPr>
           <p:spPr>
             <a:xfrm>
-              <a:off x="9368348" y="5588082"/>
-              <a:ext cx="254272" cy="164417"/>
+              <a:off x="9368376" y="5588564"/>
+              <a:ext cx="254203" cy="163951"/>
             </a:xfrm>
             <a:prstGeom prst="rect">
               <a:avLst/>
@@ -8607,8 +8607,8 @@
           </p:nvSpPr>
           <p:spPr>
             <a:xfrm>
-              <a:off x="11514949" y="5588082"/>
-              <a:ext cx="254272" cy="164417"/>
+              <a:off x="11514984" y="5588564"/>
+              <a:ext cx="254203" cy="163951"/>
             </a:xfrm>
             <a:prstGeom prst="rect">
               <a:avLst/>
@@ -8653,8 +8653,8 @@
           </p:nvSpPr>
           <p:spPr>
             <a:xfrm>
-              <a:off x="5902971" y="5850959"/>
-              <a:ext cx="444698" cy="173012"/>
+              <a:off x="5902966" y="5860018"/>
+              <a:ext cx="444672" cy="163951"/>
             </a:xfrm>
             <a:prstGeom prst="rect">
               <a:avLst/>
